--- a/Classes/03-AWSInfrastructure/ArchitectureMaster-03-AWSInfrastructure.pptx
+++ b/Classes/03-AWSInfrastructure/ArchitectureMaster-03-AWSInfrastructure.pptx
@@ -4,10 +4,16 @@
   <p:sldMasterIdLst>
     <p:sldMasterId id="2147483648" r:id="rId1"/>
   </p:sldMasterIdLst>
+  <p:notesMasterIdLst>
+    <p:notesMasterId r:id="rId8"/>
+  </p:notesMasterIdLst>
   <p:sldIdLst>
     <p:sldId id="256" r:id="rId2"/>
-    <p:sldId id="267" r:id="rId3"/>
-    <p:sldId id="278" r:id="rId4"/>
+    <p:sldId id="286" r:id="rId3"/>
+    <p:sldId id="287" r:id="rId4"/>
+    <p:sldId id="285" r:id="rId5"/>
+    <p:sldId id="284" r:id="rId6"/>
+    <p:sldId id="278" r:id="rId7"/>
   </p:sldIdLst>
   <p:sldSz cx="12192000" cy="6858000"/>
   <p:notesSz cx="6858000" cy="9144000"/>
@@ -114,6 +120,863 @@
 </p:presentation>
 </file>
 
+<file path=ppt/notesMasters/notesMaster1.xml><?xml version="1.0" encoding="utf-8"?>
+<p:notesMaster xmlns:a="http://schemas.openxmlformats.org/drawingml/2006/main" xmlns:r="http://schemas.openxmlformats.org/officeDocument/2006/relationships" xmlns:p="http://schemas.openxmlformats.org/presentationml/2006/main">
+  <p:cSld>
+    <p:bg>
+      <p:bgRef idx="1001">
+        <a:schemeClr val="bg1"/>
+      </p:bgRef>
+    </p:bg>
+    <p:spTree>
+      <p:nvGrpSpPr>
+        <p:cNvPr id="1" name=""/>
+        <p:cNvGrpSpPr/>
+        <p:nvPr/>
+      </p:nvGrpSpPr>
+      <p:grpSpPr>
+        <a:xfrm>
+          <a:off x="0" y="0"/>
+          <a:ext cx="0" cy="0"/>
+          <a:chOff x="0" y="0"/>
+          <a:chExt cx="0" cy="0"/>
+        </a:xfrm>
+      </p:grpSpPr>
+      <p:sp>
+        <p:nvSpPr>
+          <p:cNvPr id="2" name="Header Placeholder 1"/>
+          <p:cNvSpPr>
+            <a:spLocks noGrp="1"/>
+          </p:cNvSpPr>
+          <p:nvPr>
+            <p:ph type="hdr" sz="quarter"/>
+          </p:nvPr>
+        </p:nvSpPr>
+        <p:spPr>
+          <a:xfrm>
+            <a:off x="0" y="0"/>
+            <a:ext cx="2971800" cy="458788"/>
+          </a:xfrm>
+          <a:prstGeom prst="rect">
+            <a:avLst/>
+          </a:prstGeom>
+        </p:spPr>
+        <p:txBody>
+          <a:bodyPr vert="horz" lIns="91440" tIns="45720" rIns="91440" bIns="45720" rtlCol="0"/>
+          <a:lstStyle>
+            <a:lvl1pPr algn="l">
+              <a:defRPr sz="1200"/>
+            </a:lvl1pPr>
+          </a:lstStyle>
+          <a:p>
+            <a:endParaRPr lang="en-US"/>
+          </a:p>
+        </p:txBody>
+      </p:sp>
+      <p:sp>
+        <p:nvSpPr>
+          <p:cNvPr id="3" name="Date Placeholder 2"/>
+          <p:cNvSpPr>
+            <a:spLocks noGrp="1"/>
+          </p:cNvSpPr>
+          <p:nvPr>
+            <p:ph type="dt" idx="1"/>
+          </p:nvPr>
+        </p:nvSpPr>
+        <p:spPr>
+          <a:xfrm>
+            <a:off x="3884613" y="0"/>
+            <a:ext cx="2971800" cy="458788"/>
+          </a:xfrm>
+          <a:prstGeom prst="rect">
+            <a:avLst/>
+          </a:prstGeom>
+        </p:spPr>
+        <p:txBody>
+          <a:bodyPr vert="horz" lIns="91440" tIns="45720" rIns="91440" bIns="45720" rtlCol="0"/>
+          <a:lstStyle>
+            <a:lvl1pPr algn="r">
+              <a:defRPr sz="1200"/>
+            </a:lvl1pPr>
+          </a:lstStyle>
+          <a:p>
+            <a:fld id="{CCAEF35F-025F-4A3F-A3C9-76E0D2707082}" type="datetimeFigureOut">
+              <a:rPr lang="en-US" smtClean="0"/>
+              <a:t>5/17/2023</a:t>
+            </a:fld>
+            <a:endParaRPr lang="en-US"/>
+          </a:p>
+        </p:txBody>
+      </p:sp>
+      <p:sp>
+        <p:nvSpPr>
+          <p:cNvPr id="4" name="Slide Image Placeholder 3"/>
+          <p:cNvSpPr>
+            <a:spLocks noGrp="1" noRot="1" noChangeAspect="1"/>
+          </p:cNvSpPr>
+          <p:nvPr>
+            <p:ph type="sldImg" idx="2"/>
+          </p:nvPr>
+        </p:nvSpPr>
+        <p:spPr>
+          <a:xfrm>
+            <a:off x="685800" y="1143000"/>
+            <a:ext cx="5486400" cy="3086100"/>
+          </a:xfrm>
+          <a:prstGeom prst="rect">
+            <a:avLst/>
+          </a:prstGeom>
+          <a:noFill/>
+          <a:ln w="12700">
+            <a:solidFill>
+              <a:prstClr val="black"/>
+            </a:solidFill>
+          </a:ln>
+        </p:spPr>
+        <p:txBody>
+          <a:bodyPr vert="horz" lIns="91440" tIns="45720" rIns="91440" bIns="45720" rtlCol="0" anchor="ctr"/>
+          <a:lstStyle/>
+          <a:p>
+            <a:endParaRPr lang="en-US"/>
+          </a:p>
+        </p:txBody>
+      </p:sp>
+      <p:sp>
+        <p:nvSpPr>
+          <p:cNvPr id="5" name="Notes Placeholder 4"/>
+          <p:cNvSpPr>
+            <a:spLocks noGrp="1"/>
+          </p:cNvSpPr>
+          <p:nvPr>
+            <p:ph type="body" sz="quarter" idx="3"/>
+          </p:nvPr>
+        </p:nvSpPr>
+        <p:spPr>
+          <a:xfrm>
+            <a:off x="685800" y="4400550"/>
+            <a:ext cx="5486400" cy="3600450"/>
+          </a:xfrm>
+          <a:prstGeom prst="rect">
+            <a:avLst/>
+          </a:prstGeom>
+        </p:spPr>
+        <p:txBody>
+          <a:bodyPr vert="horz" lIns="91440" tIns="45720" rIns="91440" bIns="45720" rtlCol="0"/>
+          <a:lstStyle/>
+          <a:p>
+            <a:pPr lvl="0"/>
+            <a:r>
+              <a:rPr lang="en-US"/>
+              <a:t>Click to edit Master text styles</a:t>
+            </a:r>
+          </a:p>
+          <a:p>
+            <a:pPr lvl="1"/>
+            <a:r>
+              <a:rPr lang="en-US"/>
+              <a:t>Second level</a:t>
+            </a:r>
+          </a:p>
+          <a:p>
+            <a:pPr lvl="2"/>
+            <a:r>
+              <a:rPr lang="en-US"/>
+              <a:t>Third level</a:t>
+            </a:r>
+          </a:p>
+          <a:p>
+            <a:pPr lvl="3"/>
+            <a:r>
+              <a:rPr lang="en-US"/>
+              <a:t>Fourth level</a:t>
+            </a:r>
+          </a:p>
+          <a:p>
+            <a:pPr lvl="4"/>
+            <a:r>
+              <a:rPr lang="en-US"/>
+              <a:t>Fifth level</a:t>
+            </a:r>
+          </a:p>
+        </p:txBody>
+      </p:sp>
+      <p:sp>
+        <p:nvSpPr>
+          <p:cNvPr id="6" name="Footer Placeholder 5"/>
+          <p:cNvSpPr>
+            <a:spLocks noGrp="1"/>
+          </p:cNvSpPr>
+          <p:nvPr>
+            <p:ph type="ftr" sz="quarter" idx="4"/>
+          </p:nvPr>
+        </p:nvSpPr>
+        <p:spPr>
+          <a:xfrm>
+            <a:off x="0" y="8685213"/>
+            <a:ext cx="2971800" cy="458787"/>
+          </a:xfrm>
+          <a:prstGeom prst="rect">
+            <a:avLst/>
+          </a:prstGeom>
+        </p:spPr>
+        <p:txBody>
+          <a:bodyPr vert="horz" lIns="91440" tIns="45720" rIns="91440" bIns="45720" rtlCol="0" anchor="b"/>
+          <a:lstStyle>
+            <a:lvl1pPr algn="l">
+              <a:defRPr sz="1200"/>
+            </a:lvl1pPr>
+          </a:lstStyle>
+          <a:p>
+            <a:endParaRPr lang="en-US"/>
+          </a:p>
+        </p:txBody>
+      </p:sp>
+      <p:sp>
+        <p:nvSpPr>
+          <p:cNvPr id="7" name="Slide Number Placeholder 6"/>
+          <p:cNvSpPr>
+            <a:spLocks noGrp="1"/>
+          </p:cNvSpPr>
+          <p:nvPr>
+            <p:ph type="sldNum" sz="quarter" idx="5"/>
+          </p:nvPr>
+        </p:nvSpPr>
+        <p:spPr>
+          <a:xfrm>
+            <a:off x="3884613" y="8685213"/>
+            <a:ext cx="2971800" cy="458787"/>
+          </a:xfrm>
+          <a:prstGeom prst="rect">
+            <a:avLst/>
+          </a:prstGeom>
+        </p:spPr>
+        <p:txBody>
+          <a:bodyPr vert="horz" lIns="91440" tIns="45720" rIns="91440" bIns="45720" rtlCol="0" anchor="b"/>
+          <a:lstStyle>
+            <a:lvl1pPr algn="r">
+              <a:defRPr sz="1200"/>
+            </a:lvl1pPr>
+          </a:lstStyle>
+          <a:p>
+            <a:fld id="{ED340EC5-0475-408A-8DD9-F38DC2D8118C}" type="slidenum">
+              <a:rPr lang="en-US" smtClean="0"/>
+              <a:t>‹#›</a:t>
+            </a:fld>
+            <a:endParaRPr lang="en-US"/>
+          </a:p>
+        </p:txBody>
+      </p:sp>
+    </p:spTree>
+    <p:extLst>
+      <p:ext uri="{BB962C8B-B14F-4D97-AF65-F5344CB8AC3E}">
+        <p14:creationId xmlns:p14="http://schemas.microsoft.com/office/powerpoint/2010/main" val="897799679"/>
+      </p:ext>
+    </p:extLst>
+  </p:cSld>
+  <p:clrMap bg1="lt1" tx1="dk1" bg2="lt2" tx2="dk2" accent1="accent1" accent2="accent2" accent3="accent3" accent4="accent4" accent5="accent5" accent6="accent6" hlink="hlink" folHlink="folHlink"/>
+  <p:notesStyle>
+    <a:lvl1pPr marL="0" algn="l" defTabSz="914400" rtl="0" eaLnBrk="1" latinLnBrk="0" hangingPunct="1">
+      <a:defRPr sz="1200" kern="1200">
+        <a:solidFill>
+          <a:schemeClr val="tx1"/>
+        </a:solidFill>
+        <a:latin typeface="+mn-lt"/>
+        <a:ea typeface="+mn-ea"/>
+        <a:cs typeface="+mn-cs"/>
+      </a:defRPr>
+    </a:lvl1pPr>
+    <a:lvl2pPr marL="457200" algn="l" defTabSz="914400" rtl="0" eaLnBrk="1" latinLnBrk="0" hangingPunct="1">
+      <a:defRPr sz="1200" kern="1200">
+        <a:solidFill>
+          <a:schemeClr val="tx1"/>
+        </a:solidFill>
+        <a:latin typeface="+mn-lt"/>
+        <a:ea typeface="+mn-ea"/>
+        <a:cs typeface="+mn-cs"/>
+      </a:defRPr>
+    </a:lvl2pPr>
+    <a:lvl3pPr marL="914400" algn="l" defTabSz="914400" rtl="0" eaLnBrk="1" latinLnBrk="0" hangingPunct="1">
+      <a:defRPr sz="1200" kern="1200">
+        <a:solidFill>
+          <a:schemeClr val="tx1"/>
+        </a:solidFill>
+        <a:latin typeface="+mn-lt"/>
+        <a:ea typeface="+mn-ea"/>
+        <a:cs typeface="+mn-cs"/>
+      </a:defRPr>
+    </a:lvl3pPr>
+    <a:lvl4pPr marL="1371600" algn="l" defTabSz="914400" rtl="0" eaLnBrk="1" latinLnBrk="0" hangingPunct="1">
+      <a:defRPr sz="1200" kern="1200">
+        <a:solidFill>
+          <a:schemeClr val="tx1"/>
+        </a:solidFill>
+        <a:latin typeface="+mn-lt"/>
+        <a:ea typeface="+mn-ea"/>
+        <a:cs typeface="+mn-cs"/>
+      </a:defRPr>
+    </a:lvl4pPr>
+    <a:lvl5pPr marL="1828800" algn="l" defTabSz="914400" rtl="0" eaLnBrk="1" latinLnBrk="0" hangingPunct="1">
+      <a:defRPr sz="1200" kern="1200">
+        <a:solidFill>
+          <a:schemeClr val="tx1"/>
+        </a:solidFill>
+        <a:latin typeface="+mn-lt"/>
+        <a:ea typeface="+mn-ea"/>
+        <a:cs typeface="+mn-cs"/>
+      </a:defRPr>
+    </a:lvl5pPr>
+    <a:lvl6pPr marL="2286000" algn="l" defTabSz="914400" rtl="0" eaLnBrk="1" latinLnBrk="0" hangingPunct="1">
+      <a:defRPr sz="1200" kern="1200">
+        <a:solidFill>
+          <a:schemeClr val="tx1"/>
+        </a:solidFill>
+        <a:latin typeface="+mn-lt"/>
+        <a:ea typeface="+mn-ea"/>
+        <a:cs typeface="+mn-cs"/>
+      </a:defRPr>
+    </a:lvl6pPr>
+    <a:lvl7pPr marL="2743200" algn="l" defTabSz="914400" rtl="0" eaLnBrk="1" latinLnBrk="0" hangingPunct="1">
+      <a:defRPr sz="1200" kern="1200">
+        <a:solidFill>
+          <a:schemeClr val="tx1"/>
+        </a:solidFill>
+        <a:latin typeface="+mn-lt"/>
+        <a:ea typeface="+mn-ea"/>
+        <a:cs typeface="+mn-cs"/>
+      </a:defRPr>
+    </a:lvl7pPr>
+    <a:lvl8pPr marL="3200400" algn="l" defTabSz="914400" rtl="0" eaLnBrk="1" latinLnBrk="0" hangingPunct="1">
+      <a:defRPr sz="1200" kern="1200">
+        <a:solidFill>
+          <a:schemeClr val="tx1"/>
+        </a:solidFill>
+        <a:latin typeface="+mn-lt"/>
+        <a:ea typeface="+mn-ea"/>
+        <a:cs typeface="+mn-cs"/>
+      </a:defRPr>
+    </a:lvl8pPr>
+    <a:lvl9pPr marL="3657600" algn="l" defTabSz="914400" rtl="0" eaLnBrk="1" latinLnBrk="0" hangingPunct="1">
+      <a:defRPr sz="1200" kern="1200">
+        <a:solidFill>
+          <a:schemeClr val="tx1"/>
+        </a:solidFill>
+        <a:latin typeface="+mn-lt"/>
+        <a:ea typeface="+mn-ea"/>
+        <a:cs typeface="+mn-cs"/>
+      </a:defRPr>
+    </a:lvl9pPr>
+  </p:notesStyle>
+</p:notesMaster>
+</file>
+
+<file path=ppt/notesSlides/notesSlide1.xml><?xml version="1.0" encoding="utf-8"?>
+<p:notes xmlns:a="http://schemas.openxmlformats.org/drawingml/2006/main" xmlns:r="http://schemas.openxmlformats.org/officeDocument/2006/relationships" xmlns:p="http://schemas.openxmlformats.org/presentationml/2006/main">
+  <p:cSld>
+    <p:spTree>
+      <p:nvGrpSpPr>
+        <p:cNvPr id="1" name=""/>
+        <p:cNvGrpSpPr/>
+        <p:nvPr/>
+      </p:nvGrpSpPr>
+      <p:grpSpPr>
+        <a:xfrm>
+          <a:off x="0" y="0"/>
+          <a:ext cx="0" cy="0"/>
+          <a:chOff x="0" y="0"/>
+          <a:chExt cx="0" cy="0"/>
+        </a:xfrm>
+      </p:grpSpPr>
+      <p:sp>
+        <p:nvSpPr>
+          <p:cNvPr id="2" name="Slide Image Placeholder 1"/>
+          <p:cNvSpPr>
+            <a:spLocks noGrp="1" noRot="1" noChangeAspect="1"/>
+          </p:cNvSpPr>
+          <p:nvPr>
+            <p:ph type="sldImg"/>
+          </p:nvPr>
+        </p:nvSpPr>
+        <p:spPr/>
+      </p:sp>
+      <p:sp>
+        <p:nvSpPr>
+          <p:cNvPr id="3" name="Notes Placeholder 2"/>
+          <p:cNvSpPr>
+            <a:spLocks noGrp="1"/>
+          </p:cNvSpPr>
+          <p:nvPr>
+            <p:ph type="body" idx="1"/>
+          </p:nvPr>
+        </p:nvSpPr>
+        <p:spPr/>
+        <p:txBody>
+          <a:bodyPr/>
+          <a:lstStyle/>
+          <a:p>
+            <a:r>
+              <a:rPr lang="en-US" dirty="0"/>
+              <a:t>AWS , es </a:t>
+            </a:r>
+            <a:r>
+              <a:rPr lang="en-US" dirty="0" err="1"/>
+              <a:t>una</a:t>
+            </a:r>
+            <a:r>
+              <a:rPr lang="en-US" dirty="0"/>
+              <a:t> </a:t>
+            </a:r>
+            <a:r>
+              <a:rPr lang="en-US" dirty="0" err="1"/>
+              <a:t>infraestructura</a:t>
+            </a:r>
+            <a:r>
+              <a:rPr lang="en-US" dirty="0"/>
+              <a:t> global y </a:t>
+            </a:r>
+            <a:r>
+              <a:rPr lang="en-US" dirty="0" err="1"/>
+              <a:t>tiene</a:t>
+            </a:r>
+            <a:r>
+              <a:rPr lang="en-US" dirty="0"/>
+              <a:t> </a:t>
+            </a:r>
+            <a:r>
+              <a:rPr lang="en-US" dirty="0" err="1"/>
+              <a:t>centros</a:t>
+            </a:r>
+            <a:r>
+              <a:rPr lang="en-US" dirty="0"/>
+              <a:t> de </a:t>
+            </a:r>
+            <a:r>
+              <a:rPr lang="en-US" dirty="0" err="1"/>
+              <a:t>datos</a:t>
+            </a:r>
+            <a:r>
+              <a:rPr lang="en-US" dirty="0"/>
+              <a:t> </a:t>
+            </a:r>
+            <a:r>
+              <a:rPr lang="en-US" dirty="0" err="1"/>
+              <a:t>distribuidos</a:t>
+            </a:r>
+            <a:r>
+              <a:rPr lang="en-US" dirty="0"/>
+              <a:t> </a:t>
+            </a:r>
+            <a:r>
+              <a:rPr lang="en-US" dirty="0" err="1"/>
+              <a:t>por</a:t>
+            </a:r>
+            <a:r>
+              <a:rPr lang="en-US" dirty="0"/>
+              <a:t> </a:t>
+            </a:r>
+            <a:r>
+              <a:rPr lang="en-US" dirty="0" err="1"/>
+              <a:t>todo</a:t>
+            </a:r>
+            <a:r>
+              <a:rPr lang="en-US" dirty="0"/>
+              <a:t> </a:t>
+            </a:r>
+            <a:r>
+              <a:rPr lang="en-US" dirty="0" err="1"/>
+              <a:t>el</a:t>
+            </a:r>
+            <a:r>
+              <a:rPr lang="en-US" dirty="0"/>
+              <a:t> </a:t>
+            </a:r>
+            <a:r>
+              <a:rPr lang="en-US" dirty="0" err="1"/>
+              <a:t>mundo</a:t>
+            </a:r>
+            <a:r>
+              <a:rPr lang="en-US" dirty="0"/>
+              <a:t>.</a:t>
+            </a:r>
+          </a:p>
+          <a:p>
+            <a:r>
+              <a:rPr lang="en-US" dirty="0" err="1"/>
+              <a:t>Debemos</a:t>
+            </a:r>
+            <a:r>
+              <a:rPr lang="en-US" dirty="0"/>
+              <a:t> </a:t>
+            </a:r>
+            <a:r>
+              <a:rPr lang="en-US" dirty="0" err="1"/>
+              <a:t>tener</a:t>
+            </a:r>
+            <a:r>
+              <a:rPr lang="en-US" dirty="0"/>
+              <a:t> </a:t>
+            </a:r>
+            <a:r>
+              <a:rPr lang="en-US" dirty="0" err="1"/>
+              <a:t>presente</a:t>
+            </a:r>
+            <a:r>
+              <a:rPr lang="en-US" dirty="0"/>
+              <a:t> </a:t>
+            </a:r>
+            <a:r>
+              <a:rPr lang="en-US" dirty="0" err="1"/>
+              <a:t>estos</a:t>
+            </a:r>
+            <a:r>
+              <a:rPr lang="en-US" dirty="0"/>
+              <a:t> </a:t>
+            </a:r>
+            <a:r>
+              <a:rPr lang="en-US" dirty="0" err="1"/>
+              <a:t>conceptos</a:t>
+            </a:r>
+            <a:r>
+              <a:rPr lang="en-US" dirty="0"/>
+              <a:t> a la hora de </a:t>
+            </a:r>
+            <a:r>
+              <a:rPr lang="en-US" dirty="0" err="1"/>
+              <a:t>seleccionar</a:t>
+            </a:r>
+            <a:r>
+              <a:rPr lang="en-US" dirty="0"/>
+              <a:t> la Zona que </a:t>
+            </a:r>
+            <a:r>
+              <a:rPr lang="en-US" dirty="0" err="1"/>
+              <a:t>mejor</a:t>
+            </a:r>
+            <a:r>
+              <a:rPr lang="en-US" dirty="0"/>
+              <a:t> se </a:t>
+            </a:r>
+            <a:r>
+              <a:rPr lang="en-US" dirty="0" err="1"/>
+              <a:t>ajuste</a:t>
+            </a:r>
+            <a:r>
+              <a:rPr lang="en-US" dirty="0"/>
+              <a:t> a </a:t>
+            </a:r>
+            <a:r>
+              <a:rPr lang="en-US" dirty="0" err="1"/>
+              <a:t>nuestras</a:t>
+            </a:r>
+            <a:r>
+              <a:rPr lang="en-US" dirty="0"/>
+              <a:t> </a:t>
+            </a:r>
+            <a:r>
+              <a:rPr lang="en-US" dirty="0" err="1"/>
+              <a:t>necesidades</a:t>
+            </a:r>
+            <a:r>
+              <a:rPr lang="en-US" dirty="0"/>
+              <a:t>, </a:t>
+            </a:r>
+            <a:r>
+              <a:rPr lang="en-US" dirty="0" err="1"/>
+              <a:t>ya</a:t>
+            </a:r>
+            <a:r>
+              <a:rPr lang="en-US" dirty="0"/>
+              <a:t> sea </a:t>
+            </a:r>
+            <a:r>
+              <a:rPr lang="en-US" dirty="0" err="1"/>
+              <a:t>por</a:t>
+            </a:r>
+            <a:r>
+              <a:rPr lang="en-US" dirty="0"/>
+              <a:t> </a:t>
+            </a:r>
+            <a:r>
+              <a:rPr lang="en-US" dirty="0" err="1"/>
+              <a:t>servicio</a:t>
+            </a:r>
+            <a:r>
+              <a:rPr lang="en-US" dirty="0"/>
+              <a:t>, o </a:t>
+            </a:r>
+            <a:r>
+              <a:rPr lang="en-US" dirty="0" err="1"/>
+              <a:t>por</a:t>
+            </a:r>
+            <a:r>
+              <a:rPr lang="en-US" dirty="0"/>
+              <a:t> </a:t>
+            </a:r>
+            <a:r>
+              <a:rPr lang="en-US" dirty="0" err="1"/>
+              <a:t>latencia</a:t>
+            </a:r>
+            <a:r>
+              <a:rPr lang="en-US" dirty="0"/>
+              <a:t> o </a:t>
+            </a:r>
+            <a:r>
+              <a:rPr lang="en-US" dirty="0" err="1"/>
+              <a:t>por</a:t>
+            </a:r>
+            <a:r>
+              <a:rPr lang="en-US" dirty="0"/>
+              <a:t> </a:t>
+            </a:r>
+          </a:p>
+        </p:txBody>
+      </p:sp>
+      <p:sp>
+        <p:nvSpPr>
+          <p:cNvPr id="4" name="Slide Number Placeholder 3"/>
+          <p:cNvSpPr>
+            <a:spLocks noGrp="1"/>
+          </p:cNvSpPr>
+          <p:nvPr>
+            <p:ph type="sldNum" sz="quarter" idx="5"/>
+          </p:nvPr>
+        </p:nvSpPr>
+        <p:spPr/>
+        <p:txBody>
+          <a:bodyPr/>
+          <a:lstStyle/>
+          <a:p>
+            <a:fld id="{ED340EC5-0475-408A-8DD9-F38DC2D8118C}" type="slidenum">
+              <a:rPr lang="en-US" smtClean="0"/>
+              <a:t>2</a:t>
+            </a:fld>
+            <a:endParaRPr lang="en-US"/>
+          </a:p>
+        </p:txBody>
+      </p:sp>
+    </p:spTree>
+    <p:extLst>
+      <p:ext uri="{BB962C8B-B14F-4D97-AF65-F5344CB8AC3E}">
+        <p14:creationId xmlns:p14="http://schemas.microsoft.com/office/powerpoint/2010/main" val="3488573482"/>
+      </p:ext>
+    </p:extLst>
+  </p:cSld>
+  <p:clrMapOvr>
+    <a:masterClrMapping/>
+  </p:clrMapOvr>
+</p:notes>
+</file>
+
+<file path=ppt/notesSlides/notesSlide2.xml><?xml version="1.0" encoding="utf-8"?>
+<p:notes xmlns:a="http://schemas.openxmlformats.org/drawingml/2006/main" xmlns:r="http://schemas.openxmlformats.org/officeDocument/2006/relationships" xmlns:p="http://schemas.openxmlformats.org/presentationml/2006/main">
+  <p:cSld>
+    <p:spTree>
+      <p:nvGrpSpPr>
+        <p:cNvPr id="1" name=""/>
+        <p:cNvGrpSpPr/>
+        <p:nvPr/>
+      </p:nvGrpSpPr>
+      <p:grpSpPr>
+        <a:xfrm>
+          <a:off x="0" y="0"/>
+          <a:ext cx="0" cy="0"/>
+          <a:chOff x="0" y="0"/>
+          <a:chExt cx="0" cy="0"/>
+        </a:xfrm>
+      </p:grpSpPr>
+      <p:sp>
+        <p:nvSpPr>
+          <p:cNvPr id="2" name="Slide Image Placeholder 1"/>
+          <p:cNvSpPr>
+            <a:spLocks noGrp="1" noRot="1" noChangeAspect="1"/>
+          </p:cNvSpPr>
+          <p:nvPr>
+            <p:ph type="sldImg"/>
+          </p:nvPr>
+        </p:nvSpPr>
+        <p:spPr/>
+      </p:sp>
+      <p:sp>
+        <p:nvSpPr>
+          <p:cNvPr id="3" name="Notes Placeholder 2"/>
+          <p:cNvSpPr>
+            <a:spLocks noGrp="1"/>
+          </p:cNvSpPr>
+          <p:nvPr>
+            <p:ph type="body" idx="1"/>
+          </p:nvPr>
+        </p:nvSpPr>
+        <p:spPr/>
+        <p:txBody>
+          <a:bodyPr/>
+          <a:lstStyle/>
+          <a:p>
+            <a:pPr algn="l"/>
+            <a:r>
+              <a:rPr lang="en-US" b="0" i="0" dirty="0">
+                <a:solidFill>
+                  <a:srgbClr val="FFFFFF"/>
+                </a:solidFill>
+                <a:effectLst/>
+                <a:latin typeface="AmazonEmber"/>
+              </a:rPr>
+              <a:t>AWS has the concept of a Region, which is a physical location around the world where we cluster data centers. </a:t>
+            </a:r>
+          </a:p>
+          <a:p>
+            <a:pPr algn="l"/>
+            <a:r>
+              <a:rPr lang="en-US" b="0" i="0" dirty="0">
+                <a:solidFill>
+                  <a:srgbClr val="FFFFFF"/>
+                </a:solidFill>
+                <a:effectLst/>
+                <a:latin typeface="AmazonEmber"/>
+              </a:rPr>
+              <a:t>We call each group of logical data centers an Availability Zone. </a:t>
+            </a:r>
+          </a:p>
+          <a:p>
+            <a:pPr algn="l"/>
+            <a:r>
+              <a:rPr lang="en-US" b="0" i="0" dirty="0">
+                <a:solidFill>
+                  <a:srgbClr val="FFFFFF"/>
+                </a:solidFill>
+                <a:effectLst/>
+                <a:latin typeface="AmazonEmber"/>
+              </a:rPr>
+              <a:t>Each AWS Region consists of a minimum of three, isolated, and physically separate AZs within a geographic area. </a:t>
+            </a:r>
+          </a:p>
+          <a:p>
+            <a:pPr algn="l"/>
+            <a:r>
+              <a:rPr lang="en-US" b="0" i="0" dirty="0">
+                <a:solidFill>
+                  <a:srgbClr val="FFFFFF"/>
+                </a:solidFill>
+                <a:effectLst/>
+                <a:latin typeface="AmazonEmber"/>
+              </a:rPr>
+              <a:t>Unlike other cloud providers, who often define a region as a single data center, the multiple AZ design of every AWS Region offers advantages for customers. </a:t>
+            </a:r>
+          </a:p>
+          <a:p>
+            <a:pPr algn="l"/>
+            <a:r>
+              <a:rPr lang="en-US" b="0" i="0" dirty="0">
+                <a:solidFill>
+                  <a:srgbClr val="FFFFFF"/>
+                </a:solidFill>
+                <a:effectLst/>
+                <a:latin typeface="AmazonEmber"/>
+              </a:rPr>
+              <a:t>Each AZ has independent power, cooling, and physical security and is connected via redundant, ultra-low-latency networks. </a:t>
+            </a:r>
+          </a:p>
+          <a:p>
+            <a:pPr algn="l"/>
+            <a:r>
+              <a:rPr lang="en-US" b="0" i="0" dirty="0">
+                <a:solidFill>
+                  <a:srgbClr val="FFFFFF"/>
+                </a:solidFill>
+                <a:effectLst/>
+                <a:latin typeface="AmazonEmber"/>
+              </a:rPr>
+              <a:t>AWS customers focused on high availability can design their applications to run in multiple AZs to achieve even greater fault-tolerance. </a:t>
+            </a:r>
+          </a:p>
+          <a:p>
+            <a:pPr algn="l"/>
+            <a:r>
+              <a:rPr lang="en-US" b="0" i="0" dirty="0">
+                <a:solidFill>
+                  <a:srgbClr val="FFFFFF"/>
+                </a:solidFill>
+                <a:effectLst/>
+                <a:latin typeface="AmazonEmber"/>
+              </a:rPr>
+              <a:t>AWS infrastructure Regions meet the highest levels of security, compliance, and data protection.</a:t>
+            </a:r>
+          </a:p>
+          <a:p>
+            <a:pPr algn="l"/>
+            <a:r>
+              <a:rPr lang="en-US" b="0" i="0" dirty="0">
+                <a:solidFill>
+                  <a:srgbClr val="FFFFFF"/>
+                </a:solidFill>
+                <a:effectLst/>
+                <a:latin typeface="AmazonEmber"/>
+              </a:rPr>
+              <a:t>AWS provides a more extensive global footprint than any other cloud provider, and to support its global footprint and ensure customers are served across the world, AWS opens new Regions rapidly. </a:t>
+            </a:r>
+          </a:p>
+          <a:p>
+            <a:pPr algn="l"/>
+            <a:endParaRPr lang="en-US" b="0" i="0" dirty="0">
+              <a:solidFill>
+                <a:srgbClr val="FFFFFF"/>
+              </a:solidFill>
+              <a:effectLst/>
+              <a:latin typeface="AmazonEmber"/>
+            </a:endParaRPr>
+          </a:p>
+          <a:p>
+            <a:pPr algn="l"/>
+            <a:r>
+              <a:rPr lang="en-US" b="0" i="0" dirty="0">
+                <a:solidFill>
+                  <a:srgbClr val="FFFFFF"/>
+                </a:solidFill>
+                <a:effectLst/>
+                <a:latin typeface="AmazonEmber"/>
+              </a:rPr>
+              <a:t>AWS maintains multiple geographic Regions, including Regions in North America, South America, Europe, China, Asia Pacific, South Africa, and the Middle East.</a:t>
+            </a:r>
+          </a:p>
+          <a:p>
+            <a:endParaRPr lang="en-US" dirty="0"/>
+          </a:p>
+        </p:txBody>
+      </p:sp>
+      <p:sp>
+        <p:nvSpPr>
+          <p:cNvPr id="4" name="Slide Number Placeholder 3"/>
+          <p:cNvSpPr>
+            <a:spLocks noGrp="1"/>
+          </p:cNvSpPr>
+          <p:nvPr>
+            <p:ph type="sldNum" sz="quarter" idx="5"/>
+          </p:nvPr>
+        </p:nvSpPr>
+        <p:spPr/>
+        <p:txBody>
+          <a:bodyPr/>
+          <a:lstStyle/>
+          <a:p>
+            <a:fld id="{ED340EC5-0475-408A-8DD9-F38DC2D8118C}" type="slidenum">
+              <a:rPr lang="en-US" smtClean="0"/>
+              <a:t>3</a:t>
+            </a:fld>
+            <a:endParaRPr lang="en-US"/>
+          </a:p>
+        </p:txBody>
+      </p:sp>
+    </p:spTree>
+    <p:extLst>
+      <p:ext uri="{BB962C8B-B14F-4D97-AF65-F5344CB8AC3E}">
+        <p14:creationId xmlns:p14="http://schemas.microsoft.com/office/powerpoint/2010/main" val="726254345"/>
+      </p:ext>
+    </p:extLst>
+  </p:cSld>
+  <p:clrMapOvr>
+    <a:masterClrMapping/>
+  </p:clrMapOvr>
+</p:notes>
+</file>
+
 <file path=ppt/slideLayouts/slideLayout1.xml><?xml version="1.0" encoding="utf-8"?>
 <p:sldLayout xmlns:a="http://schemas.openxmlformats.org/drawingml/2006/main" xmlns:r="http://schemas.openxmlformats.org/officeDocument/2006/relationships" xmlns:p="http://schemas.openxmlformats.org/presentationml/2006/main" type="title" preserve="1">
   <p:cSld name="Title Slide">
@@ -280,7 +1143,7 @@
           <a:p>
             <a:fld id="{C590909A-0DFE-43BA-B693-0183CFC4A986}" type="datetimeFigureOut">
               <a:rPr lang="en-US" smtClean="0"/>
-              <a:t>5/14/2023</a:t>
+              <a:t>5/17/2023</a:t>
             </a:fld>
             <a:endParaRPr lang="en-US"/>
           </a:p>
@@ -540,7 +1403,7 @@
           <a:p>
             <a:fld id="{C590909A-0DFE-43BA-B693-0183CFC4A986}" type="datetimeFigureOut">
               <a:rPr lang="en-US" smtClean="0"/>
-              <a:t>5/14/2023</a:t>
+              <a:t>5/17/2023</a:t>
             </a:fld>
             <a:endParaRPr lang="en-US"/>
           </a:p>
@@ -748,7 +1611,7 @@
           <a:p>
             <a:fld id="{C590909A-0DFE-43BA-B693-0183CFC4A986}" type="datetimeFigureOut">
               <a:rPr lang="en-US" smtClean="0"/>
-              <a:t>5/14/2023</a:t>
+              <a:t>5/17/2023</a:t>
             </a:fld>
             <a:endParaRPr lang="en-US"/>
           </a:p>
@@ -822,7 +1685,7 @@
 </file>
 
 <file path=ppt/slideLayouts/slideLayout2.xml><?xml version="1.0" encoding="utf-8"?>
-<p:sldLayout xmlns:a="http://schemas.openxmlformats.org/drawingml/2006/main" xmlns:r="http://schemas.openxmlformats.org/officeDocument/2006/relationships" xmlns:p="http://schemas.openxmlformats.org/presentationml/2006/main" type="obj" preserve="1">
+<p:sldLayout xmlns:a="http://schemas.openxmlformats.org/drawingml/2006/main" xmlns:r="http://schemas.openxmlformats.org/officeDocument/2006/relationships" xmlns:p="http://schemas.openxmlformats.org/presentationml/2006/main" preserve="1" userDrawn="1">
   <p:cSld name="Title and Content">
     <p:spTree>
       <p:nvGrpSpPr>
@@ -884,116 +1747,6 @@
       </p:sp>
       <p:sp>
         <p:nvSpPr>
-          <p:cNvPr id="3" name="Content Placeholder 2">
-            <a:extLst>
-              <a:ext uri="{FF2B5EF4-FFF2-40B4-BE49-F238E27FC236}">
-                <a16:creationId xmlns:a16="http://schemas.microsoft.com/office/drawing/2014/main" id="{86149C5C-8C40-49AA-85E7-C669118EF4BD}"/>
-              </a:ext>
-            </a:extLst>
-          </p:cNvPr>
-          <p:cNvSpPr>
-            <a:spLocks noGrp="1"/>
-          </p:cNvSpPr>
-          <p:nvPr>
-            <p:ph idx="1"/>
-          </p:nvPr>
-        </p:nvSpPr>
-        <p:spPr>
-          <a:xfrm>
-            <a:off x="838200" y="947523"/>
-            <a:ext cx="10515600" cy="4938495"/>
-          </a:xfrm>
-        </p:spPr>
-        <p:txBody>
-          <a:bodyPr/>
-          <a:lstStyle>
-            <a:lvl1pPr marL="228600" indent="-228600">
-              <a:buClr>
-                <a:schemeClr val="accent2">
-                  <a:lumMod val="75000"/>
-                </a:schemeClr>
-              </a:buClr>
-              <a:buFont typeface="Wingdings" panose="05000000000000000000" pitchFamily="2" charset="2"/>
-              <a:buChar char="§"/>
-              <a:defRPr/>
-            </a:lvl1pPr>
-            <a:lvl2pPr marL="685800" indent="-228600">
-              <a:buClr>
-                <a:schemeClr val="accent2"/>
-              </a:buClr>
-              <a:buFont typeface="Arial" panose="020B0604020202020204" pitchFamily="34" charset="0"/>
-              <a:buChar char="•"/>
-              <a:defRPr/>
-            </a:lvl2pPr>
-            <a:lvl3pPr marL="1143000" indent="-228600">
-              <a:buClr>
-                <a:srgbClr val="C00000"/>
-              </a:buClr>
-              <a:buFont typeface="Wingdings" panose="05000000000000000000" pitchFamily="2" charset="2"/>
-              <a:buChar char="§"/>
-              <a:defRPr/>
-            </a:lvl3pPr>
-            <a:lvl4pPr marL="1600200" indent="-228600">
-              <a:buClr>
-                <a:schemeClr val="accent4">
-                  <a:lumMod val="60000"/>
-                  <a:lumOff val="40000"/>
-                </a:schemeClr>
-              </a:buClr>
-              <a:buFont typeface="Wingdings" panose="05000000000000000000" pitchFamily="2" charset="2"/>
-              <a:buChar char="§"/>
-              <a:defRPr/>
-            </a:lvl4pPr>
-            <a:lvl5pPr marL="2057400" indent="-228600">
-              <a:buClr>
-                <a:schemeClr val="accent4">
-                  <a:lumMod val="75000"/>
-                </a:schemeClr>
-              </a:buClr>
-              <a:buFont typeface="Wingdings" panose="05000000000000000000" pitchFamily="2" charset="2"/>
-              <a:buChar char="§"/>
-              <a:defRPr/>
-            </a:lvl5pPr>
-          </a:lstStyle>
-          <a:p>
-            <a:pPr lvl="0"/>
-            <a:r>
-              <a:rPr lang="en-US" dirty="0"/>
-              <a:t>Click to edit Master text styles</a:t>
-            </a:r>
-          </a:p>
-          <a:p>
-            <a:pPr lvl="1"/>
-            <a:r>
-              <a:rPr lang="en-US" dirty="0"/>
-              <a:t>Second level</a:t>
-            </a:r>
-          </a:p>
-          <a:p>
-            <a:pPr lvl="2"/>
-            <a:r>
-              <a:rPr lang="en-US" dirty="0"/>
-              <a:t>Third level</a:t>
-            </a:r>
-          </a:p>
-          <a:p>
-            <a:pPr lvl="3"/>
-            <a:r>
-              <a:rPr lang="en-US" dirty="0"/>
-              <a:t>Fourth level</a:t>
-            </a:r>
-          </a:p>
-          <a:p>
-            <a:pPr lvl="4"/>
-            <a:r>
-              <a:rPr lang="en-US" dirty="0"/>
-              <a:t>Fifth level</a:t>
-            </a:r>
-          </a:p>
-        </p:txBody>
-      </p:sp>
-      <p:sp>
-        <p:nvSpPr>
           <p:cNvPr id="4" name="Date Placeholder 3">
             <a:extLst>
               <a:ext uri="{FF2B5EF4-FFF2-40B4-BE49-F238E27FC236}">
@@ -1015,7 +1768,7 @@
           <a:p>
             <a:fld id="{C590909A-0DFE-43BA-B693-0183CFC4A986}" type="datetimeFigureOut">
               <a:rPr lang="en-US" smtClean="0"/>
-              <a:t>5/14/2023</a:t>
+              <a:t>5/17/2023</a:t>
             </a:fld>
             <a:endParaRPr lang="en-US"/>
           </a:p>
@@ -1111,6 +1864,111 @@
           </a:prstGeom>
         </p:spPr>
       </p:pic>
+      <p:sp>
+        <p:nvSpPr>
+          <p:cNvPr id="7" name="Content Placeholder 2">
+            <a:extLst>
+              <a:ext uri="{FF2B5EF4-FFF2-40B4-BE49-F238E27FC236}">
+                <a16:creationId xmlns:a16="http://schemas.microsoft.com/office/drawing/2014/main" id="{D7E5589E-2402-7896-5CDD-96D67E54E1E1}"/>
+              </a:ext>
+            </a:extLst>
+          </p:cNvPr>
+          <p:cNvSpPr>
+            <a:spLocks noGrp="1"/>
+          </p:cNvSpPr>
+          <p:nvPr>
+            <p:ph idx="1"/>
+          </p:nvPr>
+        </p:nvSpPr>
+        <p:spPr>
+          <a:xfrm>
+            <a:off x="838200" y="947523"/>
+            <a:ext cx="10515600" cy="4938495"/>
+          </a:xfrm>
+        </p:spPr>
+        <p:txBody>
+          <a:bodyPr/>
+          <a:lstStyle>
+            <a:lvl1pPr marL="228600" indent="-228600">
+              <a:buClr>
+                <a:schemeClr val="accent2">
+                  <a:lumMod val="75000"/>
+                </a:schemeClr>
+              </a:buClr>
+              <a:buFont typeface="Wingdings" panose="05000000000000000000" pitchFamily="2" charset="2"/>
+              <a:buChar char="§"/>
+              <a:defRPr/>
+            </a:lvl1pPr>
+            <a:lvl2pPr marL="685800" indent="-228600">
+              <a:buClr>
+                <a:schemeClr val="accent1"/>
+              </a:buClr>
+              <a:buFont typeface="Britannic Bold" panose="020B0903060703020204" pitchFamily="34" charset="0"/>
+              <a:buChar char="-"/>
+              <a:defRPr/>
+            </a:lvl2pPr>
+            <a:lvl3pPr marL="1143000" indent="-228600">
+              <a:buClr>
+                <a:schemeClr val="accent4"/>
+              </a:buClr>
+              <a:buFont typeface="Wingdings" panose="05000000000000000000" pitchFamily="2" charset="2"/>
+              <a:buChar char="§"/>
+              <a:defRPr/>
+            </a:lvl3pPr>
+            <a:lvl4pPr marL="1600200" indent="-228600">
+              <a:buClr>
+                <a:schemeClr val="accent6"/>
+              </a:buClr>
+              <a:buFont typeface="Arial" panose="020B0604020202020204" pitchFamily="34" charset="0"/>
+              <a:buChar char="•"/>
+              <a:defRPr/>
+            </a:lvl4pPr>
+            <a:lvl5pPr marL="2057400" indent="-228600">
+              <a:buClr>
+                <a:srgbClr val="7030A0"/>
+              </a:buClr>
+              <a:buFont typeface="Wingdings" panose="05000000000000000000" pitchFamily="2" charset="2"/>
+              <a:buChar char="§"/>
+              <a:defRPr/>
+            </a:lvl5pPr>
+          </a:lstStyle>
+          <a:p>
+            <a:pPr lvl="0"/>
+            <a:r>
+              <a:rPr lang="en-US" dirty="0"/>
+              <a:t>Click to edit Master text styles</a:t>
+            </a:r>
+          </a:p>
+          <a:p>
+            <a:pPr lvl="1"/>
+            <a:r>
+              <a:rPr lang="en-US" dirty="0"/>
+              <a:t>Second level</a:t>
+            </a:r>
+          </a:p>
+          <a:p>
+            <a:pPr lvl="2"/>
+            <a:r>
+              <a:rPr lang="en-US" dirty="0"/>
+              <a:t>Third level</a:t>
+            </a:r>
+          </a:p>
+          <a:p>
+            <a:pPr lvl="3"/>
+            <a:r>
+              <a:rPr lang="en-US" dirty="0"/>
+              <a:t>Fourth level</a:t>
+            </a:r>
+          </a:p>
+          <a:p>
+            <a:pPr lvl="4"/>
+            <a:r>
+              <a:rPr lang="en-US" dirty="0"/>
+              <a:t>Fifth level</a:t>
+            </a:r>
+          </a:p>
+        </p:txBody>
+      </p:sp>
     </p:spTree>
     <p:extLst>
       <p:ext uri="{BB962C8B-B14F-4D97-AF65-F5344CB8AC3E}">
@@ -1342,7 +2200,7 @@
           <a:p>
             <a:fld id="{C590909A-0DFE-43BA-B693-0183CFC4A986}" type="datetimeFigureOut">
               <a:rPr lang="en-US" smtClean="0"/>
-              <a:t>5/14/2023</a:t>
+              <a:t>5/17/2023</a:t>
             </a:fld>
             <a:endParaRPr lang="en-US"/>
           </a:p>
@@ -1607,7 +2465,7 @@
           <a:p>
             <a:fld id="{C590909A-0DFE-43BA-B693-0183CFC4A986}" type="datetimeFigureOut">
               <a:rPr lang="en-US" smtClean="0"/>
-              <a:t>5/14/2023</a:t>
+              <a:t>5/17/2023</a:t>
             </a:fld>
             <a:endParaRPr lang="en-US"/>
           </a:p>
@@ -2019,7 +2877,7 @@
           <a:p>
             <a:fld id="{C590909A-0DFE-43BA-B693-0183CFC4A986}" type="datetimeFigureOut">
               <a:rPr lang="en-US" smtClean="0"/>
-              <a:t>5/14/2023</a:t>
+              <a:t>5/17/2023</a:t>
             </a:fld>
             <a:endParaRPr lang="en-US"/>
           </a:p>
@@ -2160,7 +3018,7 @@
           <a:p>
             <a:fld id="{C590909A-0DFE-43BA-B693-0183CFC4A986}" type="datetimeFigureOut">
               <a:rPr lang="en-US" smtClean="0"/>
-              <a:t>5/14/2023</a:t>
+              <a:t>5/17/2023</a:t>
             </a:fld>
             <a:endParaRPr lang="en-US"/>
           </a:p>
@@ -2273,7 +3131,7 @@
           <a:p>
             <a:fld id="{C590909A-0DFE-43BA-B693-0183CFC4A986}" type="datetimeFigureOut">
               <a:rPr lang="en-US" smtClean="0"/>
-              <a:t>5/14/2023</a:t>
+              <a:t>5/17/2023</a:t>
             </a:fld>
             <a:endParaRPr lang="en-US"/>
           </a:p>
@@ -2584,7 +3442,7 @@
           <a:p>
             <a:fld id="{C590909A-0DFE-43BA-B693-0183CFC4A986}" type="datetimeFigureOut">
               <a:rPr lang="en-US" smtClean="0"/>
-              <a:t>5/14/2023</a:t>
+              <a:t>5/17/2023</a:t>
             </a:fld>
             <a:endParaRPr lang="en-US"/>
           </a:p>
@@ -2872,7 +3730,7 @@
           <a:p>
             <a:fld id="{C590909A-0DFE-43BA-B693-0183CFC4A986}" type="datetimeFigureOut">
               <a:rPr lang="en-US" smtClean="0"/>
-              <a:t>5/14/2023</a:t>
+              <a:t>5/17/2023</a:t>
             </a:fld>
             <a:endParaRPr lang="en-US"/>
           </a:p>
@@ -3113,7 +3971,7 @@
           <a:p>
             <a:fld id="{C590909A-0DFE-43BA-B693-0183CFC4A986}" type="datetimeFigureOut">
               <a:rPr lang="en-US" smtClean="0"/>
-              <a:t>5/14/2023</a:t>
+              <a:t>5/17/2023</a:t>
             </a:fld>
             <a:endParaRPr lang="en-US"/>
           </a:p>
@@ -3789,10 +4647,148 @@
           </a:p>
         </p:txBody>
       </p:sp>
+      <p:sp>
+        <p:nvSpPr>
+          <p:cNvPr id="2" name="Content Placeholder 1">
+            <a:extLst>
+              <a:ext uri="{FF2B5EF4-FFF2-40B4-BE49-F238E27FC236}">
+                <a16:creationId xmlns:a16="http://schemas.microsoft.com/office/drawing/2014/main" id="{73E684FF-282B-428A-4577-4FE8255D46D4}"/>
+              </a:ext>
+            </a:extLst>
+          </p:cNvPr>
+          <p:cNvSpPr>
+            <a:spLocks noGrp="1"/>
+          </p:cNvSpPr>
+          <p:nvPr>
+            <p:ph idx="1"/>
+          </p:nvPr>
+        </p:nvSpPr>
+        <p:spPr/>
+        <p:txBody>
+          <a:bodyPr/>
+          <a:lstStyle/>
+          <a:p>
+            <a:r>
+              <a:rPr lang="en-US" dirty="0"/>
+              <a:t>Regions</a:t>
+            </a:r>
+          </a:p>
+          <a:p>
+            <a:r>
+              <a:rPr lang="en-US" dirty="0"/>
+              <a:t>Availability Zones</a:t>
+            </a:r>
+          </a:p>
+          <a:p>
+            <a:r>
+              <a:rPr lang="en-US" dirty="0"/>
+              <a:t>Data Centers</a:t>
+            </a:r>
+          </a:p>
+          <a:p>
+            <a:r>
+              <a:rPr lang="en-US" dirty="0"/>
+              <a:t>Edge Locations</a:t>
+            </a:r>
+          </a:p>
+        </p:txBody>
+      </p:sp>
+      <p:pic>
+        <p:nvPicPr>
+          <p:cNvPr id="3" name="Picture 2">
+            <a:extLst>
+              <a:ext uri="{FF2B5EF4-FFF2-40B4-BE49-F238E27FC236}">
+                <a16:creationId xmlns:a16="http://schemas.microsoft.com/office/drawing/2014/main" id="{114ADFB6-F441-6029-06DD-EF296413DB16}"/>
+              </a:ext>
+            </a:extLst>
+          </p:cNvPr>
+          <p:cNvPicPr>
+            <a:picLocks noChangeAspect="1"/>
+          </p:cNvPicPr>
+          <p:nvPr/>
+        </p:nvPicPr>
+        <p:blipFill>
+          <a:blip r:embed="rId3"/>
+          <a:stretch>
+            <a:fillRect/>
+          </a:stretch>
+        </p:blipFill>
+        <p:spPr>
+          <a:xfrm>
+            <a:off x="4752871" y="810997"/>
+            <a:ext cx="7223130" cy="5776761"/>
+          </a:xfrm>
+          <a:prstGeom prst="rect">
+            <a:avLst/>
+          </a:prstGeom>
+          <a:effectLst>
+            <a:outerShdw blurRad="50800" dist="38100" dir="2700000" algn="tl" rotWithShape="0">
+              <a:prstClr val="black">
+                <a:alpha val="40000"/>
+              </a:prstClr>
+            </a:outerShdw>
+          </a:effectLst>
+        </p:spPr>
+        <p:style>
+          <a:lnRef idx="2">
+            <a:schemeClr val="dk1"/>
+          </a:lnRef>
+          <a:fillRef idx="1">
+            <a:schemeClr val="lt1"/>
+          </a:fillRef>
+          <a:effectRef idx="0">
+            <a:schemeClr val="dk1"/>
+          </a:effectRef>
+          <a:fontRef idx="minor">
+            <a:schemeClr val="dk1"/>
+          </a:fontRef>
+        </p:style>
+      </p:pic>
+      <p:sp>
+        <p:nvSpPr>
+          <p:cNvPr id="6" name="TextBox 5">
+            <a:extLst>
+              <a:ext uri="{FF2B5EF4-FFF2-40B4-BE49-F238E27FC236}">
+                <a16:creationId xmlns:a16="http://schemas.microsoft.com/office/drawing/2014/main" id="{8C6173ED-7EE1-247F-2D7E-8E016977C3A6}"/>
+              </a:ext>
+            </a:extLst>
+          </p:cNvPr>
+          <p:cNvSpPr txBox="1"/>
+          <p:nvPr/>
+        </p:nvSpPr>
+        <p:spPr>
+          <a:xfrm>
+            <a:off x="838200" y="4040665"/>
+            <a:ext cx="2779207" cy="369332"/>
+          </a:xfrm>
+          <a:prstGeom prst="rect">
+            <a:avLst/>
+          </a:prstGeom>
+          <a:noFill/>
+        </p:spPr>
+        <p:txBody>
+          <a:bodyPr wrap="square">
+            <a:spAutoFit/>
+          </a:bodyPr>
+          <a:lstStyle/>
+          <a:p>
+            <a:r>
+              <a:rPr lang="en-US" dirty="0">
+                <a:hlinkClick r:id="rId4"/>
+              </a:rPr>
+              <a:t>https://infrastructure.aws/</a:t>
+            </a:r>
+            <a:r>
+              <a:rPr lang="en-US" dirty="0"/>
+              <a:t> </a:t>
+            </a:r>
+          </a:p>
+        </p:txBody>
+      </p:sp>
     </p:spTree>
     <p:extLst>
       <p:ext uri="{BB962C8B-B14F-4D97-AF65-F5344CB8AC3E}">
-        <p14:creationId xmlns:p14="http://schemas.microsoft.com/office/powerpoint/2010/main" val="1083392141"/>
+        <p14:creationId xmlns:p14="http://schemas.microsoft.com/office/powerpoint/2010/main" val="65543163"/>
       </p:ext>
     </p:extLst>
   </p:cSld>
@@ -3815,6 +4811,530 @@
 </file>
 
 <file path=ppt/slides/slide3.xml><?xml version="1.0" encoding="utf-8"?>
+<p:sld xmlns:a="http://schemas.openxmlformats.org/drawingml/2006/main" xmlns:r="http://schemas.openxmlformats.org/officeDocument/2006/relationships" xmlns:p="http://schemas.openxmlformats.org/presentationml/2006/main">
+  <p:cSld>
+    <p:spTree>
+      <p:nvGrpSpPr>
+        <p:cNvPr id="1" name=""/>
+        <p:cNvGrpSpPr/>
+        <p:nvPr/>
+      </p:nvGrpSpPr>
+      <p:grpSpPr>
+        <a:xfrm>
+          <a:off x="0" y="0"/>
+          <a:ext cx="0" cy="0"/>
+          <a:chOff x="0" y="0"/>
+          <a:chExt cx="0" cy="0"/>
+        </a:xfrm>
+      </p:grpSpPr>
+      <p:sp>
+        <p:nvSpPr>
+          <p:cNvPr id="2" name="Title 1">
+            <a:extLst>
+              <a:ext uri="{FF2B5EF4-FFF2-40B4-BE49-F238E27FC236}">
+                <a16:creationId xmlns:a16="http://schemas.microsoft.com/office/drawing/2014/main" id="{1E3DCB09-E056-3414-3A7F-EEE97086D111}"/>
+              </a:ext>
+            </a:extLst>
+          </p:cNvPr>
+          <p:cNvSpPr>
+            <a:spLocks noGrp="1"/>
+          </p:cNvSpPr>
+          <p:nvPr>
+            <p:ph type="title"/>
+          </p:nvPr>
+        </p:nvSpPr>
+        <p:spPr/>
+        <p:txBody>
+          <a:bodyPr>
+            <a:normAutofit fontScale="90000"/>
+          </a:bodyPr>
+          <a:lstStyle/>
+          <a:p>
+            <a:r>
+              <a:rPr lang="en-US" dirty="0"/>
+              <a:t>Regions</a:t>
+            </a:r>
+          </a:p>
+        </p:txBody>
+      </p:sp>
+      <p:sp>
+        <p:nvSpPr>
+          <p:cNvPr id="3" name="Content Placeholder 2">
+            <a:extLst>
+              <a:ext uri="{FF2B5EF4-FFF2-40B4-BE49-F238E27FC236}">
+                <a16:creationId xmlns:a16="http://schemas.microsoft.com/office/drawing/2014/main" id="{9766897D-FCA0-3801-C84B-6169C0B32504}"/>
+              </a:ext>
+            </a:extLst>
+          </p:cNvPr>
+          <p:cNvSpPr>
+            <a:spLocks noGrp="1"/>
+          </p:cNvSpPr>
+          <p:nvPr>
+            <p:ph idx="1"/>
+          </p:nvPr>
+        </p:nvSpPr>
+        <p:spPr>
+          <a:xfrm>
+            <a:off x="838200" y="947523"/>
+            <a:ext cx="10707356" cy="4938495"/>
+          </a:xfrm>
+        </p:spPr>
+        <p:txBody>
+          <a:bodyPr/>
+          <a:lstStyle/>
+          <a:p>
+            <a:r>
+              <a:rPr lang="en-US" dirty="0"/>
+              <a:t>An AWS Region is a geographical area. </a:t>
+            </a:r>
+          </a:p>
+          <a:p>
+            <a:pPr lvl="1"/>
+            <a:r>
+              <a:rPr lang="en-US" dirty="0"/>
+              <a:t>Data replication across Regions is controlled by you. </a:t>
+            </a:r>
+          </a:p>
+          <a:p>
+            <a:pPr lvl="1"/>
+            <a:r>
+              <a:rPr lang="en-US" dirty="0"/>
+              <a:t>Communication between Regions uses AWS backbone network infrastructure.</a:t>
+            </a:r>
+          </a:p>
+          <a:p>
+            <a:r>
+              <a:rPr lang="en-US" dirty="0"/>
+              <a:t>Each Region provides full redundancy and connectivity to the network. </a:t>
+            </a:r>
+          </a:p>
+          <a:p>
+            <a:r>
+              <a:rPr lang="en-US" dirty="0"/>
+              <a:t>A Region typically consists of two or more Availability Zones.</a:t>
+            </a:r>
+          </a:p>
+        </p:txBody>
+      </p:sp>
+      <p:pic>
+        <p:nvPicPr>
+          <p:cNvPr id="4" name="Picture 2" descr="Now Open – Third Availability Zone in the AWS Canada (Central) Region | AWS  News Blog">
+            <a:extLst>
+              <a:ext uri="{FF2B5EF4-FFF2-40B4-BE49-F238E27FC236}">
+                <a16:creationId xmlns:a16="http://schemas.microsoft.com/office/drawing/2014/main" id="{2EED5707-1D12-9E60-46FC-9ADF8146EBAD}"/>
+              </a:ext>
+            </a:extLst>
+          </p:cNvPr>
+          <p:cNvPicPr>
+            <a:picLocks noChangeAspect="1" noChangeArrowheads="1"/>
+          </p:cNvPicPr>
+          <p:nvPr/>
+        </p:nvPicPr>
+        <p:blipFill>
+          <a:blip r:embed="rId3">
+            <a:extLst>
+              <a:ext uri="{28A0092B-C50C-407E-A947-70E740481C1C}">
+                <a14:useLocalDpi xmlns:a14="http://schemas.microsoft.com/office/drawing/2010/main" val="0"/>
+              </a:ext>
+            </a:extLst>
+          </a:blip>
+          <a:srcRect/>
+          <a:stretch>
+            <a:fillRect/>
+          </a:stretch>
+        </p:blipFill>
+        <p:spPr bwMode="auto">
+          <a:xfrm>
+            <a:off x="5522668" y="3429000"/>
+            <a:ext cx="6487635" cy="3292475"/>
+          </a:xfrm>
+          <a:prstGeom prst="rect">
+            <a:avLst/>
+          </a:prstGeom>
+          <a:effectLst>
+            <a:outerShdw blurRad="50800" dist="38100" dir="2700000" algn="tl" rotWithShape="0">
+              <a:prstClr val="black">
+                <a:alpha val="40000"/>
+              </a:prstClr>
+            </a:outerShdw>
+          </a:effectLst>
+        </p:spPr>
+        <p:style>
+          <a:lnRef idx="2">
+            <a:schemeClr val="accent3"/>
+          </a:lnRef>
+          <a:fillRef idx="1">
+            <a:schemeClr val="lt1"/>
+          </a:fillRef>
+          <a:effectRef idx="0">
+            <a:schemeClr val="accent3"/>
+          </a:effectRef>
+          <a:fontRef idx="minor">
+            <a:schemeClr val="dk1"/>
+          </a:fontRef>
+        </p:style>
+      </p:pic>
+    </p:spTree>
+    <p:extLst>
+      <p:ext uri="{BB962C8B-B14F-4D97-AF65-F5344CB8AC3E}">
+        <p14:creationId xmlns:p14="http://schemas.microsoft.com/office/powerpoint/2010/main" val="1605175761"/>
+      </p:ext>
+    </p:extLst>
+  </p:cSld>
+  <p:clrMapOvr>
+    <a:masterClrMapping/>
+  </p:clrMapOvr>
+</p:sld>
+</file>
+
+<file path=ppt/slides/slide4.xml><?xml version="1.0" encoding="utf-8"?>
+<p:sld xmlns:a="http://schemas.openxmlformats.org/drawingml/2006/main" xmlns:r="http://schemas.openxmlformats.org/officeDocument/2006/relationships" xmlns:p="http://schemas.openxmlformats.org/presentationml/2006/main">
+  <p:cSld>
+    <p:spTree>
+      <p:nvGrpSpPr>
+        <p:cNvPr id="1" name=""/>
+        <p:cNvGrpSpPr/>
+        <p:nvPr/>
+      </p:nvGrpSpPr>
+      <p:grpSpPr>
+        <a:xfrm>
+          <a:off x="0" y="0"/>
+          <a:ext cx="0" cy="0"/>
+          <a:chOff x="0" y="0"/>
+          <a:chExt cx="0" cy="0"/>
+        </a:xfrm>
+      </p:grpSpPr>
+      <p:sp>
+        <p:nvSpPr>
+          <p:cNvPr id="2" name="Title 1">
+            <a:extLst>
+              <a:ext uri="{FF2B5EF4-FFF2-40B4-BE49-F238E27FC236}">
+                <a16:creationId xmlns:a16="http://schemas.microsoft.com/office/drawing/2014/main" id="{1E3DCB09-E056-3414-3A7F-EEE97086D111}"/>
+              </a:ext>
+            </a:extLst>
+          </p:cNvPr>
+          <p:cNvSpPr>
+            <a:spLocks noGrp="1"/>
+          </p:cNvSpPr>
+          <p:nvPr>
+            <p:ph type="title"/>
+          </p:nvPr>
+        </p:nvSpPr>
+        <p:spPr/>
+        <p:txBody>
+          <a:bodyPr>
+            <a:normAutofit fontScale="90000"/>
+          </a:bodyPr>
+          <a:lstStyle/>
+          <a:p>
+            <a:r>
+              <a:rPr lang="en-US"/>
+              <a:t>Selecting Regions</a:t>
+            </a:r>
+            <a:endParaRPr lang="en-US" dirty="0"/>
+          </a:p>
+        </p:txBody>
+      </p:sp>
+      <p:sp>
+        <p:nvSpPr>
+          <p:cNvPr id="3" name="Content Placeholder 2">
+            <a:extLst>
+              <a:ext uri="{FF2B5EF4-FFF2-40B4-BE49-F238E27FC236}">
+                <a16:creationId xmlns:a16="http://schemas.microsoft.com/office/drawing/2014/main" id="{9766897D-FCA0-3801-C84B-6169C0B32504}"/>
+              </a:ext>
+            </a:extLst>
+          </p:cNvPr>
+          <p:cNvSpPr>
+            <a:spLocks noGrp="1"/>
+          </p:cNvSpPr>
+          <p:nvPr>
+            <p:ph idx="1"/>
+          </p:nvPr>
+        </p:nvSpPr>
+        <p:spPr>
+          <a:xfrm>
+            <a:off x="838200" y="947523"/>
+            <a:ext cx="10707356" cy="4938495"/>
+          </a:xfrm>
+        </p:spPr>
+        <p:txBody>
+          <a:bodyPr/>
+          <a:lstStyle/>
+          <a:p>
+            <a:r>
+              <a:rPr lang="en-US" dirty="0"/>
+              <a:t>Data governance, legal requirements</a:t>
+            </a:r>
+          </a:p>
+          <a:p>
+            <a:r>
+              <a:rPr lang="en-US" dirty="0"/>
+              <a:t>Proximity to the customers (Latency)</a:t>
+            </a:r>
+          </a:p>
+          <a:p>
+            <a:r>
+              <a:rPr lang="en-US" dirty="0"/>
+              <a:t>Services available within the Region</a:t>
+            </a:r>
+          </a:p>
+          <a:p>
+            <a:r>
+              <a:rPr lang="en-US" dirty="0"/>
+              <a:t>Cost (Vary by Region)</a:t>
+            </a:r>
+          </a:p>
+        </p:txBody>
+      </p:sp>
+      <p:pic>
+        <p:nvPicPr>
+          <p:cNvPr id="7" name="Picture 6" descr="A picture containing circle, screenshot, graphics, logo&#10;&#10;Description automatically generated">
+            <a:extLst>
+              <a:ext uri="{FF2B5EF4-FFF2-40B4-BE49-F238E27FC236}">
+                <a16:creationId xmlns:a16="http://schemas.microsoft.com/office/drawing/2014/main" id="{9FBBF2C1-AA18-0E4C-6312-A54F8694C028}"/>
+              </a:ext>
+            </a:extLst>
+          </p:cNvPr>
+          <p:cNvPicPr>
+            <a:picLocks noChangeAspect="1"/>
+          </p:cNvPicPr>
+          <p:nvPr/>
+        </p:nvPicPr>
+        <p:blipFill>
+          <a:blip r:embed="rId2">
+            <a:extLst>
+              <a:ext uri="{28A0092B-C50C-407E-A947-70E740481C1C}">
+                <a14:useLocalDpi xmlns:a14="http://schemas.microsoft.com/office/drawing/2010/main" val="0"/>
+              </a:ext>
+            </a:extLst>
+          </a:blip>
+          <a:stretch>
+            <a:fillRect/>
+          </a:stretch>
+        </p:blipFill>
+        <p:spPr>
+          <a:xfrm>
+            <a:off x="2742845" y="4554387"/>
+            <a:ext cx="985093" cy="1007375"/>
+          </a:xfrm>
+          <a:prstGeom prst="rect">
+            <a:avLst/>
+          </a:prstGeom>
+        </p:spPr>
+      </p:pic>
+      <p:pic>
+        <p:nvPicPr>
+          <p:cNvPr id="11" name="Picture 10" descr="A picture containing circle, symbol, graphics, design&#10;&#10;Description automatically generated">
+            <a:extLst>
+              <a:ext uri="{FF2B5EF4-FFF2-40B4-BE49-F238E27FC236}">
+                <a16:creationId xmlns:a16="http://schemas.microsoft.com/office/drawing/2014/main" id="{E9162D65-A7F3-BF17-7B54-7A507E7C6AF8}"/>
+              </a:ext>
+            </a:extLst>
+          </p:cNvPr>
+          <p:cNvPicPr>
+            <a:picLocks noChangeAspect="1"/>
+          </p:cNvPicPr>
+          <p:nvPr/>
+        </p:nvPicPr>
+        <p:blipFill>
+          <a:blip r:embed="rId3">
+            <a:extLst>
+              <a:ext uri="{28A0092B-C50C-407E-A947-70E740481C1C}">
+                <a14:useLocalDpi xmlns:a14="http://schemas.microsoft.com/office/drawing/2010/main" val="0"/>
+              </a:ext>
+            </a:extLst>
+          </a:blip>
+          <a:stretch>
+            <a:fillRect/>
+          </a:stretch>
+        </p:blipFill>
+        <p:spPr>
+          <a:xfrm>
+            <a:off x="4647490" y="4425944"/>
+            <a:ext cx="985093" cy="985093"/>
+          </a:xfrm>
+          <a:prstGeom prst="rect">
+            <a:avLst/>
+          </a:prstGeom>
+        </p:spPr>
+      </p:pic>
+      <p:pic>
+        <p:nvPicPr>
+          <p:cNvPr id="13" name="Picture 12" descr="A blue circle with white gears&#10;&#10;Description automatically generated with medium confidence">
+            <a:extLst>
+              <a:ext uri="{FF2B5EF4-FFF2-40B4-BE49-F238E27FC236}">
+                <a16:creationId xmlns:a16="http://schemas.microsoft.com/office/drawing/2014/main" id="{8301D64A-DAAA-BBD2-9EF5-25EA2360DBFE}"/>
+              </a:ext>
+            </a:extLst>
+          </p:cNvPr>
+          <p:cNvPicPr>
+            <a:picLocks noChangeAspect="1"/>
+          </p:cNvPicPr>
+          <p:nvPr/>
+        </p:nvPicPr>
+        <p:blipFill>
+          <a:blip r:embed="rId4">
+            <a:extLst>
+              <a:ext uri="{28A0092B-C50C-407E-A947-70E740481C1C}">
+                <a14:useLocalDpi xmlns:a14="http://schemas.microsoft.com/office/drawing/2010/main" val="0"/>
+              </a:ext>
+            </a:extLst>
+          </a:blip>
+          <a:stretch>
+            <a:fillRect/>
+          </a:stretch>
+        </p:blipFill>
+        <p:spPr>
+          <a:xfrm>
+            <a:off x="6173876" y="4130581"/>
+            <a:ext cx="1121228" cy="1121228"/>
+          </a:xfrm>
+          <a:prstGeom prst="rect">
+            <a:avLst/>
+          </a:prstGeom>
+        </p:spPr>
+      </p:pic>
+    </p:spTree>
+    <p:extLst>
+      <p:ext uri="{BB962C8B-B14F-4D97-AF65-F5344CB8AC3E}">
+        <p14:creationId xmlns:p14="http://schemas.microsoft.com/office/powerpoint/2010/main" val="2910658626"/>
+      </p:ext>
+    </p:extLst>
+  </p:cSld>
+  <p:clrMapOvr>
+    <a:masterClrMapping/>
+  </p:clrMapOvr>
+</p:sld>
+</file>
+
+<file path=ppt/slides/slide5.xml><?xml version="1.0" encoding="utf-8"?>
+<p:sld xmlns:a="http://schemas.openxmlformats.org/drawingml/2006/main" xmlns:r="http://schemas.openxmlformats.org/officeDocument/2006/relationships" xmlns:p="http://schemas.openxmlformats.org/presentationml/2006/main">
+  <p:cSld>
+    <p:spTree>
+      <p:nvGrpSpPr>
+        <p:cNvPr id="1" name=""/>
+        <p:cNvGrpSpPr/>
+        <p:nvPr/>
+      </p:nvGrpSpPr>
+      <p:grpSpPr>
+        <a:xfrm>
+          <a:off x="0" y="0"/>
+          <a:ext cx="0" cy="0"/>
+          <a:chOff x="0" y="0"/>
+          <a:chExt cx="0" cy="0"/>
+        </a:xfrm>
+      </p:grpSpPr>
+      <p:pic>
+        <p:nvPicPr>
+          <p:cNvPr id="2058" name="Picture 10" descr="Quiz stock illustration. Illustration of message, game - 44060147">
+            <a:extLst>
+              <a:ext uri="{FF2B5EF4-FFF2-40B4-BE49-F238E27FC236}">
+                <a16:creationId xmlns:a16="http://schemas.microsoft.com/office/drawing/2014/main" id="{09B3528F-559F-31E3-3D9B-AA2342ADC804}"/>
+              </a:ext>
+            </a:extLst>
+          </p:cNvPr>
+          <p:cNvPicPr>
+            <a:picLocks noChangeAspect="1" noChangeArrowheads="1"/>
+          </p:cNvPicPr>
+          <p:nvPr/>
+        </p:nvPicPr>
+        <p:blipFill>
+          <a:blip r:embed="rId2">
+            <a:clrChange>
+              <a:clrFrom>
+                <a:srgbClr val="FFFFFF"/>
+              </a:clrFrom>
+              <a:clrTo>
+                <a:srgbClr val="FFFFFF">
+                  <a:alpha val="0"/>
+                </a:srgbClr>
+              </a:clrTo>
+            </a:clrChange>
+            <a:extLst>
+              <a:ext uri="{28A0092B-C50C-407E-A947-70E740481C1C}">
+                <a14:useLocalDpi xmlns:a14="http://schemas.microsoft.com/office/drawing/2010/main" val="0"/>
+              </a:ext>
+            </a:extLst>
+          </a:blip>
+          <a:srcRect/>
+          <a:stretch>
+            <a:fillRect/>
+          </a:stretch>
+        </p:blipFill>
+        <p:spPr bwMode="auto">
+          <a:xfrm>
+            <a:off x="780223" y="953841"/>
+            <a:ext cx="10631553" cy="4950317"/>
+          </a:xfrm>
+          <a:prstGeom prst="rect">
+            <a:avLst/>
+          </a:prstGeom>
+          <a:noFill/>
+          <a:extLst>
+            <a:ext uri="{909E8E84-426E-40DD-AFC4-6F175D3DCCD1}">
+              <a14:hiddenFill xmlns:a14="http://schemas.microsoft.com/office/drawing/2010/main">
+                <a:solidFill>
+                  <a:srgbClr val="FFFFFF"/>
+                </a:solidFill>
+              </a14:hiddenFill>
+            </a:ext>
+          </a:extLst>
+        </p:spPr>
+      </p:pic>
+      <p:sp>
+        <p:nvSpPr>
+          <p:cNvPr id="20" name="TextBox 19">
+            <a:hlinkClick r:id="rId3"/>
+            <a:extLst>
+              <a:ext uri="{FF2B5EF4-FFF2-40B4-BE49-F238E27FC236}">
+                <a16:creationId xmlns:a16="http://schemas.microsoft.com/office/drawing/2014/main" id="{C751CACC-D9A6-5CA5-3625-5EF904DEA20A}"/>
+              </a:ext>
+            </a:extLst>
+          </p:cNvPr>
+          <p:cNvSpPr txBox="1"/>
+          <p:nvPr/>
+        </p:nvSpPr>
+        <p:spPr>
+          <a:xfrm>
+            <a:off x="4694526" y="5904158"/>
+            <a:ext cx="2802947" cy="369332"/>
+          </a:xfrm>
+          <a:prstGeom prst="rect">
+            <a:avLst/>
+          </a:prstGeom>
+          <a:noFill/>
+        </p:spPr>
+        <p:txBody>
+          <a:bodyPr wrap="none" rtlCol="0">
+            <a:spAutoFit/>
+          </a:bodyPr>
+          <a:lstStyle/>
+          <a:p>
+            <a:r>
+              <a:rPr lang="en-US" u="sng" dirty="0">
+                <a:solidFill>
+                  <a:schemeClr val="accent1"/>
+                </a:solidFill>
+              </a:rPr>
+              <a:t>Quiz: 03-AWS Infrastructure</a:t>
+            </a:r>
+          </a:p>
+        </p:txBody>
+      </p:sp>
+    </p:spTree>
+    <p:extLst>
+      <p:ext uri="{BB962C8B-B14F-4D97-AF65-F5344CB8AC3E}">
+        <p14:creationId xmlns:p14="http://schemas.microsoft.com/office/powerpoint/2010/main" val="2397218144"/>
+      </p:ext>
+    </p:extLst>
+  </p:cSld>
+  <p:clrMapOvr>
+    <a:masterClrMapping/>
+  </p:clrMapOvr>
+</p:sld>
+</file>
+
+<file path=ppt/slides/slide6.xml><?xml version="1.0" encoding="utf-8"?>
 <p:sld xmlns:a="http://schemas.openxmlformats.org/drawingml/2006/main" xmlns:r="http://schemas.openxmlformats.org/officeDocument/2006/relationships" xmlns:p="http://schemas.openxmlformats.org/presentationml/2006/main">
   <p:cSld>
     <p:spTree>
@@ -4228,4 +5748,299 @@
     </a:ext>
   </a:extLst>
 </a:theme>
+</file>
+
+<file path=ppt/theme/theme2.xml><?xml version="1.0" encoding="utf-8"?>
+<a:theme xmlns:a="http://schemas.openxmlformats.org/drawingml/2006/main" name="Office Theme">
+  <a:themeElements>
+    <a:clrScheme name="Office">
+      <a:dk1>
+        <a:sysClr val="windowText" lastClr="000000"/>
+      </a:dk1>
+      <a:lt1>
+        <a:sysClr val="window" lastClr="FFFFFF"/>
+      </a:lt1>
+      <a:dk2>
+        <a:srgbClr val="44546A"/>
+      </a:dk2>
+      <a:lt2>
+        <a:srgbClr val="E7E6E6"/>
+      </a:lt2>
+      <a:accent1>
+        <a:srgbClr val="4472C4"/>
+      </a:accent1>
+      <a:accent2>
+        <a:srgbClr val="ED7D31"/>
+      </a:accent2>
+      <a:accent3>
+        <a:srgbClr val="A5A5A5"/>
+      </a:accent3>
+      <a:accent4>
+        <a:srgbClr val="FFC000"/>
+      </a:accent4>
+      <a:accent5>
+        <a:srgbClr val="5B9BD5"/>
+      </a:accent5>
+      <a:accent6>
+        <a:srgbClr val="70AD47"/>
+      </a:accent6>
+      <a:hlink>
+        <a:srgbClr val="0563C1"/>
+      </a:hlink>
+      <a:folHlink>
+        <a:srgbClr val="954F72"/>
+      </a:folHlink>
+    </a:clrScheme>
+    <a:fontScheme name="Office">
+      <a:majorFont>
+        <a:latin typeface="Calibri Light" panose="020F0302020204030204"/>
+        <a:ea typeface=""/>
+        <a:cs typeface=""/>
+        <a:font script="Jpan" typeface="游ゴシック Light"/>
+        <a:font script="Hang" typeface="맑은 고딕"/>
+        <a:font script="Hans" typeface="等线 Light"/>
+        <a:font script="Hant" typeface="新細明體"/>
+        <a:font script="Arab" typeface="Times New Roman"/>
+        <a:font script="Hebr" typeface="Times New Roman"/>
+        <a:font script="Thai" typeface="Angsana New"/>
+        <a:font script="Ethi" typeface="Nyala"/>
+        <a:font script="Beng" typeface="Vrinda"/>
+        <a:font script="Gujr" typeface="Shruti"/>
+        <a:font script="Khmr" typeface="MoolBoran"/>
+        <a:font script="Knda" typeface="Tunga"/>
+        <a:font script="Guru" typeface="Raavi"/>
+        <a:font script="Cans" typeface="Euphemia"/>
+        <a:font script="Cher" typeface="Plantagenet Cherokee"/>
+        <a:font script="Yiii" typeface="Microsoft Yi Baiti"/>
+        <a:font script="Tibt" typeface="Microsoft Himalaya"/>
+        <a:font script="Thaa" typeface="MV Boli"/>
+        <a:font script="Deva" typeface="Mangal"/>
+        <a:font script="Telu" typeface="Gautami"/>
+        <a:font script="Taml" typeface="Latha"/>
+        <a:font script="Syrc" typeface="Estrangelo Edessa"/>
+        <a:font script="Orya" typeface="Kalinga"/>
+        <a:font script="Mlym" typeface="Kartika"/>
+        <a:font script="Laoo" typeface="DokChampa"/>
+        <a:font script="Sinh" typeface="Iskoola Pota"/>
+        <a:font script="Mong" typeface="Mongolian Baiti"/>
+        <a:font script="Viet" typeface="Times New Roman"/>
+        <a:font script="Uigh" typeface="Microsoft Uighur"/>
+        <a:font script="Geor" typeface="Sylfaen"/>
+        <a:font script="Armn" typeface="Arial"/>
+        <a:font script="Bugi" typeface="Leelawadee UI"/>
+        <a:font script="Bopo" typeface="Microsoft JhengHei"/>
+        <a:font script="Java" typeface="Javanese Text"/>
+        <a:font script="Lisu" typeface="Segoe UI"/>
+        <a:font script="Mymr" typeface="Myanmar Text"/>
+        <a:font script="Nkoo" typeface="Ebrima"/>
+        <a:font script="Olck" typeface="Nirmala UI"/>
+        <a:font script="Osma" typeface="Ebrima"/>
+        <a:font script="Phag" typeface="Phagspa"/>
+        <a:font script="Syrn" typeface="Estrangelo Edessa"/>
+        <a:font script="Syrj" typeface="Estrangelo Edessa"/>
+        <a:font script="Syre" typeface="Estrangelo Edessa"/>
+        <a:font script="Sora" typeface="Nirmala UI"/>
+        <a:font script="Tale" typeface="Microsoft Tai Le"/>
+        <a:font script="Talu" typeface="Microsoft New Tai Lue"/>
+        <a:font script="Tfng" typeface="Ebrima"/>
+      </a:majorFont>
+      <a:minorFont>
+        <a:latin typeface="Calibri" panose="020F0502020204030204"/>
+        <a:ea typeface=""/>
+        <a:cs typeface=""/>
+        <a:font script="Jpan" typeface="游ゴシック"/>
+        <a:font script="Hang" typeface="맑은 고딕"/>
+        <a:font script="Hans" typeface="等线"/>
+        <a:font script="Hant" typeface="新細明體"/>
+        <a:font script="Arab" typeface="Arial"/>
+        <a:font script="Hebr" typeface="Arial"/>
+        <a:font script="Thai" typeface="Cordia New"/>
+        <a:font script="Ethi" typeface="Nyala"/>
+        <a:font script="Beng" typeface="Vrinda"/>
+        <a:font script="Gujr" typeface="Shruti"/>
+        <a:font script="Khmr" typeface="DaunPenh"/>
+        <a:font script="Knda" typeface="Tunga"/>
+        <a:font script="Guru" typeface="Raavi"/>
+        <a:font script="Cans" typeface="Euphemia"/>
+        <a:font script="Cher" typeface="Plantagenet Cherokee"/>
+        <a:font script="Yiii" typeface="Microsoft Yi Baiti"/>
+        <a:font script="Tibt" typeface="Microsoft Himalaya"/>
+        <a:font script="Thaa" typeface="MV Boli"/>
+        <a:font script="Deva" typeface="Mangal"/>
+        <a:font script="Telu" typeface="Gautami"/>
+        <a:font script="Taml" typeface="Latha"/>
+        <a:font script="Syrc" typeface="Estrangelo Edessa"/>
+        <a:font script="Orya" typeface="Kalinga"/>
+        <a:font script="Mlym" typeface="Kartika"/>
+        <a:font script="Laoo" typeface="DokChampa"/>
+        <a:font script="Sinh" typeface="Iskoola Pota"/>
+        <a:font script="Mong" typeface="Mongolian Baiti"/>
+        <a:font script="Viet" typeface="Arial"/>
+        <a:font script="Uigh" typeface="Microsoft Uighur"/>
+        <a:font script="Geor" typeface="Sylfaen"/>
+        <a:font script="Armn" typeface="Arial"/>
+        <a:font script="Bugi" typeface="Leelawadee UI"/>
+        <a:font script="Bopo" typeface="Microsoft JhengHei"/>
+        <a:font script="Java" typeface="Javanese Text"/>
+        <a:font script="Lisu" typeface="Segoe UI"/>
+        <a:font script="Mymr" typeface="Myanmar Text"/>
+        <a:font script="Nkoo" typeface="Ebrima"/>
+        <a:font script="Olck" typeface="Nirmala UI"/>
+        <a:font script="Osma" typeface="Ebrima"/>
+        <a:font script="Phag" typeface="Phagspa"/>
+        <a:font script="Syrn" typeface="Estrangelo Edessa"/>
+        <a:font script="Syrj" typeface="Estrangelo Edessa"/>
+        <a:font script="Syre" typeface="Estrangelo Edessa"/>
+        <a:font script="Sora" typeface="Nirmala UI"/>
+        <a:font script="Tale" typeface="Microsoft Tai Le"/>
+        <a:font script="Talu" typeface="Microsoft New Tai Lue"/>
+        <a:font script="Tfng" typeface="Ebrima"/>
+      </a:minorFont>
+    </a:fontScheme>
+    <a:fmtScheme name="Office">
+      <a:fillStyleLst>
+        <a:solidFill>
+          <a:schemeClr val="phClr"/>
+        </a:solidFill>
+        <a:gradFill rotWithShape="1">
+          <a:gsLst>
+            <a:gs pos="0">
+              <a:schemeClr val="phClr">
+                <a:lumMod val="110000"/>
+                <a:satMod val="105000"/>
+                <a:tint val="67000"/>
+              </a:schemeClr>
+            </a:gs>
+            <a:gs pos="50000">
+              <a:schemeClr val="phClr">
+                <a:lumMod val="105000"/>
+                <a:satMod val="103000"/>
+                <a:tint val="73000"/>
+              </a:schemeClr>
+            </a:gs>
+            <a:gs pos="100000">
+              <a:schemeClr val="phClr">
+                <a:lumMod val="105000"/>
+                <a:satMod val="109000"/>
+                <a:tint val="81000"/>
+              </a:schemeClr>
+            </a:gs>
+          </a:gsLst>
+          <a:lin ang="5400000" scaled="0"/>
+        </a:gradFill>
+        <a:gradFill rotWithShape="1">
+          <a:gsLst>
+            <a:gs pos="0">
+              <a:schemeClr val="phClr">
+                <a:satMod val="103000"/>
+                <a:lumMod val="102000"/>
+                <a:tint val="94000"/>
+              </a:schemeClr>
+            </a:gs>
+            <a:gs pos="50000">
+              <a:schemeClr val="phClr">
+                <a:satMod val="110000"/>
+                <a:lumMod val="100000"/>
+                <a:shade val="100000"/>
+              </a:schemeClr>
+            </a:gs>
+            <a:gs pos="100000">
+              <a:schemeClr val="phClr">
+                <a:lumMod val="99000"/>
+                <a:satMod val="120000"/>
+                <a:shade val="78000"/>
+              </a:schemeClr>
+            </a:gs>
+          </a:gsLst>
+          <a:lin ang="5400000" scaled="0"/>
+        </a:gradFill>
+      </a:fillStyleLst>
+      <a:lnStyleLst>
+        <a:ln w="6350" cap="flat" cmpd="sng" algn="ctr">
+          <a:solidFill>
+            <a:schemeClr val="phClr"/>
+          </a:solidFill>
+          <a:prstDash val="solid"/>
+          <a:miter lim="800000"/>
+        </a:ln>
+        <a:ln w="12700" cap="flat" cmpd="sng" algn="ctr">
+          <a:solidFill>
+            <a:schemeClr val="phClr"/>
+          </a:solidFill>
+          <a:prstDash val="solid"/>
+          <a:miter lim="800000"/>
+        </a:ln>
+        <a:ln w="19050" cap="flat" cmpd="sng" algn="ctr">
+          <a:solidFill>
+            <a:schemeClr val="phClr"/>
+          </a:solidFill>
+          <a:prstDash val="solid"/>
+          <a:miter lim="800000"/>
+        </a:ln>
+      </a:lnStyleLst>
+      <a:effectStyleLst>
+        <a:effectStyle>
+          <a:effectLst/>
+        </a:effectStyle>
+        <a:effectStyle>
+          <a:effectLst/>
+        </a:effectStyle>
+        <a:effectStyle>
+          <a:effectLst>
+            <a:outerShdw blurRad="57150" dist="19050" dir="5400000" algn="ctr" rotWithShape="0">
+              <a:srgbClr val="000000">
+                <a:alpha val="63000"/>
+              </a:srgbClr>
+            </a:outerShdw>
+          </a:effectLst>
+        </a:effectStyle>
+      </a:effectStyleLst>
+      <a:bgFillStyleLst>
+        <a:solidFill>
+          <a:schemeClr val="phClr"/>
+        </a:solidFill>
+        <a:solidFill>
+          <a:schemeClr val="phClr">
+            <a:tint val="95000"/>
+            <a:satMod val="170000"/>
+          </a:schemeClr>
+        </a:solidFill>
+        <a:gradFill rotWithShape="1">
+          <a:gsLst>
+            <a:gs pos="0">
+              <a:schemeClr val="phClr">
+                <a:tint val="93000"/>
+                <a:satMod val="150000"/>
+                <a:shade val="98000"/>
+                <a:lumMod val="102000"/>
+              </a:schemeClr>
+            </a:gs>
+            <a:gs pos="50000">
+              <a:schemeClr val="phClr">
+                <a:tint val="98000"/>
+                <a:satMod val="130000"/>
+                <a:shade val="90000"/>
+                <a:lumMod val="103000"/>
+              </a:schemeClr>
+            </a:gs>
+            <a:gs pos="100000">
+              <a:schemeClr val="phClr">
+                <a:shade val="63000"/>
+                <a:satMod val="120000"/>
+              </a:schemeClr>
+            </a:gs>
+          </a:gsLst>
+          <a:lin ang="5400000" scaled="0"/>
+        </a:gradFill>
+      </a:bgFillStyleLst>
+    </a:fmtScheme>
+  </a:themeElements>
+  <a:objectDefaults/>
+  <a:extraClrSchemeLst/>
+  <a:extLst>
+    <a:ext uri="{05A4C25C-085E-4340-85A3-A5531E510DB2}">
+      <thm15:themeFamily xmlns:thm15="http://schemas.microsoft.com/office/thememl/2012/main" name="Office Theme" id="{62F939B6-93AF-4DB8-9C6B-D6C7DFDC589F}" vid="{4A3C46E8-61CC-4603-A589-7422A47A8E4A}"/>
+    </a:ext>
+  </a:extLst>
+</a:theme>
 </file>
--- a/Classes/03-AWSInfrastructure/ArchitectureMaster-03-AWSInfrastructure.pptx
+++ b/Classes/03-AWSInfrastructure/ArchitectureMaster-03-AWSInfrastructure.pptx
@@ -5,15 +5,24 @@
     <p:sldMasterId id="2147483648" r:id="rId1"/>
   </p:sldMasterIdLst>
   <p:notesMasterIdLst>
-    <p:notesMasterId r:id="rId8"/>
+    <p:notesMasterId r:id="rId17"/>
   </p:notesMasterIdLst>
   <p:sldIdLst>
     <p:sldId id="256" r:id="rId2"/>
     <p:sldId id="286" r:id="rId3"/>
     <p:sldId id="287" r:id="rId4"/>
     <p:sldId id="285" r:id="rId5"/>
-    <p:sldId id="284" r:id="rId6"/>
-    <p:sldId id="278" r:id="rId7"/>
+    <p:sldId id="288" r:id="rId6"/>
+    <p:sldId id="289" r:id="rId7"/>
+    <p:sldId id="290" r:id="rId8"/>
+    <p:sldId id="291" r:id="rId9"/>
+    <p:sldId id="292" r:id="rId10"/>
+    <p:sldId id="293" r:id="rId11"/>
+    <p:sldId id="294" r:id="rId12"/>
+    <p:sldId id="296" r:id="rId13"/>
+    <p:sldId id="297" r:id="rId14"/>
+    <p:sldId id="278" r:id="rId15"/>
+    <p:sldId id="284" r:id="rId16"/>
   </p:sldIdLst>
   <p:sldSz cx="12192000" cy="6858000"/>
   <p:notesSz cx="6858000" cy="9144000"/>
@@ -202,7 +211,7 @@
           <a:p>
             <a:fld id="{CCAEF35F-025F-4A3F-A3C9-76E0D2707082}" type="datetimeFigureOut">
               <a:rPr lang="en-US" smtClean="0"/>
-              <a:t>5/17/2023</a:t>
+              <a:t>5/18/2023</a:t>
             </a:fld>
             <a:endParaRPr lang="en-US"/>
           </a:p>
@@ -977,6 +986,517 @@
 </p:notes>
 </file>
 
+<file path=ppt/notesSlides/notesSlide3.xml><?xml version="1.0" encoding="utf-8"?>
+<p:notes xmlns:a="http://schemas.openxmlformats.org/drawingml/2006/main" xmlns:r="http://schemas.openxmlformats.org/officeDocument/2006/relationships" xmlns:p="http://schemas.openxmlformats.org/presentationml/2006/main">
+  <p:cSld>
+    <p:spTree>
+      <p:nvGrpSpPr>
+        <p:cNvPr id="1" name=""/>
+        <p:cNvGrpSpPr/>
+        <p:nvPr/>
+      </p:nvGrpSpPr>
+      <p:grpSpPr>
+        <a:xfrm>
+          <a:off x="0" y="0"/>
+          <a:ext cx="0" cy="0"/>
+          <a:chOff x="0" y="0"/>
+          <a:chExt cx="0" cy="0"/>
+        </a:xfrm>
+      </p:grpSpPr>
+      <p:sp>
+        <p:nvSpPr>
+          <p:cNvPr id="2" name="Slide Image Placeholder 1"/>
+          <p:cNvSpPr>
+            <a:spLocks noGrp="1" noRot="1" noChangeAspect="1"/>
+          </p:cNvSpPr>
+          <p:nvPr>
+            <p:ph type="sldImg"/>
+          </p:nvPr>
+        </p:nvSpPr>
+        <p:spPr/>
+      </p:sp>
+      <p:sp>
+        <p:nvSpPr>
+          <p:cNvPr id="3" name="Notes Placeholder 2"/>
+          <p:cNvSpPr>
+            <a:spLocks noGrp="1"/>
+          </p:cNvSpPr>
+          <p:nvPr>
+            <p:ph type="body" idx="1"/>
+          </p:nvPr>
+        </p:nvSpPr>
+        <p:spPr/>
+        <p:txBody>
+          <a:bodyPr/>
+          <a:lstStyle/>
+          <a:p>
+            <a:pPr marL="171450" indent="-171450">
+              <a:buFont typeface="Arial" panose="020B0604020202020204" pitchFamily="34" charset="0"/>
+              <a:buChar char="•"/>
+            </a:pPr>
+            <a:r>
+              <a:rPr lang="es-ES" b="1" dirty="0"/>
+              <a:t>Cumplimiento de los requisitos legales y de gobernanza de datos: </a:t>
+            </a:r>
+            <a:r>
+              <a:rPr lang="es-ES" dirty="0"/>
+              <a:t>los datos nunca salen de una región sin tu permiso explícito </a:t>
+            </a:r>
+          </a:p>
+          <a:p>
+            <a:pPr marL="171450" indent="-171450">
+              <a:buFont typeface="Arial" panose="020B0604020202020204" pitchFamily="34" charset="0"/>
+              <a:buChar char="•"/>
+            </a:pPr>
+            <a:r>
+              <a:rPr lang="es-ES" b="1" dirty="0"/>
+              <a:t>Proximidad a los clientes: </a:t>
+            </a:r>
+            <a:r>
+              <a:rPr lang="es-ES" dirty="0"/>
+              <a:t>latencia reducida </a:t>
+            </a:r>
+          </a:p>
+          <a:p>
+            <a:pPr marL="171450" indent="-171450">
+              <a:buFont typeface="Arial" panose="020B0604020202020204" pitchFamily="34" charset="0"/>
+              <a:buChar char="•"/>
+            </a:pPr>
+            <a:r>
+              <a:rPr lang="es-ES" b="1" dirty="0"/>
+              <a:t>Servicios disponibles en una región:</a:t>
+            </a:r>
+            <a:r>
+              <a:rPr lang="es-ES" dirty="0"/>
+              <a:t> los nuevos servicios y las nuevas funciones no están disponibles en todas las regiones </a:t>
+            </a:r>
+          </a:p>
+          <a:p>
+            <a:pPr marL="171450" indent="-171450">
+              <a:buFont typeface="Arial" panose="020B0604020202020204" pitchFamily="34" charset="0"/>
+              <a:buChar char="•"/>
+            </a:pPr>
+            <a:r>
+              <a:rPr lang="es-ES" b="1" dirty="0"/>
+              <a:t>Precios:</a:t>
+            </a:r>
+            <a:r>
+              <a:rPr lang="es-ES" dirty="0"/>
+              <a:t> los precios varían de una región a otra y son transparentes en la página de precios del servicio</a:t>
+            </a:r>
+            <a:endParaRPr lang="en-US" dirty="0"/>
+          </a:p>
+        </p:txBody>
+      </p:sp>
+      <p:sp>
+        <p:nvSpPr>
+          <p:cNvPr id="4" name="Slide Number Placeholder 3"/>
+          <p:cNvSpPr>
+            <a:spLocks noGrp="1"/>
+          </p:cNvSpPr>
+          <p:nvPr>
+            <p:ph type="sldNum" sz="quarter" idx="5"/>
+          </p:nvPr>
+        </p:nvSpPr>
+        <p:spPr/>
+        <p:txBody>
+          <a:bodyPr/>
+          <a:lstStyle/>
+          <a:p>
+            <a:fld id="{ED340EC5-0475-408A-8DD9-F38DC2D8118C}" type="slidenum">
+              <a:rPr lang="en-US" smtClean="0"/>
+              <a:t>4</a:t>
+            </a:fld>
+            <a:endParaRPr lang="en-US"/>
+          </a:p>
+        </p:txBody>
+      </p:sp>
+    </p:spTree>
+    <p:extLst>
+      <p:ext uri="{BB962C8B-B14F-4D97-AF65-F5344CB8AC3E}">
+        <p14:creationId xmlns:p14="http://schemas.microsoft.com/office/powerpoint/2010/main" val="1122547408"/>
+      </p:ext>
+    </p:extLst>
+  </p:cSld>
+  <p:clrMapOvr>
+    <a:masterClrMapping/>
+  </p:clrMapOvr>
+</p:notes>
+</file>
+
+<file path=ppt/notesSlides/notesSlide4.xml><?xml version="1.0" encoding="utf-8"?>
+<p:notes xmlns:a="http://schemas.openxmlformats.org/drawingml/2006/main" xmlns:r="http://schemas.openxmlformats.org/officeDocument/2006/relationships" xmlns:p="http://schemas.openxmlformats.org/presentationml/2006/main">
+  <p:cSld>
+    <p:spTree>
+      <p:nvGrpSpPr>
+        <p:cNvPr id="1" name=""/>
+        <p:cNvGrpSpPr/>
+        <p:nvPr/>
+      </p:nvGrpSpPr>
+      <p:grpSpPr>
+        <a:xfrm>
+          <a:off x="0" y="0"/>
+          <a:ext cx="0" cy="0"/>
+          <a:chOff x="0" y="0"/>
+          <a:chExt cx="0" cy="0"/>
+        </a:xfrm>
+      </p:grpSpPr>
+      <p:sp>
+        <p:nvSpPr>
+          <p:cNvPr id="2" name="Slide Image Placeholder 1"/>
+          <p:cNvSpPr>
+            <a:spLocks noGrp="1" noRot="1" noChangeAspect="1"/>
+          </p:cNvSpPr>
+          <p:nvPr>
+            <p:ph type="sldImg"/>
+          </p:nvPr>
+        </p:nvSpPr>
+        <p:spPr/>
+      </p:sp>
+      <p:sp>
+        <p:nvSpPr>
+          <p:cNvPr id="3" name="Notes Placeholder 2"/>
+          <p:cNvSpPr>
+            <a:spLocks noGrp="1"/>
+          </p:cNvSpPr>
+          <p:nvPr>
+            <p:ph type="body" idx="1"/>
+          </p:nvPr>
+        </p:nvSpPr>
+        <p:spPr/>
+        <p:txBody>
+          <a:bodyPr/>
+          <a:lstStyle/>
+          <a:p>
+            <a:pPr marL="171450" indent="-171450">
+              <a:buFont typeface="Arial" panose="020B0604020202020204" pitchFamily="34" charset="0"/>
+              <a:buChar char="•"/>
+            </a:pPr>
+            <a:r>
+              <a:rPr lang="en-US" dirty="0" err="1"/>
+              <a:t>Cada</a:t>
+            </a:r>
+            <a:r>
+              <a:rPr lang="en-US" dirty="0"/>
+              <a:t> region </a:t>
+            </a:r>
+            <a:r>
+              <a:rPr lang="en-US" dirty="0" err="1"/>
+              <a:t>tiene</a:t>
+            </a:r>
+            <a:r>
+              <a:rPr lang="en-US" dirty="0"/>
+              <a:t> entre  3 y 6 Zonas de </a:t>
+            </a:r>
+            <a:r>
+              <a:rPr lang="en-US" dirty="0" err="1"/>
+              <a:t>Disponibilidad</a:t>
+            </a:r>
+            <a:endParaRPr lang="en-US" dirty="0"/>
+          </a:p>
+          <a:p>
+            <a:pPr marL="171450" indent="-171450">
+              <a:buFont typeface="Arial" panose="020B0604020202020204" pitchFamily="34" charset="0"/>
+              <a:buChar char="•"/>
+            </a:pPr>
+            <a:r>
+              <a:rPr lang="es-ES" dirty="0"/>
+              <a:t>Cada zona de disponibilidad (</a:t>
+            </a:r>
+            <a:r>
+              <a:rPr lang="es-ES" b="1" dirty="0"/>
+              <a:t>AZ</a:t>
+            </a:r>
+            <a:r>
+              <a:rPr lang="es-ES" dirty="0"/>
+              <a:t>) tiene uno o varios centros de datos discretos con alimentación, red y conectividad redundantes (por lo general 3)</a:t>
+            </a:r>
+          </a:p>
+          <a:p>
+            <a:pPr marL="171450" indent="-171450">
+              <a:buFont typeface="Arial" panose="020B0604020202020204" pitchFamily="34" charset="0"/>
+              <a:buChar char="•"/>
+            </a:pPr>
+            <a:r>
+              <a:rPr lang="es-ES" dirty="0"/>
+              <a:t>Están separadas unas de otras, de modo que están aisladas de las catástrofes </a:t>
+            </a:r>
+          </a:p>
+          <a:p>
+            <a:pPr marL="171450" indent="-171450">
+              <a:buFont typeface="Arial" panose="020B0604020202020204" pitchFamily="34" charset="0"/>
+              <a:buChar char="•"/>
+            </a:pPr>
+            <a:r>
+              <a:rPr lang="es-ES" dirty="0"/>
+              <a:t>Están conectadas con redes de alto ancho de banda y latencia </a:t>
+            </a:r>
+            <a:r>
+              <a:rPr lang="es-ES" dirty="0" err="1"/>
+              <a:t>ultrabaja</a:t>
+            </a:r>
+            <a:endParaRPr lang="en-US" dirty="0"/>
+          </a:p>
+          <a:p>
+            <a:pPr marL="171450" indent="-171450">
+              <a:buFont typeface="Arial" panose="020B0604020202020204" pitchFamily="34" charset="0"/>
+              <a:buChar char="•"/>
+            </a:pPr>
+            <a:endParaRPr lang="en-US" dirty="0"/>
+          </a:p>
+        </p:txBody>
+      </p:sp>
+      <p:sp>
+        <p:nvSpPr>
+          <p:cNvPr id="4" name="Slide Number Placeholder 3"/>
+          <p:cNvSpPr>
+            <a:spLocks noGrp="1"/>
+          </p:cNvSpPr>
+          <p:nvPr>
+            <p:ph type="sldNum" sz="quarter" idx="5"/>
+          </p:nvPr>
+        </p:nvSpPr>
+        <p:spPr/>
+        <p:txBody>
+          <a:bodyPr/>
+          <a:lstStyle/>
+          <a:p>
+            <a:fld id="{ED340EC5-0475-408A-8DD9-F38DC2D8118C}" type="slidenum">
+              <a:rPr lang="en-US" smtClean="0"/>
+              <a:t>5</a:t>
+            </a:fld>
+            <a:endParaRPr lang="en-US"/>
+          </a:p>
+        </p:txBody>
+      </p:sp>
+    </p:spTree>
+    <p:extLst>
+      <p:ext uri="{BB962C8B-B14F-4D97-AF65-F5344CB8AC3E}">
+        <p14:creationId xmlns:p14="http://schemas.microsoft.com/office/powerpoint/2010/main" val="1105660179"/>
+      </p:ext>
+    </p:extLst>
+  </p:cSld>
+  <p:clrMapOvr>
+    <a:masterClrMapping/>
+  </p:clrMapOvr>
+</p:notes>
+</file>
+
+<file path=ppt/notesSlides/notesSlide5.xml><?xml version="1.0" encoding="utf-8"?>
+<p:notes xmlns:a="http://schemas.openxmlformats.org/drawingml/2006/main" xmlns:r="http://schemas.openxmlformats.org/officeDocument/2006/relationships" xmlns:p="http://schemas.openxmlformats.org/presentationml/2006/main">
+  <p:cSld>
+    <p:spTree>
+      <p:nvGrpSpPr>
+        <p:cNvPr id="1" name=""/>
+        <p:cNvGrpSpPr/>
+        <p:nvPr/>
+      </p:nvGrpSpPr>
+      <p:grpSpPr>
+        <a:xfrm>
+          <a:off x="0" y="0"/>
+          <a:ext cx="0" cy="0"/>
+          <a:chOff x="0" y="0"/>
+          <a:chExt cx="0" cy="0"/>
+        </a:xfrm>
+      </p:grpSpPr>
+      <p:sp>
+        <p:nvSpPr>
+          <p:cNvPr id="2" name="Slide Image Placeholder 1"/>
+          <p:cNvSpPr>
+            <a:spLocks noGrp="1" noRot="1" noChangeAspect="1"/>
+          </p:cNvSpPr>
+          <p:nvPr>
+            <p:ph type="sldImg"/>
+          </p:nvPr>
+        </p:nvSpPr>
+        <p:spPr/>
+      </p:sp>
+      <p:sp>
+        <p:nvSpPr>
+          <p:cNvPr id="3" name="Notes Placeholder 2"/>
+          <p:cNvSpPr>
+            <a:spLocks noGrp="1"/>
+          </p:cNvSpPr>
+          <p:nvPr>
+            <p:ph type="body" idx="1"/>
+          </p:nvPr>
+        </p:nvSpPr>
+        <p:spPr/>
+        <p:txBody>
+          <a:bodyPr/>
+          <a:lstStyle/>
+          <a:p>
+            <a:endParaRPr lang="en-US" dirty="0"/>
+          </a:p>
+        </p:txBody>
+      </p:sp>
+      <p:sp>
+        <p:nvSpPr>
+          <p:cNvPr id="4" name="Slide Number Placeholder 3"/>
+          <p:cNvSpPr>
+            <a:spLocks noGrp="1"/>
+          </p:cNvSpPr>
+          <p:nvPr>
+            <p:ph type="sldNum" sz="quarter" idx="5"/>
+          </p:nvPr>
+        </p:nvSpPr>
+        <p:spPr/>
+        <p:txBody>
+          <a:bodyPr/>
+          <a:lstStyle/>
+          <a:p>
+            <a:fld id="{ED340EC5-0475-408A-8DD9-F38DC2D8118C}" type="slidenum">
+              <a:rPr lang="en-US" smtClean="0"/>
+              <a:t>9</a:t>
+            </a:fld>
+            <a:endParaRPr lang="en-US"/>
+          </a:p>
+        </p:txBody>
+      </p:sp>
+    </p:spTree>
+    <p:extLst>
+      <p:ext uri="{BB962C8B-B14F-4D97-AF65-F5344CB8AC3E}">
+        <p14:creationId xmlns:p14="http://schemas.microsoft.com/office/powerpoint/2010/main" val="2841101113"/>
+      </p:ext>
+    </p:extLst>
+  </p:cSld>
+  <p:clrMapOvr>
+    <a:masterClrMapping/>
+  </p:clrMapOvr>
+</p:notes>
+</file>
+
+<file path=ppt/notesSlides/notesSlide6.xml><?xml version="1.0" encoding="utf-8"?>
+<p:notes xmlns:a="http://schemas.openxmlformats.org/drawingml/2006/main" xmlns:r="http://schemas.openxmlformats.org/officeDocument/2006/relationships" xmlns:p="http://schemas.openxmlformats.org/presentationml/2006/main">
+  <p:cSld>
+    <p:spTree>
+      <p:nvGrpSpPr>
+        <p:cNvPr id="1" name=""/>
+        <p:cNvGrpSpPr/>
+        <p:nvPr/>
+      </p:nvGrpSpPr>
+      <p:grpSpPr>
+        <a:xfrm>
+          <a:off x="0" y="0"/>
+          <a:ext cx="0" cy="0"/>
+          <a:chOff x="0" y="0"/>
+          <a:chExt cx="0" cy="0"/>
+        </a:xfrm>
+      </p:grpSpPr>
+      <p:sp>
+        <p:nvSpPr>
+          <p:cNvPr id="2" name="Slide Image Placeholder 1"/>
+          <p:cNvSpPr>
+            <a:spLocks noGrp="1" noRot="1" noChangeAspect="1"/>
+          </p:cNvSpPr>
+          <p:nvPr>
+            <p:ph type="sldImg"/>
+          </p:nvPr>
+        </p:nvSpPr>
+        <p:spPr/>
+      </p:sp>
+      <p:sp>
+        <p:nvSpPr>
+          <p:cNvPr id="3" name="Notes Placeholder 2"/>
+          <p:cNvSpPr>
+            <a:spLocks noGrp="1"/>
+          </p:cNvSpPr>
+          <p:nvPr>
+            <p:ph type="body" idx="1"/>
+          </p:nvPr>
+        </p:nvSpPr>
+        <p:spPr/>
+        <p:txBody>
+          <a:bodyPr/>
+          <a:lstStyle/>
+          <a:p>
+            <a:pPr marL="171450" indent="-171450">
+              <a:buFontTx/>
+              <a:buChar char="-"/>
+            </a:pPr>
+            <a:r>
+              <a:rPr lang="es-ES" b="1" dirty="0"/>
+              <a:t>Cliente </a:t>
+            </a:r>
+            <a:r>
+              <a:rPr lang="es-ES" dirty="0"/>
+              <a:t>= Responsable por la seguridad dentro del Cloud </a:t>
+            </a:r>
+            <a:r>
+              <a:rPr lang="en-US" dirty="0"/>
+              <a:t>(</a:t>
+            </a:r>
+            <a:r>
+              <a:rPr lang="en-US" dirty="0" err="1"/>
+              <a:t>Aplicación</a:t>
+            </a:r>
+            <a:r>
+              <a:rPr lang="en-US" dirty="0"/>
+              <a:t>, los </a:t>
+            </a:r>
+            <a:r>
+              <a:rPr lang="en-US" dirty="0" err="1"/>
+              <a:t>datos</a:t>
+            </a:r>
+            <a:r>
+              <a:rPr lang="en-US" dirty="0"/>
+              <a:t>, etc.)</a:t>
+            </a:r>
+            <a:endParaRPr lang="es-ES" dirty="0"/>
+          </a:p>
+          <a:p>
+            <a:pPr marL="171450" indent="-171450">
+              <a:buFontTx/>
+              <a:buChar char="-"/>
+            </a:pPr>
+            <a:r>
+              <a:rPr lang="es-ES" b="1" dirty="0"/>
+              <a:t>AWS </a:t>
+            </a:r>
+            <a:r>
+              <a:rPr lang="es-ES" dirty="0"/>
+              <a:t>= Responsable por la seguridad del Cloud (Infraestructura, Software y Plataforma de la Nube)</a:t>
+            </a:r>
+            <a:endParaRPr lang="en-US" dirty="0"/>
+          </a:p>
+        </p:txBody>
+      </p:sp>
+      <p:sp>
+        <p:nvSpPr>
+          <p:cNvPr id="4" name="Slide Number Placeholder 3"/>
+          <p:cNvSpPr>
+            <a:spLocks noGrp="1"/>
+          </p:cNvSpPr>
+          <p:nvPr>
+            <p:ph type="sldNum" sz="quarter" idx="5"/>
+          </p:nvPr>
+        </p:nvSpPr>
+        <p:spPr/>
+        <p:txBody>
+          <a:bodyPr/>
+          <a:lstStyle/>
+          <a:p>
+            <a:fld id="{ED340EC5-0475-408A-8DD9-F38DC2D8118C}" type="slidenum">
+              <a:rPr lang="en-US" smtClean="0"/>
+              <a:t>12</a:t>
+            </a:fld>
+            <a:endParaRPr lang="en-US"/>
+          </a:p>
+        </p:txBody>
+      </p:sp>
+    </p:spTree>
+    <p:extLst>
+      <p:ext uri="{BB962C8B-B14F-4D97-AF65-F5344CB8AC3E}">
+        <p14:creationId xmlns:p14="http://schemas.microsoft.com/office/powerpoint/2010/main" val="2032189936"/>
+      </p:ext>
+    </p:extLst>
+  </p:cSld>
+  <p:clrMapOvr>
+    <a:masterClrMapping/>
+  </p:clrMapOvr>
+</p:notes>
+</file>
+
 <file path=ppt/slideLayouts/slideLayout1.xml><?xml version="1.0" encoding="utf-8"?>
 <p:sldLayout xmlns:a="http://schemas.openxmlformats.org/drawingml/2006/main" xmlns:r="http://schemas.openxmlformats.org/officeDocument/2006/relationships" xmlns:p="http://schemas.openxmlformats.org/presentationml/2006/main" type="title" preserve="1">
   <p:cSld name="Title Slide">
@@ -1143,7 +1663,7 @@
           <a:p>
             <a:fld id="{C590909A-0DFE-43BA-B693-0183CFC4A986}" type="datetimeFigureOut">
               <a:rPr lang="en-US" smtClean="0"/>
-              <a:t>5/17/2023</a:t>
+              <a:t>5/18/2023</a:t>
             </a:fld>
             <a:endParaRPr lang="en-US"/>
           </a:p>
@@ -1403,7 +1923,7 @@
           <a:p>
             <a:fld id="{C590909A-0DFE-43BA-B693-0183CFC4A986}" type="datetimeFigureOut">
               <a:rPr lang="en-US" smtClean="0"/>
-              <a:t>5/17/2023</a:t>
+              <a:t>5/18/2023</a:t>
             </a:fld>
             <a:endParaRPr lang="en-US"/>
           </a:p>
@@ -1611,7 +2131,7 @@
           <a:p>
             <a:fld id="{C590909A-0DFE-43BA-B693-0183CFC4A986}" type="datetimeFigureOut">
               <a:rPr lang="en-US" smtClean="0"/>
-              <a:t>5/17/2023</a:t>
+              <a:t>5/18/2023</a:t>
             </a:fld>
             <a:endParaRPr lang="en-US"/>
           </a:p>
@@ -1768,7 +2288,7 @@
           <a:p>
             <a:fld id="{C590909A-0DFE-43BA-B693-0183CFC4A986}" type="datetimeFigureOut">
               <a:rPr lang="en-US" smtClean="0"/>
-              <a:t>5/17/2023</a:t>
+              <a:t>5/18/2023</a:t>
             </a:fld>
             <a:endParaRPr lang="en-US"/>
           </a:p>
@@ -2200,7 +2720,7 @@
           <a:p>
             <a:fld id="{C590909A-0DFE-43BA-B693-0183CFC4A986}" type="datetimeFigureOut">
               <a:rPr lang="en-US" smtClean="0"/>
-              <a:t>5/17/2023</a:t>
+              <a:t>5/18/2023</a:t>
             </a:fld>
             <a:endParaRPr lang="en-US"/>
           </a:p>
@@ -2465,7 +2985,7 @@
           <a:p>
             <a:fld id="{C590909A-0DFE-43BA-B693-0183CFC4A986}" type="datetimeFigureOut">
               <a:rPr lang="en-US" smtClean="0"/>
-              <a:t>5/17/2023</a:t>
+              <a:t>5/18/2023</a:t>
             </a:fld>
             <a:endParaRPr lang="en-US"/>
           </a:p>
@@ -2877,7 +3397,7 @@
           <a:p>
             <a:fld id="{C590909A-0DFE-43BA-B693-0183CFC4A986}" type="datetimeFigureOut">
               <a:rPr lang="en-US" smtClean="0"/>
-              <a:t>5/17/2023</a:t>
+              <a:t>5/18/2023</a:t>
             </a:fld>
             <a:endParaRPr lang="en-US"/>
           </a:p>
@@ -3018,7 +3538,7 @@
           <a:p>
             <a:fld id="{C590909A-0DFE-43BA-B693-0183CFC4A986}" type="datetimeFigureOut">
               <a:rPr lang="en-US" smtClean="0"/>
-              <a:t>5/17/2023</a:t>
+              <a:t>5/18/2023</a:t>
             </a:fld>
             <a:endParaRPr lang="en-US"/>
           </a:p>
@@ -3131,7 +3651,7 @@
           <a:p>
             <a:fld id="{C590909A-0DFE-43BA-B693-0183CFC4A986}" type="datetimeFigureOut">
               <a:rPr lang="en-US" smtClean="0"/>
-              <a:t>5/17/2023</a:t>
+              <a:t>5/18/2023</a:t>
             </a:fld>
             <a:endParaRPr lang="en-US"/>
           </a:p>
@@ -3442,7 +3962,7 @@
           <a:p>
             <a:fld id="{C590909A-0DFE-43BA-B693-0183CFC4A986}" type="datetimeFigureOut">
               <a:rPr lang="en-US" smtClean="0"/>
-              <a:t>5/17/2023</a:t>
+              <a:t>5/18/2023</a:t>
             </a:fld>
             <a:endParaRPr lang="en-US"/>
           </a:p>
@@ -3730,7 +4250,7 @@
           <a:p>
             <a:fld id="{C590909A-0DFE-43BA-B693-0183CFC4A986}" type="datetimeFigureOut">
               <a:rPr lang="en-US" smtClean="0"/>
-              <a:t>5/17/2023</a:t>
+              <a:t>5/18/2023</a:t>
             </a:fld>
             <a:endParaRPr lang="en-US"/>
           </a:p>
@@ -3971,7 +4491,7 @@
           <a:p>
             <a:fld id="{C590909A-0DFE-43BA-B693-0183CFC4A986}" type="datetimeFigureOut">
               <a:rPr lang="en-US" smtClean="0"/>
-              <a:t>5/17/2023</a:t>
+              <a:t>5/18/2023</a:t>
             </a:fld>
             <a:endParaRPr lang="en-US"/>
           </a:p>
@@ -4600,6 +5120,912 @@
 </p:sld>
 </file>
 
+<file path=ppt/slides/slide10.xml><?xml version="1.0" encoding="utf-8"?>
+<p:sld xmlns:a="http://schemas.openxmlformats.org/drawingml/2006/main" xmlns:r="http://schemas.openxmlformats.org/officeDocument/2006/relationships" xmlns:p="http://schemas.openxmlformats.org/presentationml/2006/main">
+  <p:cSld>
+    <p:spTree>
+      <p:nvGrpSpPr>
+        <p:cNvPr id="1" name=""/>
+        <p:cNvGrpSpPr/>
+        <p:nvPr/>
+      </p:nvGrpSpPr>
+      <p:grpSpPr>
+        <a:xfrm>
+          <a:off x="0" y="0"/>
+          <a:ext cx="0" cy="0"/>
+          <a:chOff x="0" y="0"/>
+          <a:chExt cx="0" cy="0"/>
+        </a:xfrm>
+      </p:grpSpPr>
+      <p:sp>
+        <p:nvSpPr>
+          <p:cNvPr id="2" name="Title 1">
+            <a:extLst>
+              <a:ext uri="{FF2B5EF4-FFF2-40B4-BE49-F238E27FC236}">
+                <a16:creationId xmlns:a16="http://schemas.microsoft.com/office/drawing/2014/main" id="{730B792A-F3EC-6F7A-8E59-FF47B0D36CF3}"/>
+              </a:ext>
+            </a:extLst>
+          </p:cNvPr>
+          <p:cNvSpPr>
+            <a:spLocks noGrp="1"/>
+          </p:cNvSpPr>
+          <p:nvPr>
+            <p:ph type="title"/>
+          </p:nvPr>
+        </p:nvSpPr>
+        <p:spPr/>
+        <p:txBody>
+          <a:bodyPr>
+            <a:normAutofit fontScale="90000"/>
+          </a:bodyPr>
+          <a:lstStyle/>
+          <a:p>
+            <a:r>
+              <a:rPr lang="en-US" dirty="0"/>
+              <a:t>Some Services</a:t>
+            </a:r>
+          </a:p>
+        </p:txBody>
+      </p:sp>
+      <p:sp>
+        <p:nvSpPr>
+          <p:cNvPr id="3" name="Content Placeholder 2">
+            <a:extLst>
+              <a:ext uri="{FF2B5EF4-FFF2-40B4-BE49-F238E27FC236}">
+                <a16:creationId xmlns:a16="http://schemas.microsoft.com/office/drawing/2014/main" id="{D7F43287-04DD-950A-5A25-95ABD27CB4C4}"/>
+              </a:ext>
+            </a:extLst>
+          </p:cNvPr>
+          <p:cNvSpPr>
+            <a:spLocks noGrp="1"/>
+          </p:cNvSpPr>
+          <p:nvPr>
+            <p:ph idx="1"/>
+          </p:nvPr>
+        </p:nvSpPr>
+        <p:spPr/>
+        <p:txBody>
+          <a:bodyPr>
+            <a:normAutofit lnSpcReduction="10000"/>
+          </a:bodyPr>
+          <a:lstStyle/>
+          <a:p>
+            <a:r>
+              <a:rPr lang="en-US" dirty="0"/>
+              <a:t>AWS global services: </a:t>
+            </a:r>
+          </a:p>
+          <a:p>
+            <a:pPr lvl="1"/>
+            <a:r>
+              <a:rPr lang="en-US" dirty="0"/>
+              <a:t>Identity and Access Management (IAM) </a:t>
+            </a:r>
+          </a:p>
+          <a:p>
+            <a:pPr lvl="1"/>
+            <a:r>
+              <a:rPr lang="en-US" dirty="0"/>
+              <a:t>Route 53 (DNS service) </a:t>
+            </a:r>
+          </a:p>
+          <a:p>
+            <a:pPr lvl="1"/>
+            <a:r>
+              <a:rPr lang="en-US" dirty="0"/>
+              <a:t>CloudFront (Content Delivery Network) </a:t>
+            </a:r>
+          </a:p>
+          <a:p>
+            <a:pPr lvl="1"/>
+            <a:r>
+              <a:rPr lang="en-US" dirty="0"/>
+              <a:t>WAF (Web Application Firewall) </a:t>
+            </a:r>
+          </a:p>
+          <a:p>
+            <a:r>
+              <a:rPr lang="en-US" dirty="0"/>
+              <a:t>Most AWS services are regional in scope:</a:t>
+            </a:r>
+          </a:p>
+          <a:p>
+            <a:pPr lvl="1"/>
+            <a:r>
+              <a:rPr lang="en-US" dirty="0"/>
+              <a:t>Amazon EC2 (</a:t>
+            </a:r>
+            <a:r>
+              <a:rPr lang="en-US" dirty="0" err="1"/>
+              <a:t>Infraestructura</a:t>
+            </a:r>
+            <a:r>
+              <a:rPr lang="en-US" dirty="0"/>
+              <a:t> as a </a:t>
+            </a:r>
+            <a:r>
+              <a:rPr lang="en-US" dirty="0" err="1"/>
+              <a:t>Servicie</a:t>
+            </a:r>
+            <a:r>
+              <a:rPr lang="en-US" dirty="0"/>
+              <a:t>) </a:t>
+            </a:r>
+          </a:p>
+          <a:p>
+            <a:pPr lvl="1"/>
+            <a:r>
+              <a:rPr lang="en-US" dirty="0"/>
+              <a:t>Elastic Beanstalk (</a:t>
+            </a:r>
+            <a:r>
+              <a:rPr lang="en-US" dirty="0" err="1"/>
+              <a:t>Plataform</a:t>
+            </a:r>
+            <a:r>
+              <a:rPr lang="en-US" dirty="0"/>
+              <a:t> as a </a:t>
+            </a:r>
+            <a:r>
+              <a:rPr lang="en-US" dirty="0" err="1"/>
+              <a:t>Servicie</a:t>
+            </a:r>
+            <a:r>
+              <a:rPr lang="en-US" dirty="0"/>
+              <a:t>) </a:t>
+            </a:r>
+          </a:p>
+          <a:p>
+            <a:pPr lvl="1"/>
+            <a:r>
+              <a:rPr lang="en-US" dirty="0"/>
+              <a:t>Lambda (Function as a </a:t>
+            </a:r>
+            <a:r>
+              <a:rPr lang="en-US" dirty="0" err="1"/>
+              <a:t>Servicie</a:t>
+            </a:r>
+            <a:r>
+              <a:rPr lang="en-US" dirty="0"/>
+              <a:t>) </a:t>
+            </a:r>
+          </a:p>
+          <a:p>
+            <a:pPr lvl="1"/>
+            <a:r>
+              <a:rPr lang="en-US" dirty="0" err="1"/>
+              <a:t>Rekognition</a:t>
+            </a:r>
+            <a:r>
+              <a:rPr lang="en-US" dirty="0"/>
+              <a:t> (Software as a </a:t>
+            </a:r>
+            <a:r>
+              <a:rPr lang="en-US" dirty="0" err="1"/>
+              <a:t>Servicie</a:t>
+            </a:r>
+            <a:r>
+              <a:rPr lang="en-US" dirty="0"/>
+              <a:t>) </a:t>
+            </a:r>
+          </a:p>
+          <a:p>
+            <a:r>
+              <a:rPr lang="en-US" dirty="0"/>
+              <a:t>Regions Table: </a:t>
+            </a:r>
+          </a:p>
+          <a:p>
+            <a:pPr marL="0" indent="0">
+              <a:buNone/>
+            </a:pPr>
+            <a:r>
+              <a:rPr lang="en-US" sz="2200" dirty="0">
+                <a:hlinkClick r:id="rId2"/>
+              </a:rPr>
+              <a:t>https://aws.amazon.com/about-aws/global-infrastructure/regional-product-services</a:t>
+            </a:r>
+            <a:r>
+              <a:rPr lang="en-US" sz="2200" dirty="0"/>
+              <a:t> </a:t>
+            </a:r>
+          </a:p>
+        </p:txBody>
+      </p:sp>
+    </p:spTree>
+    <p:extLst>
+      <p:ext uri="{BB962C8B-B14F-4D97-AF65-F5344CB8AC3E}">
+        <p14:creationId xmlns:p14="http://schemas.microsoft.com/office/powerpoint/2010/main" val="2620099713"/>
+      </p:ext>
+    </p:extLst>
+  </p:cSld>
+  <p:clrMapOvr>
+    <a:masterClrMapping/>
+  </p:clrMapOvr>
+</p:sld>
+</file>
+
+<file path=ppt/slides/slide11.xml><?xml version="1.0" encoding="utf-8"?>
+<p:sld xmlns:a="http://schemas.openxmlformats.org/drawingml/2006/main" xmlns:r="http://schemas.openxmlformats.org/officeDocument/2006/relationships" xmlns:p="http://schemas.openxmlformats.org/presentationml/2006/main">
+  <p:cSld>
+    <p:spTree>
+      <p:nvGrpSpPr>
+        <p:cNvPr id="1" name=""/>
+        <p:cNvGrpSpPr/>
+        <p:nvPr/>
+      </p:nvGrpSpPr>
+      <p:grpSpPr>
+        <a:xfrm>
+          <a:off x="0" y="0"/>
+          <a:ext cx="0" cy="0"/>
+          <a:chOff x="0" y="0"/>
+          <a:chExt cx="0" cy="0"/>
+        </a:xfrm>
+      </p:grpSpPr>
+      <p:sp>
+        <p:nvSpPr>
+          <p:cNvPr id="2" name="Title 1">
+            <a:extLst>
+              <a:ext uri="{FF2B5EF4-FFF2-40B4-BE49-F238E27FC236}">
+                <a16:creationId xmlns:a16="http://schemas.microsoft.com/office/drawing/2014/main" id="{851DF0F4-7C19-C1E7-794C-003CB11DF94E}"/>
+              </a:ext>
+            </a:extLst>
+          </p:cNvPr>
+          <p:cNvSpPr>
+            <a:spLocks noGrp="1"/>
+          </p:cNvSpPr>
+          <p:nvPr>
+            <p:ph type="title"/>
+          </p:nvPr>
+        </p:nvSpPr>
+        <p:spPr/>
+        <p:txBody>
+          <a:bodyPr>
+            <a:normAutofit fontScale="90000"/>
+          </a:bodyPr>
+          <a:lstStyle/>
+          <a:p>
+            <a:r>
+              <a:rPr lang="en-US" dirty="0"/>
+              <a:t>AWS Management Console Tour</a:t>
+            </a:r>
+          </a:p>
+        </p:txBody>
+      </p:sp>
+      <p:pic>
+        <p:nvPicPr>
+          <p:cNvPr id="7" name="Content Placeholder 6">
+            <a:extLst>
+              <a:ext uri="{FF2B5EF4-FFF2-40B4-BE49-F238E27FC236}">
+                <a16:creationId xmlns:a16="http://schemas.microsoft.com/office/drawing/2014/main" id="{205309BF-E44A-58BC-480E-C17F69F0DF10}"/>
+              </a:ext>
+            </a:extLst>
+          </p:cNvPr>
+          <p:cNvPicPr>
+            <a:picLocks noGrp="1" noChangeAspect="1"/>
+          </p:cNvPicPr>
+          <p:nvPr>
+            <p:ph idx="1"/>
+          </p:nvPr>
+        </p:nvPicPr>
+        <p:blipFill>
+          <a:blip r:embed="rId2"/>
+          <a:stretch>
+            <a:fillRect/>
+          </a:stretch>
+        </p:blipFill>
+        <p:spPr>
+          <a:xfrm>
+            <a:off x="914399" y="700749"/>
+            <a:ext cx="10780391" cy="5651394"/>
+          </a:xfrm>
+        </p:spPr>
+      </p:pic>
+      <p:sp>
+        <p:nvSpPr>
+          <p:cNvPr id="5" name="TextBox 4">
+            <a:extLst>
+              <a:ext uri="{FF2B5EF4-FFF2-40B4-BE49-F238E27FC236}">
+                <a16:creationId xmlns:a16="http://schemas.microsoft.com/office/drawing/2014/main" id="{9061C7D1-AE58-1E6E-0EEC-C0B4377E4AAC}"/>
+              </a:ext>
+            </a:extLst>
+          </p:cNvPr>
+          <p:cNvSpPr txBox="1"/>
+          <p:nvPr/>
+        </p:nvSpPr>
+        <p:spPr>
+          <a:xfrm>
+            <a:off x="1654628" y="6352143"/>
+            <a:ext cx="9492343" cy="369332"/>
+          </a:xfrm>
+          <a:prstGeom prst="rect">
+            <a:avLst/>
+          </a:prstGeom>
+          <a:noFill/>
+        </p:spPr>
+        <p:txBody>
+          <a:bodyPr wrap="square">
+            <a:spAutoFit/>
+          </a:bodyPr>
+          <a:lstStyle/>
+          <a:p>
+            <a:r>
+              <a:rPr lang="en-US" dirty="0">
+                <a:hlinkClick r:id="rId3"/>
+              </a:rPr>
+              <a:t>https://aws.amazon.com/getting-started/hands-on/getting-started-with-aws-management-console/</a:t>
+            </a:r>
+            <a:r>
+              <a:rPr lang="en-US" dirty="0"/>
+              <a:t> </a:t>
+            </a:r>
+          </a:p>
+        </p:txBody>
+      </p:sp>
+    </p:spTree>
+    <p:extLst>
+      <p:ext uri="{BB962C8B-B14F-4D97-AF65-F5344CB8AC3E}">
+        <p14:creationId xmlns:p14="http://schemas.microsoft.com/office/powerpoint/2010/main" val="2507355324"/>
+      </p:ext>
+    </p:extLst>
+  </p:cSld>
+  <p:clrMapOvr>
+    <a:masterClrMapping/>
+  </p:clrMapOvr>
+</p:sld>
+</file>
+
+<file path=ppt/slides/slide12.xml><?xml version="1.0" encoding="utf-8"?>
+<p:sld xmlns:a="http://schemas.openxmlformats.org/drawingml/2006/main" xmlns:r="http://schemas.openxmlformats.org/officeDocument/2006/relationships" xmlns:p="http://schemas.openxmlformats.org/presentationml/2006/main">
+  <p:cSld>
+    <p:spTree>
+      <p:nvGrpSpPr>
+        <p:cNvPr id="1" name=""/>
+        <p:cNvGrpSpPr/>
+        <p:nvPr/>
+      </p:nvGrpSpPr>
+      <p:grpSpPr>
+        <a:xfrm>
+          <a:off x="0" y="0"/>
+          <a:ext cx="0" cy="0"/>
+          <a:chOff x="0" y="0"/>
+          <a:chExt cx="0" cy="0"/>
+        </a:xfrm>
+      </p:grpSpPr>
+      <p:sp>
+        <p:nvSpPr>
+          <p:cNvPr id="2" name="Title 1">
+            <a:extLst>
+              <a:ext uri="{FF2B5EF4-FFF2-40B4-BE49-F238E27FC236}">
+                <a16:creationId xmlns:a16="http://schemas.microsoft.com/office/drawing/2014/main" id="{B2AF5D62-B6E4-E1BF-07E4-01A4994E82B4}"/>
+              </a:ext>
+            </a:extLst>
+          </p:cNvPr>
+          <p:cNvSpPr>
+            <a:spLocks noGrp="1"/>
+          </p:cNvSpPr>
+          <p:nvPr>
+            <p:ph type="title"/>
+          </p:nvPr>
+        </p:nvSpPr>
+        <p:spPr/>
+        <p:txBody>
+          <a:bodyPr>
+            <a:normAutofit fontScale="90000"/>
+          </a:bodyPr>
+          <a:lstStyle/>
+          <a:p>
+            <a:r>
+              <a:rPr lang="en-US" dirty="0"/>
+              <a:t>Shared Responsibility Model</a:t>
+            </a:r>
+          </a:p>
+        </p:txBody>
+      </p:sp>
+      <p:pic>
+        <p:nvPicPr>
+          <p:cNvPr id="5" name="Content Placeholder 4">
+            <a:extLst>
+              <a:ext uri="{FF2B5EF4-FFF2-40B4-BE49-F238E27FC236}">
+                <a16:creationId xmlns:a16="http://schemas.microsoft.com/office/drawing/2014/main" id="{36FD94EC-A8DE-8646-703A-06F1D3A222FE}"/>
+              </a:ext>
+            </a:extLst>
+          </p:cNvPr>
+          <p:cNvPicPr>
+            <a:picLocks noGrp="1" noChangeAspect="1"/>
+          </p:cNvPicPr>
+          <p:nvPr>
+            <p:ph idx="1"/>
+          </p:nvPr>
+        </p:nvPicPr>
+        <p:blipFill>
+          <a:blip r:embed="rId3"/>
+          <a:stretch>
+            <a:fillRect/>
+          </a:stretch>
+        </p:blipFill>
+        <p:spPr>
+          <a:xfrm>
+            <a:off x="890076" y="697026"/>
+            <a:ext cx="10411848" cy="5681662"/>
+          </a:xfrm>
+        </p:spPr>
+      </p:pic>
+      <p:sp>
+        <p:nvSpPr>
+          <p:cNvPr id="7" name="TextBox 6">
+            <a:extLst>
+              <a:ext uri="{FF2B5EF4-FFF2-40B4-BE49-F238E27FC236}">
+                <a16:creationId xmlns:a16="http://schemas.microsoft.com/office/drawing/2014/main" id="{D4F37FAA-AD17-4954-65EA-B9A7D6879DDD}"/>
+              </a:ext>
+            </a:extLst>
+          </p:cNvPr>
+          <p:cNvSpPr txBox="1"/>
+          <p:nvPr/>
+        </p:nvSpPr>
+        <p:spPr>
+          <a:xfrm>
+            <a:off x="3048000" y="6378688"/>
+            <a:ext cx="6096000" cy="369332"/>
+          </a:xfrm>
+          <a:prstGeom prst="rect">
+            <a:avLst/>
+          </a:prstGeom>
+          <a:noFill/>
+        </p:spPr>
+        <p:txBody>
+          <a:bodyPr wrap="square">
+            <a:spAutoFit/>
+          </a:bodyPr>
+          <a:lstStyle/>
+          <a:p>
+            <a:r>
+              <a:rPr lang="en-US" dirty="0">
+                <a:hlinkClick r:id="rId4"/>
+              </a:rPr>
+              <a:t>Shared Responsibility Model - Amazon Web Services (AWS)</a:t>
+            </a:r>
+            <a:endParaRPr lang="en-US" dirty="0"/>
+          </a:p>
+        </p:txBody>
+      </p:sp>
+    </p:spTree>
+    <p:extLst>
+      <p:ext uri="{BB962C8B-B14F-4D97-AF65-F5344CB8AC3E}">
+        <p14:creationId xmlns:p14="http://schemas.microsoft.com/office/powerpoint/2010/main" val="676035316"/>
+      </p:ext>
+    </p:extLst>
+  </p:cSld>
+  <p:clrMapOvr>
+    <a:masterClrMapping/>
+  </p:clrMapOvr>
+</p:sld>
+</file>
+
+<file path=ppt/slides/slide13.xml><?xml version="1.0" encoding="utf-8"?>
+<p:sld xmlns:a="http://schemas.openxmlformats.org/drawingml/2006/main" xmlns:r="http://schemas.openxmlformats.org/officeDocument/2006/relationships" xmlns:p="http://schemas.openxmlformats.org/presentationml/2006/main">
+  <p:cSld>
+    <p:spTree>
+      <p:nvGrpSpPr>
+        <p:cNvPr id="1" name=""/>
+        <p:cNvGrpSpPr/>
+        <p:nvPr/>
+      </p:nvGrpSpPr>
+      <p:grpSpPr>
+        <a:xfrm>
+          <a:off x="0" y="0"/>
+          <a:ext cx="0" cy="0"/>
+          <a:chOff x="0" y="0"/>
+          <a:chExt cx="0" cy="0"/>
+        </a:xfrm>
+      </p:grpSpPr>
+      <p:sp>
+        <p:nvSpPr>
+          <p:cNvPr id="2" name="Title 1">
+            <a:extLst>
+              <a:ext uri="{FF2B5EF4-FFF2-40B4-BE49-F238E27FC236}">
+                <a16:creationId xmlns:a16="http://schemas.microsoft.com/office/drawing/2014/main" id="{97853978-D99C-A689-59F5-049FA2B1AA67}"/>
+              </a:ext>
+            </a:extLst>
+          </p:cNvPr>
+          <p:cNvSpPr>
+            <a:spLocks noGrp="1"/>
+          </p:cNvSpPr>
+          <p:nvPr>
+            <p:ph type="title"/>
+          </p:nvPr>
+        </p:nvSpPr>
+        <p:spPr/>
+        <p:txBody>
+          <a:bodyPr>
+            <a:normAutofit fontScale="90000"/>
+          </a:bodyPr>
+          <a:lstStyle/>
+          <a:p>
+            <a:r>
+              <a:rPr lang="en-US" dirty="0"/>
+              <a:t>AWS Acceptable Use Policy</a:t>
+            </a:r>
+          </a:p>
+        </p:txBody>
+      </p:sp>
+      <p:sp>
+        <p:nvSpPr>
+          <p:cNvPr id="3" name="Content Placeholder 2">
+            <a:extLst>
+              <a:ext uri="{FF2B5EF4-FFF2-40B4-BE49-F238E27FC236}">
+                <a16:creationId xmlns:a16="http://schemas.microsoft.com/office/drawing/2014/main" id="{D845F343-3D98-6B42-122B-88EE7530512A}"/>
+              </a:ext>
+            </a:extLst>
+          </p:cNvPr>
+          <p:cNvSpPr>
+            <a:spLocks noGrp="1"/>
+          </p:cNvSpPr>
+          <p:nvPr>
+            <p:ph idx="1"/>
+          </p:nvPr>
+        </p:nvSpPr>
+        <p:spPr/>
+        <p:txBody>
+          <a:bodyPr>
+            <a:normAutofit fontScale="92500" lnSpcReduction="20000"/>
+          </a:bodyPr>
+          <a:lstStyle/>
+          <a:p>
+            <a:pPr marL="0" indent="0">
+              <a:buNone/>
+            </a:pPr>
+            <a:r>
+              <a:rPr lang="en-US" dirty="0"/>
+              <a:t>You may not use, or facilitate or allow others to use, the Services or the AWS Site:</a:t>
+            </a:r>
+          </a:p>
+          <a:p>
+            <a:r>
+              <a:rPr lang="en-US" dirty="0"/>
+              <a:t>for any illegal or fraudulent activity</a:t>
+            </a:r>
+          </a:p>
+          <a:p>
+            <a:r>
+              <a:rPr lang="en-US" dirty="0"/>
+              <a:t>to violate the rights of others</a:t>
+            </a:r>
+          </a:p>
+          <a:p>
+            <a:r>
+              <a:rPr lang="en-US" dirty="0"/>
+              <a:t>to threaten, incite, promote, or actively encourage violence, terrorism, or other serious harm</a:t>
+            </a:r>
+          </a:p>
+          <a:p>
+            <a:r>
+              <a:rPr lang="en-US" dirty="0"/>
+              <a:t>for any content or activity that promotes child sexual exploitation or abuse</a:t>
+            </a:r>
+          </a:p>
+          <a:p>
+            <a:r>
+              <a:rPr lang="en-US" dirty="0"/>
+              <a:t>to violate the security, integrity, or availability of any user, network, computer or communications system, software application, or network or computing device</a:t>
+            </a:r>
+          </a:p>
+          <a:p>
+            <a:r>
+              <a:rPr lang="en-US" dirty="0"/>
+              <a:t>to distribute, publish, send, or facilitate the sending of unsolicited mass email or other messages, promotions, advertising, or solicitations (or “spam”).</a:t>
+            </a:r>
+          </a:p>
+          <a:p>
+            <a:endParaRPr lang="en-US" dirty="0"/>
+          </a:p>
+        </p:txBody>
+      </p:sp>
+      <p:sp>
+        <p:nvSpPr>
+          <p:cNvPr id="7" name="TextBox 6">
+            <a:extLst>
+              <a:ext uri="{FF2B5EF4-FFF2-40B4-BE49-F238E27FC236}">
+                <a16:creationId xmlns:a16="http://schemas.microsoft.com/office/drawing/2014/main" id="{19A5D027-E261-7DA5-0F3D-BAAB82856076}"/>
+              </a:ext>
+            </a:extLst>
+          </p:cNvPr>
+          <p:cNvSpPr txBox="1"/>
+          <p:nvPr/>
+        </p:nvSpPr>
+        <p:spPr>
+          <a:xfrm>
+            <a:off x="4049486" y="5837878"/>
+            <a:ext cx="4093028" cy="369332"/>
+          </a:xfrm>
+          <a:prstGeom prst="rect">
+            <a:avLst/>
+          </a:prstGeom>
+          <a:noFill/>
+        </p:spPr>
+        <p:txBody>
+          <a:bodyPr wrap="square">
+            <a:spAutoFit/>
+          </a:bodyPr>
+          <a:lstStyle/>
+          <a:p>
+            <a:r>
+              <a:rPr lang="en-US" dirty="0">
+                <a:hlinkClick r:id="rId2"/>
+              </a:rPr>
+              <a:t>AWS Acceptable Use Policy (amazon.com)</a:t>
+            </a:r>
+            <a:endParaRPr lang="en-US" dirty="0"/>
+          </a:p>
+        </p:txBody>
+      </p:sp>
+    </p:spTree>
+    <p:extLst>
+      <p:ext uri="{BB962C8B-B14F-4D97-AF65-F5344CB8AC3E}">
+        <p14:creationId xmlns:p14="http://schemas.microsoft.com/office/powerpoint/2010/main" val="3247372075"/>
+      </p:ext>
+    </p:extLst>
+  </p:cSld>
+  <p:clrMapOvr>
+    <a:masterClrMapping/>
+  </p:clrMapOvr>
+</p:sld>
+</file>
+
+<file path=ppt/slides/slide14.xml><?xml version="1.0" encoding="utf-8"?>
+<p:sld xmlns:a="http://schemas.openxmlformats.org/drawingml/2006/main" xmlns:r="http://schemas.openxmlformats.org/officeDocument/2006/relationships" xmlns:p="http://schemas.openxmlformats.org/presentationml/2006/main">
+  <p:cSld>
+    <p:spTree>
+      <p:nvGrpSpPr>
+        <p:cNvPr id="1" name=""/>
+        <p:cNvGrpSpPr/>
+        <p:nvPr/>
+      </p:nvGrpSpPr>
+      <p:grpSpPr>
+        <a:xfrm>
+          <a:off x="0" y="0"/>
+          <a:ext cx="0" cy="0"/>
+          <a:chOff x="0" y="0"/>
+          <a:chExt cx="0" cy="0"/>
+        </a:xfrm>
+      </p:grpSpPr>
+      <p:sp>
+        <p:nvSpPr>
+          <p:cNvPr id="5" name="Title 4">
+            <a:extLst>
+              <a:ext uri="{FF2B5EF4-FFF2-40B4-BE49-F238E27FC236}">
+                <a16:creationId xmlns:a16="http://schemas.microsoft.com/office/drawing/2014/main" id="{7E037BE1-DB10-FC4D-75C4-345C0518DFA6}"/>
+              </a:ext>
+            </a:extLst>
+          </p:cNvPr>
+          <p:cNvSpPr>
+            <a:spLocks noGrp="1"/>
+          </p:cNvSpPr>
+          <p:nvPr>
+            <p:ph type="title"/>
+          </p:nvPr>
+        </p:nvSpPr>
+        <p:spPr>
+          <a:xfrm>
+            <a:off x="707571" y="1134338"/>
+            <a:ext cx="10515600" cy="674472"/>
+          </a:xfrm>
+        </p:spPr>
+        <p:txBody>
+          <a:bodyPr>
+            <a:normAutofit fontScale="90000"/>
+          </a:bodyPr>
+          <a:lstStyle/>
+          <a:p>
+            <a:pPr algn="ctr"/>
+            <a:r>
+              <a:rPr lang="en-US" dirty="0"/>
+              <a:t>Questions?</a:t>
+            </a:r>
+          </a:p>
+        </p:txBody>
+      </p:sp>
+      <p:pic>
+        <p:nvPicPr>
+          <p:cNvPr id="7" name="Picture 2" descr="D:\Proyectos\Framework\Supports\Images\icono_ayuda_general.gif">
+            <a:extLst>
+              <a:ext uri="{FF2B5EF4-FFF2-40B4-BE49-F238E27FC236}">
+                <a16:creationId xmlns:a16="http://schemas.microsoft.com/office/drawing/2014/main" id="{70A0CCB1-AA68-AC7B-11FF-DBFC0033C335}"/>
+              </a:ext>
+            </a:extLst>
+          </p:cNvPr>
+          <p:cNvPicPr>
+            <a:picLocks noChangeAspect="1" noChangeArrowheads="1"/>
+          </p:cNvPicPr>
+          <p:nvPr/>
+        </p:nvPicPr>
+        <p:blipFill>
+          <a:blip r:embed="rId2" cstate="print">
+            <a:clrChange>
+              <a:clrFrom>
+                <a:srgbClr val="FCFEFC"/>
+              </a:clrFrom>
+              <a:clrTo>
+                <a:srgbClr val="FCFEFC">
+                  <a:alpha val="0"/>
+                </a:srgbClr>
+              </a:clrTo>
+            </a:clrChange>
+          </a:blip>
+          <a:srcRect/>
+          <a:stretch>
+            <a:fillRect/>
+          </a:stretch>
+        </p:blipFill>
+        <p:spPr bwMode="auto">
+          <a:xfrm>
+            <a:off x="4475820" y="1808820"/>
+            <a:ext cx="3240360" cy="3240360"/>
+          </a:xfrm>
+          <a:prstGeom prst="rect">
+            <a:avLst/>
+          </a:prstGeom>
+          <a:noFill/>
+        </p:spPr>
+      </p:pic>
+    </p:spTree>
+    <p:extLst>
+      <p:ext uri="{BB962C8B-B14F-4D97-AF65-F5344CB8AC3E}">
+        <p14:creationId xmlns:p14="http://schemas.microsoft.com/office/powerpoint/2010/main" val="1119633903"/>
+      </p:ext>
+    </p:extLst>
+  </p:cSld>
+  <p:clrMapOvr>
+    <a:masterClrMapping/>
+  </p:clrMapOvr>
+  <mc:AlternateContent xmlns:mc="http://schemas.openxmlformats.org/markup-compatibility/2006" xmlns:p159="http://schemas.microsoft.com/office/powerpoint/2015/09/main">
+    <mc:Choice Requires="p159">
+      <p:transition xmlns:p14="http://schemas.microsoft.com/office/powerpoint/2010/main" spd="slow" p14:dur="2000">
+        <p159:morph option="byObject"/>
+      </p:transition>
+    </mc:Choice>
+    <mc:Fallback xmlns="">
+      <p:transition spd="slow">
+        <p:fade/>
+      </p:transition>
+    </mc:Fallback>
+  </mc:AlternateContent>
+</p:sld>
+</file>
+
+<file path=ppt/slides/slide15.xml><?xml version="1.0" encoding="utf-8"?>
+<p:sld xmlns:a="http://schemas.openxmlformats.org/drawingml/2006/main" xmlns:r="http://schemas.openxmlformats.org/officeDocument/2006/relationships" xmlns:p="http://schemas.openxmlformats.org/presentationml/2006/main">
+  <p:cSld>
+    <p:spTree>
+      <p:nvGrpSpPr>
+        <p:cNvPr id="1" name=""/>
+        <p:cNvGrpSpPr/>
+        <p:nvPr/>
+      </p:nvGrpSpPr>
+      <p:grpSpPr>
+        <a:xfrm>
+          <a:off x="0" y="0"/>
+          <a:ext cx="0" cy="0"/>
+          <a:chOff x="0" y="0"/>
+          <a:chExt cx="0" cy="0"/>
+        </a:xfrm>
+      </p:grpSpPr>
+      <p:pic>
+        <p:nvPicPr>
+          <p:cNvPr id="2058" name="Picture 10" descr="Quiz stock illustration. Illustration of message, game - 44060147">
+            <a:extLst>
+              <a:ext uri="{FF2B5EF4-FFF2-40B4-BE49-F238E27FC236}">
+                <a16:creationId xmlns:a16="http://schemas.microsoft.com/office/drawing/2014/main" id="{09B3528F-559F-31E3-3D9B-AA2342ADC804}"/>
+              </a:ext>
+            </a:extLst>
+          </p:cNvPr>
+          <p:cNvPicPr>
+            <a:picLocks noChangeAspect="1" noChangeArrowheads="1"/>
+          </p:cNvPicPr>
+          <p:nvPr/>
+        </p:nvPicPr>
+        <p:blipFill>
+          <a:blip r:embed="rId2">
+            <a:clrChange>
+              <a:clrFrom>
+                <a:srgbClr val="FFFFFF"/>
+              </a:clrFrom>
+              <a:clrTo>
+                <a:srgbClr val="FFFFFF">
+                  <a:alpha val="0"/>
+                </a:srgbClr>
+              </a:clrTo>
+            </a:clrChange>
+            <a:extLst>
+              <a:ext uri="{28A0092B-C50C-407E-A947-70E740481C1C}">
+                <a14:useLocalDpi xmlns:a14="http://schemas.microsoft.com/office/drawing/2010/main" val="0"/>
+              </a:ext>
+            </a:extLst>
+          </a:blip>
+          <a:srcRect/>
+          <a:stretch>
+            <a:fillRect/>
+          </a:stretch>
+        </p:blipFill>
+        <p:spPr bwMode="auto">
+          <a:xfrm>
+            <a:off x="780223" y="953841"/>
+            <a:ext cx="10631553" cy="4950317"/>
+          </a:xfrm>
+          <a:prstGeom prst="rect">
+            <a:avLst/>
+          </a:prstGeom>
+          <a:noFill/>
+          <a:extLst>
+            <a:ext uri="{909E8E84-426E-40DD-AFC4-6F175D3DCCD1}">
+              <a14:hiddenFill xmlns:a14="http://schemas.microsoft.com/office/drawing/2010/main">
+                <a:solidFill>
+                  <a:srgbClr val="FFFFFF"/>
+                </a:solidFill>
+              </a14:hiddenFill>
+            </a:ext>
+          </a:extLst>
+        </p:spPr>
+      </p:pic>
+      <p:sp>
+        <p:nvSpPr>
+          <p:cNvPr id="20" name="TextBox 19">
+            <a:hlinkClick r:id="rId3"/>
+            <a:extLst>
+              <a:ext uri="{FF2B5EF4-FFF2-40B4-BE49-F238E27FC236}">
+                <a16:creationId xmlns:a16="http://schemas.microsoft.com/office/drawing/2014/main" id="{C751CACC-D9A6-5CA5-3625-5EF904DEA20A}"/>
+              </a:ext>
+            </a:extLst>
+          </p:cNvPr>
+          <p:cNvSpPr txBox="1"/>
+          <p:nvPr/>
+        </p:nvSpPr>
+        <p:spPr>
+          <a:xfrm>
+            <a:off x="4694526" y="5904158"/>
+            <a:ext cx="2802947" cy="369332"/>
+          </a:xfrm>
+          <a:prstGeom prst="rect">
+            <a:avLst/>
+          </a:prstGeom>
+          <a:noFill/>
+        </p:spPr>
+        <p:txBody>
+          <a:bodyPr wrap="none" rtlCol="0">
+            <a:spAutoFit/>
+          </a:bodyPr>
+          <a:lstStyle/>
+          <a:p>
+            <a:r>
+              <a:rPr lang="en-US" u="sng" dirty="0">
+                <a:solidFill>
+                  <a:schemeClr val="accent1"/>
+                </a:solidFill>
+                <a:hlinkClick r:id="rId4"/>
+              </a:rPr>
+              <a:t>Quiz: 03-AWS Infrastructure</a:t>
+            </a:r>
+            <a:endParaRPr lang="en-US" u="sng" dirty="0">
+              <a:solidFill>
+                <a:schemeClr val="accent1"/>
+              </a:solidFill>
+            </a:endParaRPr>
+          </a:p>
+        </p:txBody>
+      </p:sp>
+    </p:spTree>
+    <p:extLst>
+      <p:ext uri="{BB962C8B-B14F-4D97-AF65-F5344CB8AC3E}">
+        <p14:creationId xmlns:p14="http://schemas.microsoft.com/office/powerpoint/2010/main" val="2397218144"/>
+      </p:ext>
+    </p:extLst>
+  </p:cSld>
+  <p:clrMapOvr>
+    <a:masterClrMapping/>
+  </p:clrMapOvr>
+</p:sld>
+</file>
+
 <file path=ppt/slides/slide2.xml><?xml version="1.0" encoding="utf-8"?>
 <p:sld xmlns:a="http://schemas.openxmlformats.org/drawingml/2006/main" xmlns:r="http://schemas.openxmlformats.org/officeDocument/2006/relationships" xmlns:p="http://schemas.openxmlformats.org/presentationml/2006/main">
   <p:cSld>
@@ -4663,7 +6089,12 @@
             <p:ph idx="1"/>
           </p:nvPr>
         </p:nvSpPr>
-        <p:spPr/>
+        <p:spPr>
+          <a:xfrm>
+            <a:off x="838200" y="947523"/>
+            <a:ext cx="3914671" cy="4938495"/>
+          </a:xfrm>
+        </p:spPr>
         <p:txBody>
           <a:bodyPr/>
           <a:lstStyle/>
@@ -4688,8 +6119,13 @@
           <a:p>
             <a:r>
               <a:rPr lang="en-US" dirty="0"/>
-              <a:t>Edge Locations</a:t>
-            </a:r>
+              <a:t>Edge Locations/Points of </a:t>
+            </a:r>
+            <a:r>
+              <a:rPr lang="en-US" dirty="0" err="1"/>
+              <a:t>Presense</a:t>
+            </a:r>
+            <a:endParaRPr lang="en-US" dirty="0"/>
           </a:p>
         </p:txBody>
       </p:sp>
@@ -4885,21 +6321,49 @@
           <a:p>
             <a:r>
               <a:rPr lang="en-US" dirty="0"/>
-              <a:t>An AWS Region is a geographical area. </a:t>
+              <a:t>An </a:t>
+            </a:r>
+            <a:r>
+              <a:rPr lang="en-US" b="1" dirty="0">
+                <a:solidFill>
+                  <a:schemeClr val="accent4"/>
+                </a:solidFill>
+              </a:rPr>
+              <a:t>AWS Region </a:t>
+            </a:r>
+            <a:r>
+              <a:rPr lang="en-US" dirty="0"/>
+              <a:t>is a geographical area. </a:t>
             </a:r>
           </a:p>
           <a:p>
             <a:pPr lvl="1"/>
             <a:r>
-              <a:rPr lang="en-US" dirty="0"/>
-              <a:t>Data replication across Regions is controlled by you. </a:t>
+              <a:rPr lang="en-US" b="1" dirty="0">
+                <a:solidFill>
+                  <a:srgbClr val="7030A0"/>
+                </a:solidFill>
+              </a:rPr>
+              <a:t>Data replication </a:t>
+            </a:r>
+            <a:r>
+              <a:rPr lang="en-US" dirty="0"/>
+              <a:t>across Regions is controlled by you. </a:t>
             </a:r>
           </a:p>
           <a:p>
             <a:pPr lvl="1"/>
             <a:r>
-              <a:rPr lang="en-US" dirty="0"/>
-              <a:t>Communication between Regions uses AWS backbone network infrastructure.</a:t>
+              <a:rPr lang="en-US" b="1" dirty="0">
+                <a:solidFill>
+                  <a:srgbClr val="7030A0"/>
+                </a:solidFill>
+              </a:rPr>
+              <a:t>Communication</a:t>
+            </a:r>
+            <a:r>
+              <a:rPr lang="en-US" dirty="0"/>
+              <a:t> between Regions uses AWS backbone network infrastructure.</a:t>
             </a:r>
           </a:p>
           <a:p>
@@ -4911,7 +6375,19 @@
           <a:p>
             <a:r>
               <a:rPr lang="en-US" dirty="0"/>
-              <a:t>A Region typically consists of two or more Availability Zones.</a:t>
+              <a:t>A Region typically consists of two or more </a:t>
+            </a:r>
+            <a:r>
+              <a:rPr lang="en-US" b="1" dirty="0">
+                <a:solidFill>
+                  <a:schemeClr val="accent1"/>
+                </a:solidFill>
+              </a:rPr>
+              <a:t>Availability Zones</a:t>
+            </a:r>
+            <a:r>
+              <a:rPr lang="en-US" dirty="0"/>
+              <a:t>.</a:t>
             </a:r>
           </a:p>
         </p:txBody>
@@ -5035,165 +6511,415 @@
           </a:p>
         </p:txBody>
       </p:sp>
-      <p:sp>
-        <p:nvSpPr>
-          <p:cNvPr id="3" name="Content Placeholder 2">
-            <a:extLst>
-              <a:ext uri="{FF2B5EF4-FFF2-40B4-BE49-F238E27FC236}">
-                <a16:creationId xmlns:a16="http://schemas.microsoft.com/office/drawing/2014/main" id="{9766897D-FCA0-3801-C84B-6169C0B32504}"/>
-              </a:ext>
-            </a:extLst>
-          </p:cNvPr>
-          <p:cNvSpPr>
-            <a:spLocks noGrp="1"/>
-          </p:cNvSpPr>
-          <p:nvPr>
-            <p:ph idx="1"/>
-          </p:nvPr>
-        </p:nvSpPr>
-        <p:spPr>
+      <p:grpSp>
+        <p:nvGrpSpPr>
+          <p:cNvPr id="19" name="Group 18">
+            <a:extLst>
+              <a:ext uri="{FF2B5EF4-FFF2-40B4-BE49-F238E27FC236}">
+                <a16:creationId xmlns:a16="http://schemas.microsoft.com/office/drawing/2014/main" id="{67F8942C-3FEA-4911-0918-4B5A895ED7A8}"/>
+              </a:ext>
+            </a:extLst>
+          </p:cNvPr>
+          <p:cNvGrpSpPr/>
+          <p:nvPr/>
+        </p:nvGrpSpPr>
+        <p:grpSpPr>
           <a:xfrm>
-            <a:off x="838200" y="947523"/>
-            <a:ext cx="10707356" cy="4938495"/>
+            <a:off x="676568" y="2298708"/>
+            <a:ext cx="1986826" cy="2017931"/>
+            <a:chOff x="1279470" y="1050223"/>
+            <a:chExt cx="1986826" cy="2017931"/>
           </a:xfrm>
-        </p:spPr>
-        <p:txBody>
-          <a:bodyPr/>
-          <a:lstStyle/>
-          <a:p>
-            <a:r>
-              <a:rPr lang="en-US" dirty="0"/>
-              <a:t>Data governance, legal requirements</a:t>
-            </a:r>
-          </a:p>
-          <a:p>
-            <a:r>
-              <a:rPr lang="en-US" dirty="0"/>
-              <a:t>Proximity to the customers (Latency)</a:t>
-            </a:r>
-          </a:p>
-          <a:p>
-            <a:r>
-              <a:rPr lang="en-US" dirty="0"/>
-              <a:t>Services available within the Region</a:t>
-            </a:r>
-          </a:p>
-          <a:p>
-            <a:r>
-              <a:rPr lang="en-US" dirty="0"/>
-              <a:t>Cost (Vary by Region)</a:t>
-            </a:r>
-          </a:p>
-        </p:txBody>
-      </p:sp>
-      <p:pic>
-        <p:nvPicPr>
-          <p:cNvPr id="7" name="Picture 6" descr="A picture containing circle, screenshot, graphics, logo&#10;&#10;Description automatically generated">
-            <a:extLst>
-              <a:ext uri="{FF2B5EF4-FFF2-40B4-BE49-F238E27FC236}">
-                <a16:creationId xmlns:a16="http://schemas.microsoft.com/office/drawing/2014/main" id="{9FBBF2C1-AA18-0E4C-6312-A54F8694C028}"/>
-              </a:ext>
-            </a:extLst>
-          </p:cNvPr>
-          <p:cNvPicPr>
-            <a:picLocks noChangeAspect="1"/>
-          </p:cNvPicPr>
+        </p:grpSpPr>
+        <p:pic>
+          <p:nvPicPr>
+            <p:cNvPr id="7" name="Picture 6" descr="A picture containing circle, screenshot, graphics, logo&#10;&#10;Description automatically generated">
+              <a:extLst>
+                <a:ext uri="{FF2B5EF4-FFF2-40B4-BE49-F238E27FC236}">
+                  <a16:creationId xmlns:a16="http://schemas.microsoft.com/office/drawing/2014/main" id="{9FBBF2C1-AA18-0E4C-6312-A54F8694C028}"/>
+                </a:ext>
+              </a:extLst>
+            </p:cNvPr>
+            <p:cNvPicPr preferRelativeResize="0">
+              <a:picLocks/>
+            </p:cNvPicPr>
+            <p:nvPr/>
+          </p:nvPicPr>
+          <p:blipFill>
+            <a:blip r:embed="rId3">
+              <a:extLst>
+                <a:ext uri="{28A0092B-C50C-407E-A947-70E740481C1C}">
+                  <a14:useLocalDpi xmlns:a14="http://schemas.microsoft.com/office/drawing/2010/main" val="0"/>
+                </a:ext>
+              </a:extLst>
+            </a:blip>
+            <a:stretch>
+              <a:fillRect/>
+            </a:stretch>
+          </p:blipFill>
+          <p:spPr>
+            <a:xfrm>
+              <a:off x="1587083" y="1050223"/>
+              <a:ext cx="1371600" cy="1371600"/>
+            </a:xfrm>
+            <a:prstGeom prst="rect">
+              <a:avLst/>
+            </a:prstGeom>
+          </p:spPr>
+        </p:pic>
+        <p:sp>
+          <p:nvSpPr>
+            <p:cNvPr id="4" name="TextBox 3">
+              <a:extLst>
+                <a:ext uri="{FF2B5EF4-FFF2-40B4-BE49-F238E27FC236}">
+                  <a16:creationId xmlns:a16="http://schemas.microsoft.com/office/drawing/2014/main" id="{2360E6E7-885E-1092-D796-C9A54AD64A3E}"/>
+                </a:ext>
+              </a:extLst>
+            </p:cNvPr>
+            <p:cNvSpPr txBox="1"/>
+            <p:nvPr/>
+          </p:nvSpPr>
+          <p:spPr>
+            <a:xfrm>
+              <a:off x="1279470" y="2421823"/>
+              <a:ext cx="1986826" cy="646331"/>
+            </a:xfrm>
+            <a:prstGeom prst="rect">
+              <a:avLst/>
+            </a:prstGeom>
+            <a:noFill/>
+          </p:spPr>
+          <p:txBody>
+            <a:bodyPr wrap="none" rtlCol="0">
+              <a:spAutoFit/>
+            </a:bodyPr>
+            <a:lstStyle/>
+            <a:p>
+              <a:pPr algn="ctr"/>
+              <a:r>
+                <a:rPr lang="en-US" dirty="0"/>
+                <a:t>Data governance,</a:t>
+              </a:r>
+            </a:p>
+            <a:p>
+              <a:pPr algn="ctr"/>
+              <a:r>
+                <a:rPr lang="en-US" dirty="0"/>
+                <a:t>Legal requirements</a:t>
+              </a:r>
+            </a:p>
+          </p:txBody>
+        </p:sp>
+      </p:grpSp>
+      <p:grpSp>
+        <p:nvGrpSpPr>
+          <p:cNvPr id="17" name="Group 16">
+            <a:extLst>
+              <a:ext uri="{FF2B5EF4-FFF2-40B4-BE49-F238E27FC236}">
+                <a16:creationId xmlns:a16="http://schemas.microsoft.com/office/drawing/2014/main" id="{60F70A13-16C7-AE8A-CCB7-88A4C73E68F8}"/>
+              </a:ext>
+            </a:extLst>
+          </p:cNvPr>
+          <p:cNvGrpSpPr/>
           <p:nvPr/>
-        </p:nvPicPr>
-        <p:blipFill>
-          <a:blip r:embed="rId2">
-            <a:extLst>
-              <a:ext uri="{28A0092B-C50C-407E-A947-70E740481C1C}">
-                <a14:useLocalDpi xmlns:a14="http://schemas.microsoft.com/office/drawing/2010/main" val="0"/>
-              </a:ext>
-            </a:extLst>
-          </a:blip>
-          <a:stretch>
-            <a:fillRect/>
-          </a:stretch>
-        </p:blipFill>
-        <p:spPr>
+        </p:nvGrpSpPr>
+        <p:grpSpPr>
           <a:xfrm>
-            <a:off x="2742845" y="4554387"/>
-            <a:ext cx="985093" cy="1007375"/>
+            <a:off x="3732575" y="2298708"/>
+            <a:ext cx="2093265" cy="2017931"/>
+            <a:chOff x="7298630" y="934201"/>
+            <a:chExt cx="2093265" cy="2017931"/>
           </a:xfrm>
-          <a:prstGeom prst="rect">
-            <a:avLst/>
-          </a:prstGeom>
-        </p:spPr>
-      </p:pic>
-      <p:pic>
-        <p:nvPicPr>
-          <p:cNvPr id="11" name="Picture 10" descr="A picture containing circle, symbol, graphics, design&#10;&#10;Description automatically generated">
-            <a:extLst>
-              <a:ext uri="{FF2B5EF4-FFF2-40B4-BE49-F238E27FC236}">
-                <a16:creationId xmlns:a16="http://schemas.microsoft.com/office/drawing/2014/main" id="{E9162D65-A7F3-BF17-7B54-7A507E7C6AF8}"/>
-              </a:ext>
-            </a:extLst>
-          </p:cNvPr>
-          <p:cNvPicPr>
-            <a:picLocks noChangeAspect="1"/>
-          </p:cNvPicPr>
+        </p:grpSpPr>
+        <p:pic>
+          <p:nvPicPr>
+            <p:cNvPr id="11" name="Picture 10" descr="A picture containing circle, symbol, graphics, design&#10;&#10;Description automatically generated">
+              <a:extLst>
+                <a:ext uri="{FF2B5EF4-FFF2-40B4-BE49-F238E27FC236}">
+                  <a16:creationId xmlns:a16="http://schemas.microsoft.com/office/drawing/2014/main" id="{E9162D65-A7F3-BF17-7B54-7A507E7C6AF8}"/>
+                </a:ext>
+              </a:extLst>
+            </p:cNvPr>
+            <p:cNvPicPr preferRelativeResize="0">
+              <a:picLocks/>
+            </p:cNvPicPr>
+            <p:nvPr/>
+          </p:nvPicPr>
+          <p:blipFill>
+            <a:blip r:embed="rId4">
+              <a:extLst>
+                <a:ext uri="{28A0092B-C50C-407E-A947-70E740481C1C}">
+                  <a14:useLocalDpi xmlns:a14="http://schemas.microsoft.com/office/drawing/2010/main" val="0"/>
+                </a:ext>
+              </a:extLst>
+            </a:blip>
+            <a:stretch>
+              <a:fillRect/>
+            </a:stretch>
+          </p:blipFill>
+          <p:spPr>
+            <a:xfrm>
+              <a:off x="7659462" y="934201"/>
+              <a:ext cx="1371600" cy="1371600"/>
+            </a:xfrm>
+            <a:prstGeom prst="rect">
+              <a:avLst/>
+            </a:prstGeom>
+          </p:spPr>
+        </p:pic>
+        <p:sp>
+          <p:nvSpPr>
+            <p:cNvPr id="6" name="TextBox 5">
+              <a:extLst>
+                <a:ext uri="{FF2B5EF4-FFF2-40B4-BE49-F238E27FC236}">
+                  <a16:creationId xmlns:a16="http://schemas.microsoft.com/office/drawing/2014/main" id="{2620FA36-FE11-E036-D1F2-6374D35FA1FE}"/>
+                </a:ext>
+              </a:extLst>
+            </p:cNvPr>
+            <p:cNvSpPr txBox="1"/>
+            <p:nvPr/>
+          </p:nvSpPr>
+          <p:spPr>
+            <a:xfrm>
+              <a:off x="7298630" y="2305801"/>
+              <a:ext cx="2093265" cy="646331"/>
+            </a:xfrm>
+            <a:prstGeom prst="rect">
+              <a:avLst/>
+            </a:prstGeom>
+            <a:noFill/>
+          </p:spPr>
+          <p:txBody>
+            <a:bodyPr wrap="none" rtlCol="0">
+              <a:spAutoFit/>
+            </a:bodyPr>
+            <a:lstStyle/>
+            <a:p>
+              <a:pPr algn="ctr"/>
+              <a:r>
+                <a:rPr lang="en-US" dirty="0"/>
+                <a:t>Proximity to the</a:t>
+              </a:r>
+            </a:p>
+            <a:p>
+              <a:pPr algn="ctr"/>
+              <a:r>
+                <a:rPr lang="en-US" dirty="0"/>
+                <a:t>Customers (Latency)</a:t>
+              </a:r>
+            </a:p>
+          </p:txBody>
+        </p:sp>
+      </p:grpSp>
+      <p:grpSp>
+        <p:nvGrpSpPr>
+          <p:cNvPr id="18" name="Group 17">
+            <a:extLst>
+              <a:ext uri="{FF2B5EF4-FFF2-40B4-BE49-F238E27FC236}">
+                <a16:creationId xmlns:a16="http://schemas.microsoft.com/office/drawing/2014/main" id="{BE1420F5-C05F-6FBC-CD74-D70D35EBC2B3}"/>
+              </a:ext>
+            </a:extLst>
+          </p:cNvPr>
+          <p:cNvGrpSpPr/>
           <p:nvPr/>
-        </p:nvPicPr>
-        <p:blipFill>
-          <a:blip r:embed="rId3">
-            <a:extLst>
-              <a:ext uri="{28A0092B-C50C-407E-A947-70E740481C1C}">
-                <a14:useLocalDpi xmlns:a14="http://schemas.microsoft.com/office/drawing/2010/main" val="0"/>
-              </a:ext>
-            </a:extLst>
-          </a:blip>
-          <a:stretch>
-            <a:fillRect/>
-          </a:stretch>
-        </p:blipFill>
-        <p:spPr>
+        </p:nvGrpSpPr>
+        <p:grpSpPr>
           <a:xfrm>
-            <a:off x="4647490" y="4425944"/>
-            <a:ext cx="985093" cy="985093"/>
+            <a:off x="6895021" y="2298708"/>
+            <a:ext cx="1838132" cy="2017931"/>
+            <a:chOff x="6933649" y="2262544"/>
+            <a:chExt cx="1838132" cy="2017931"/>
           </a:xfrm>
-          <a:prstGeom prst="rect">
-            <a:avLst/>
-          </a:prstGeom>
-        </p:spPr>
-      </p:pic>
-      <p:pic>
-        <p:nvPicPr>
-          <p:cNvPr id="13" name="Picture 12" descr="A blue circle with white gears&#10;&#10;Description automatically generated with medium confidence">
-            <a:extLst>
-              <a:ext uri="{FF2B5EF4-FFF2-40B4-BE49-F238E27FC236}">
-                <a16:creationId xmlns:a16="http://schemas.microsoft.com/office/drawing/2014/main" id="{8301D64A-DAAA-BBD2-9EF5-25EA2360DBFE}"/>
-              </a:ext>
-            </a:extLst>
-          </p:cNvPr>
-          <p:cNvPicPr>
-            <a:picLocks noChangeAspect="1"/>
-          </p:cNvPicPr>
+        </p:grpSpPr>
+        <p:pic>
+          <p:nvPicPr>
+            <p:cNvPr id="13" name="Picture 12" descr="A blue circle with white gears&#10;&#10;Description automatically generated with medium confidence">
+              <a:extLst>
+                <a:ext uri="{FF2B5EF4-FFF2-40B4-BE49-F238E27FC236}">
+                  <a16:creationId xmlns:a16="http://schemas.microsoft.com/office/drawing/2014/main" id="{8301D64A-DAAA-BBD2-9EF5-25EA2360DBFE}"/>
+                </a:ext>
+              </a:extLst>
+            </p:cNvPr>
+            <p:cNvPicPr preferRelativeResize="0">
+              <a:picLocks/>
+            </p:cNvPicPr>
+            <p:nvPr/>
+          </p:nvPicPr>
+          <p:blipFill>
+            <a:blip r:embed="rId5">
+              <a:extLst>
+                <a:ext uri="{28A0092B-C50C-407E-A947-70E740481C1C}">
+                  <a14:useLocalDpi xmlns:a14="http://schemas.microsoft.com/office/drawing/2010/main" val="0"/>
+                </a:ext>
+              </a:extLst>
+            </a:blip>
+            <a:stretch>
+              <a:fillRect/>
+            </a:stretch>
+          </p:blipFill>
+          <p:spPr>
+            <a:xfrm>
+              <a:off x="7166915" y="2262544"/>
+              <a:ext cx="1371600" cy="1371600"/>
+            </a:xfrm>
+            <a:prstGeom prst="rect">
+              <a:avLst/>
+            </a:prstGeom>
+          </p:spPr>
+        </p:pic>
+        <p:sp>
+          <p:nvSpPr>
+            <p:cNvPr id="9" name="TextBox 8">
+              <a:extLst>
+                <a:ext uri="{FF2B5EF4-FFF2-40B4-BE49-F238E27FC236}">
+                  <a16:creationId xmlns:a16="http://schemas.microsoft.com/office/drawing/2014/main" id="{C9228CF0-95EC-2B08-69AB-3F71976D19B2}"/>
+                </a:ext>
+              </a:extLst>
+            </p:cNvPr>
+            <p:cNvSpPr txBox="1"/>
+            <p:nvPr/>
+          </p:nvSpPr>
+          <p:spPr>
+            <a:xfrm>
+              <a:off x="6933649" y="3634144"/>
+              <a:ext cx="1838132" cy="646331"/>
+            </a:xfrm>
+            <a:prstGeom prst="rect">
+              <a:avLst/>
+            </a:prstGeom>
+            <a:noFill/>
+          </p:spPr>
+          <p:txBody>
+            <a:bodyPr wrap="none" rtlCol="0">
+              <a:spAutoFit/>
+            </a:bodyPr>
+            <a:lstStyle/>
+            <a:p>
+              <a:r>
+                <a:rPr lang="en-US" dirty="0"/>
+                <a:t>Services available</a:t>
+              </a:r>
+            </a:p>
+            <a:p>
+              <a:r>
+                <a:rPr lang="en-US" dirty="0"/>
+                <a:t>within the Region</a:t>
+              </a:r>
+            </a:p>
+          </p:txBody>
+        </p:sp>
+      </p:grpSp>
+      <p:grpSp>
+        <p:nvGrpSpPr>
+          <p:cNvPr id="16" name="Group 15">
+            <a:extLst>
+              <a:ext uri="{FF2B5EF4-FFF2-40B4-BE49-F238E27FC236}">
+                <a16:creationId xmlns:a16="http://schemas.microsoft.com/office/drawing/2014/main" id="{C6785381-15D7-0B20-8372-53CFE8621991}"/>
+              </a:ext>
+            </a:extLst>
+          </p:cNvPr>
+          <p:cNvGrpSpPr/>
           <p:nvPr/>
-        </p:nvPicPr>
-        <p:blipFill>
-          <a:blip r:embed="rId4">
-            <a:extLst>
-              <a:ext uri="{28A0092B-C50C-407E-A947-70E740481C1C}">
-                <a14:useLocalDpi xmlns:a14="http://schemas.microsoft.com/office/drawing/2010/main" val="0"/>
-              </a:ext>
-            </a:extLst>
-          </a:blip>
-          <a:stretch>
-            <a:fillRect/>
-          </a:stretch>
-        </p:blipFill>
-        <p:spPr>
+        </p:nvGrpSpPr>
+        <p:grpSpPr>
           <a:xfrm>
-            <a:off x="6173876" y="4130581"/>
-            <a:ext cx="1121228" cy="1121228"/>
+            <a:off x="9802334" y="2298708"/>
+            <a:ext cx="1713098" cy="2017931"/>
+            <a:chOff x="4250089" y="3429000"/>
+            <a:chExt cx="1713098" cy="2017931"/>
           </a:xfrm>
-          <a:prstGeom prst="rect">
-            <a:avLst/>
-          </a:prstGeom>
-        </p:spPr>
-      </p:pic>
+        </p:grpSpPr>
+        <p:pic>
+          <p:nvPicPr>
+            <p:cNvPr id="1028" name="Picture 4" descr="Interior Savings Credit Union">
+              <a:extLst>
+                <a:ext uri="{FF2B5EF4-FFF2-40B4-BE49-F238E27FC236}">
+                  <a16:creationId xmlns:a16="http://schemas.microsoft.com/office/drawing/2014/main" id="{FC0C5F66-AE2E-D29D-B7F0-DF9C05E77570}"/>
+                </a:ext>
+              </a:extLst>
+            </p:cNvPr>
+            <p:cNvPicPr preferRelativeResize="0">
+              <a:picLocks noChangeArrowheads="1"/>
+            </p:cNvPicPr>
+            <p:nvPr/>
+          </p:nvPicPr>
+          <p:blipFill>
+            <a:blip r:embed="rId6">
+              <a:extLst>
+                <a:ext uri="{28A0092B-C50C-407E-A947-70E740481C1C}">
+                  <a14:useLocalDpi xmlns:a14="http://schemas.microsoft.com/office/drawing/2010/main" val="0"/>
+                </a:ext>
+              </a:extLst>
+            </a:blip>
+            <a:srcRect/>
+            <a:stretch>
+              <a:fillRect/>
+            </a:stretch>
+          </p:blipFill>
+          <p:spPr bwMode="auto">
+            <a:xfrm>
+              <a:off x="4420838" y="3429000"/>
+              <a:ext cx="1371600" cy="1371600"/>
+            </a:xfrm>
+            <a:prstGeom prst="rect">
+              <a:avLst/>
+            </a:prstGeom>
+            <a:noFill/>
+            <a:extLst>
+              <a:ext uri="{909E8E84-426E-40DD-AFC4-6F175D3DCCD1}">
+                <a14:hiddenFill xmlns:a14="http://schemas.microsoft.com/office/drawing/2010/main">
+                  <a:solidFill>
+                    <a:srgbClr val="FFFFFF"/>
+                  </a:solidFill>
+                </a14:hiddenFill>
+              </a:ext>
+            </a:extLst>
+          </p:spPr>
+        </p:pic>
+        <p:sp>
+          <p:nvSpPr>
+            <p:cNvPr id="12" name="TextBox 11">
+              <a:extLst>
+                <a:ext uri="{FF2B5EF4-FFF2-40B4-BE49-F238E27FC236}">
+                  <a16:creationId xmlns:a16="http://schemas.microsoft.com/office/drawing/2014/main" id="{6B91E8E3-0507-F45E-E415-0567866474B4}"/>
+                </a:ext>
+              </a:extLst>
+            </p:cNvPr>
+            <p:cNvSpPr txBox="1"/>
+            <p:nvPr/>
+          </p:nvSpPr>
+          <p:spPr>
+            <a:xfrm>
+              <a:off x="4250089" y="4800600"/>
+              <a:ext cx="1713098" cy="646331"/>
+            </a:xfrm>
+            <a:prstGeom prst="rect">
+              <a:avLst/>
+            </a:prstGeom>
+            <a:noFill/>
+          </p:spPr>
+          <p:txBody>
+            <a:bodyPr wrap="none" rtlCol="0">
+              <a:spAutoFit/>
+            </a:bodyPr>
+            <a:lstStyle/>
+            <a:p>
+              <a:pPr algn="ctr"/>
+              <a:r>
+                <a:rPr lang="en-US" dirty="0"/>
+                <a:t>Cost </a:t>
+              </a:r>
+            </a:p>
+            <a:p>
+              <a:pPr algn="ctr"/>
+              <a:r>
+                <a:rPr lang="en-US" dirty="0"/>
+                <a:t>(Vary by Region)</a:t>
+              </a:r>
+            </a:p>
+          </p:txBody>
+        </p:sp>
+      </p:grpSp>
     </p:spTree>
     <p:extLst>
       <p:ext uri="{BB962C8B-B14F-4D97-AF65-F5344CB8AC3E}">
@@ -5204,6 +6930,216 @@
   <p:clrMapOvr>
     <a:masterClrMapping/>
   </p:clrMapOvr>
+  <p:timing>
+    <p:tnLst>
+      <p:par>
+        <p:cTn id="1" dur="indefinite" restart="never" nodeType="tmRoot">
+          <p:childTnLst>
+            <p:seq concurrent="1" nextAc="seek">
+              <p:cTn id="2" dur="indefinite" nodeType="mainSeq">
+                <p:childTnLst>
+                  <p:par>
+                    <p:cTn id="3" fill="hold">
+                      <p:stCondLst>
+                        <p:cond delay="indefinite"/>
+                      </p:stCondLst>
+                      <p:childTnLst>
+                        <p:par>
+                          <p:cTn id="4" fill="hold">
+                            <p:stCondLst>
+                              <p:cond delay="0"/>
+                            </p:stCondLst>
+                            <p:childTnLst>
+                              <p:par>
+                                <p:cTn id="5" presetID="1" presetClass="entr" presetSubtype="0" fill="hold" nodeType="clickEffect">
+                                  <p:stCondLst>
+                                    <p:cond delay="0"/>
+                                  </p:stCondLst>
+                                  <p:childTnLst>
+                                    <p:set>
+                                      <p:cBhvr>
+                                        <p:cTn id="6" dur="1" fill="hold">
+                                          <p:stCondLst>
+                                            <p:cond delay="0"/>
+                                          </p:stCondLst>
+                                        </p:cTn>
+                                        <p:tgtEl>
+                                          <p:spTgt spid="19"/>
+                                        </p:tgtEl>
+                                        <p:attrNameLst>
+                                          <p:attrName>style.visibility</p:attrName>
+                                        </p:attrNameLst>
+                                      </p:cBhvr>
+                                      <p:to>
+                                        <p:strVal val="visible"/>
+                                      </p:to>
+                                    </p:set>
+                                  </p:childTnLst>
+                                </p:cTn>
+                              </p:par>
+                            </p:childTnLst>
+                          </p:cTn>
+                        </p:par>
+                      </p:childTnLst>
+                    </p:cTn>
+                  </p:par>
+                  <p:par>
+                    <p:cTn id="7" fill="hold">
+                      <p:stCondLst>
+                        <p:cond delay="indefinite"/>
+                      </p:stCondLst>
+                      <p:childTnLst>
+                        <p:par>
+                          <p:cTn id="8" fill="hold">
+                            <p:stCondLst>
+                              <p:cond delay="0"/>
+                            </p:stCondLst>
+                            <p:childTnLst>
+                              <p:par>
+                                <p:cTn id="9" presetID="1" presetClass="entr" presetSubtype="0" fill="hold" nodeType="clickEffect">
+                                  <p:stCondLst>
+                                    <p:cond delay="0"/>
+                                  </p:stCondLst>
+                                  <p:childTnLst>
+                                    <p:set>
+                                      <p:cBhvr>
+                                        <p:cTn id="10" dur="1" fill="hold">
+                                          <p:stCondLst>
+                                            <p:cond delay="0"/>
+                                          </p:stCondLst>
+                                        </p:cTn>
+                                        <p:tgtEl>
+                                          <p:spTgt spid="17"/>
+                                        </p:tgtEl>
+                                        <p:attrNameLst>
+                                          <p:attrName>style.visibility</p:attrName>
+                                        </p:attrNameLst>
+                                      </p:cBhvr>
+                                      <p:to>
+                                        <p:strVal val="visible"/>
+                                      </p:to>
+                                    </p:set>
+                                  </p:childTnLst>
+                                </p:cTn>
+                              </p:par>
+                            </p:childTnLst>
+                          </p:cTn>
+                        </p:par>
+                      </p:childTnLst>
+                    </p:cTn>
+                  </p:par>
+                  <p:par>
+                    <p:cTn id="11" fill="hold">
+                      <p:stCondLst>
+                        <p:cond delay="indefinite"/>
+                      </p:stCondLst>
+                      <p:childTnLst>
+                        <p:par>
+                          <p:cTn id="12" fill="hold">
+                            <p:stCondLst>
+                              <p:cond delay="0"/>
+                            </p:stCondLst>
+                            <p:childTnLst>
+                              <p:par>
+                                <p:cTn id="13" presetID="1" presetClass="entr" presetSubtype="0" fill="hold" nodeType="clickEffect">
+                                  <p:stCondLst>
+                                    <p:cond delay="0"/>
+                                  </p:stCondLst>
+                                  <p:childTnLst>
+                                    <p:set>
+                                      <p:cBhvr>
+                                        <p:cTn id="14" dur="1" fill="hold">
+                                          <p:stCondLst>
+                                            <p:cond delay="0"/>
+                                          </p:stCondLst>
+                                        </p:cTn>
+                                        <p:tgtEl>
+                                          <p:spTgt spid="18"/>
+                                        </p:tgtEl>
+                                        <p:attrNameLst>
+                                          <p:attrName>style.visibility</p:attrName>
+                                        </p:attrNameLst>
+                                      </p:cBhvr>
+                                      <p:to>
+                                        <p:strVal val="visible"/>
+                                      </p:to>
+                                    </p:set>
+                                  </p:childTnLst>
+                                </p:cTn>
+                              </p:par>
+                            </p:childTnLst>
+                          </p:cTn>
+                        </p:par>
+                      </p:childTnLst>
+                    </p:cTn>
+                  </p:par>
+                  <p:par>
+                    <p:cTn id="15" fill="hold">
+                      <p:stCondLst>
+                        <p:cond delay="indefinite"/>
+                      </p:stCondLst>
+                      <p:childTnLst>
+                        <p:par>
+                          <p:cTn id="16" fill="hold">
+                            <p:stCondLst>
+                              <p:cond delay="0"/>
+                            </p:stCondLst>
+                            <p:childTnLst>
+                              <p:par>
+                                <p:cTn id="17" presetID="1" presetClass="entr" presetSubtype="0" fill="hold" nodeType="clickEffect">
+                                  <p:stCondLst>
+                                    <p:cond delay="0"/>
+                                  </p:stCondLst>
+                                  <p:childTnLst>
+                                    <p:set>
+                                      <p:cBhvr>
+                                        <p:cTn id="18" dur="1" fill="hold">
+                                          <p:stCondLst>
+                                            <p:cond delay="0"/>
+                                          </p:stCondLst>
+                                        </p:cTn>
+                                        <p:tgtEl>
+                                          <p:spTgt spid="16"/>
+                                        </p:tgtEl>
+                                        <p:attrNameLst>
+                                          <p:attrName>style.visibility</p:attrName>
+                                        </p:attrNameLst>
+                                      </p:cBhvr>
+                                      <p:to>
+                                        <p:strVal val="visible"/>
+                                      </p:to>
+                                    </p:set>
+                                  </p:childTnLst>
+                                </p:cTn>
+                              </p:par>
+                            </p:childTnLst>
+                          </p:cTn>
+                        </p:par>
+                      </p:childTnLst>
+                    </p:cTn>
+                  </p:par>
+                </p:childTnLst>
+              </p:cTn>
+              <p:prevCondLst>
+                <p:cond evt="onPrev" delay="0">
+                  <p:tgtEl>
+                    <p:sldTgt/>
+                  </p:tgtEl>
+                </p:cond>
+              </p:prevCondLst>
+              <p:nextCondLst>
+                <p:cond evt="onNext" delay="0">
+                  <p:tgtEl>
+                    <p:sldTgt/>
+                  </p:tgtEl>
+                </p:cond>
+              </p:nextCondLst>
+            </p:seq>
+          </p:childTnLst>
+        </p:cTn>
+      </p:par>
+    </p:tnLst>
+  </p:timing>
 </p:sld>
 </file>
 
@@ -5224,107 +7160,204 @@
           <a:chExt cx="0" cy="0"/>
         </a:xfrm>
       </p:grpSpPr>
+      <p:sp>
+        <p:nvSpPr>
+          <p:cNvPr id="2" name="Title 1">
+            <a:extLst>
+              <a:ext uri="{FF2B5EF4-FFF2-40B4-BE49-F238E27FC236}">
+                <a16:creationId xmlns:a16="http://schemas.microsoft.com/office/drawing/2014/main" id="{1E3DCB09-E056-3414-3A7F-EEE97086D111}"/>
+              </a:ext>
+            </a:extLst>
+          </p:cNvPr>
+          <p:cNvSpPr>
+            <a:spLocks noGrp="1"/>
+          </p:cNvSpPr>
+          <p:nvPr>
+            <p:ph type="title"/>
+          </p:nvPr>
+        </p:nvSpPr>
+        <p:spPr/>
+        <p:txBody>
+          <a:bodyPr>
+            <a:normAutofit fontScale="90000"/>
+          </a:bodyPr>
+          <a:lstStyle/>
+          <a:p>
+            <a:r>
+              <a:rPr lang="en-US" dirty="0"/>
+              <a:t>Availability Zones</a:t>
+            </a:r>
+          </a:p>
+        </p:txBody>
+      </p:sp>
+      <p:sp>
+        <p:nvSpPr>
+          <p:cNvPr id="8" name="Content Placeholder 7">
+            <a:extLst>
+              <a:ext uri="{FF2B5EF4-FFF2-40B4-BE49-F238E27FC236}">
+                <a16:creationId xmlns:a16="http://schemas.microsoft.com/office/drawing/2014/main" id="{99E549F3-C751-4F8B-4FDB-54CC8224EC5B}"/>
+              </a:ext>
+            </a:extLst>
+          </p:cNvPr>
+          <p:cNvSpPr>
+            <a:spLocks noGrp="1"/>
+          </p:cNvSpPr>
+          <p:nvPr>
+            <p:ph idx="1"/>
+          </p:nvPr>
+        </p:nvSpPr>
+        <p:spPr>
+          <a:xfrm>
+            <a:off x="838200" y="947523"/>
+            <a:ext cx="6574972" cy="5600989"/>
+          </a:xfrm>
+        </p:spPr>
+        <p:txBody>
+          <a:bodyPr>
+            <a:normAutofit fontScale="92500"/>
+          </a:bodyPr>
+          <a:lstStyle/>
+          <a:p>
+            <a:r>
+              <a:rPr lang="en-US" dirty="0"/>
+              <a:t>Each </a:t>
+            </a:r>
+            <a:r>
+              <a:rPr lang="en-US" b="1" dirty="0">
+                <a:solidFill>
+                  <a:schemeClr val="accent4"/>
+                </a:solidFill>
+              </a:rPr>
+              <a:t>Region</a:t>
+            </a:r>
+            <a:r>
+              <a:rPr lang="en-US" dirty="0"/>
+              <a:t> has multiple Availability Zones. </a:t>
+            </a:r>
+          </a:p>
+          <a:p>
+            <a:r>
+              <a:rPr lang="en-US" dirty="0"/>
+              <a:t>Each </a:t>
+            </a:r>
+            <a:r>
+              <a:rPr lang="en-US" b="1" dirty="0">
+                <a:solidFill>
+                  <a:schemeClr val="accent1"/>
+                </a:solidFill>
+              </a:rPr>
+              <a:t>Availability Zone </a:t>
+            </a:r>
+            <a:r>
+              <a:rPr lang="en-US" dirty="0"/>
+              <a:t>is a fully isolated partition of the AWS infrastructure. </a:t>
+            </a:r>
+          </a:p>
+          <a:p>
+            <a:pPr lvl="1"/>
+            <a:r>
+              <a:rPr lang="en-US" dirty="0"/>
+              <a:t>There are currently </a:t>
+            </a:r>
+            <a:r>
+              <a:rPr lang="en-US" b="1" dirty="0"/>
+              <a:t>69 Availability Zones </a:t>
+            </a:r>
+            <a:r>
+              <a:rPr lang="en-US" dirty="0"/>
+              <a:t>worldwide </a:t>
+            </a:r>
+          </a:p>
+          <a:p>
+            <a:pPr lvl="1"/>
+            <a:r>
+              <a:rPr lang="en-US" dirty="0"/>
+              <a:t>Availability Zones consist of discrete </a:t>
+            </a:r>
+            <a:r>
+              <a:rPr lang="en-US" b="1" dirty="0">
+                <a:solidFill>
+                  <a:srgbClr val="00B050"/>
+                </a:solidFill>
+              </a:rPr>
+              <a:t>data centers </a:t>
+            </a:r>
+          </a:p>
+          <a:p>
+            <a:pPr lvl="1"/>
+            <a:r>
+              <a:rPr lang="en-US" dirty="0"/>
+              <a:t>They are designed for fault isolation </a:t>
+            </a:r>
+          </a:p>
+          <a:p>
+            <a:pPr lvl="1"/>
+            <a:r>
+              <a:rPr lang="en-US" dirty="0"/>
+              <a:t>They are interconnected with other Availability Zones by using high-speed private networking </a:t>
+            </a:r>
+          </a:p>
+          <a:p>
+            <a:pPr lvl="1"/>
+            <a:r>
+              <a:rPr lang="en-US" dirty="0"/>
+              <a:t>You choose your Availability Zones. </a:t>
+            </a:r>
+          </a:p>
+          <a:p>
+            <a:r>
+              <a:rPr lang="en-US" dirty="0"/>
+              <a:t>AWS recommends </a:t>
+            </a:r>
+            <a:r>
+              <a:rPr lang="en-US" b="1" dirty="0">
+                <a:solidFill>
+                  <a:srgbClr val="7030A0"/>
+                </a:solidFill>
+              </a:rPr>
+              <a:t>replicating data and resources </a:t>
+            </a:r>
+            <a:r>
+              <a:rPr lang="en-US" dirty="0"/>
+              <a:t>across Availability Zones for resiliency.</a:t>
+            </a:r>
+          </a:p>
+        </p:txBody>
+      </p:sp>
       <p:pic>
         <p:nvPicPr>
-          <p:cNvPr id="2058" name="Picture 10" descr="Quiz stock illustration. Illustration of message, game - 44060147">
-            <a:extLst>
-              <a:ext uri="{FF2B5EF4-FFF2-40B4-BE49-F238E27FC236}">
-                <a16:creationId xmlns:a16="http://schemas.microsoft.com/office/drawing/2014/main" id="{09B3528F-559F-31E3-3D9B-AA2342ADC804}"/>
+          <p:cNvPr id="14" name="Picture 13">
+            <a:extLst>
+              <a:ext uri="{FF2B5EF4-FFF2-40B4-BE49-F238E27FC236}">
+                <a16:creationId xmlns:a16="http://schemas.microsoft.com/office/drawing/2014/main" id="{07269C7C-6E34-56A7-82C7-BFDAC1390398}"/>
               </a:ext>
             </a:extLst>
           </p:cNvPr>
           <p:cNvPicPr>
-            <a:picLocks noChangeAspect="1" noChangeArrowheads="1"/>
+            <a:picLocks noChangeAspect="1"/>
           </p:cNvPicPr>
           <p:nvPr/>
         </p:nvPicPr>
         <p:blipFill>
-          <a:blip r:embed="rId2">
-            <a:clrChange>
-              <a:clrFrom>
-                <a:srgbClr val="FFFFFF"/>
-              </a:clrFrom>
-              <a:clrTo>
-                <a:srgbClr val="FFFFFF">
-                  <a:alpha val="0"/>
-                </a:srgbClr>
-              </a:clrTo>
-            </a:clrChange>
-            <a:extLst>
-              <a:ext uri="{28A0092B-C50C-407E-A947-70E740481C1C}">
-                <a14:useLocalDpi xmlns:a14="http://schemas.microsoft.com/office/drawing/2010/main" val="0"/>
-              </a:ext>
-            </a:extLst>
-          </a:blip>
-          <a:srcRect/>
+          <a:blip r:embed="rId3"/>
           <a:stretch>
             <a:fillRect/>
           </a:stretch>
         </p:blipFill>
-        <p:spPr bwMode="auto">
+        <p:spPr>
           <a:xfrm>
-            <a:off x="780223" y="953841"/>
-            <a:ext cx="10631553" cy="4950317"/>
+            <a:off x="7413172" y="947522"/>
+            <a:ext cx="4574721" cy="5600989"/>
           </a:xfrm>
           <a:prstGeom prst="rect">
             <a:avLst/>
           </a:prstGeom>
-          <a:noFill/>
-          <a:extLst>
-            <a:ext uri="{909E8E84-426E-40DD-AFC4-6F175D3DCCD1}">
-              <a14:hiddenFill xmlns:a14="http://schemas.microsoft.com/office/drawing/2010/main">
-                <a:solidFill>
-                  <a:srgbClr val="FFFFFF"/>
-                </a:solidFill>
-              </a14:hiddenFill>
-            </a:ext>
-          </a:extLst>
         </p:spPr>
       </p:pic>
-      <p:sp>
-        <p:nvSpPr>
-          <p:cNvPr id="20" name="TextBox 19">
-            <a:hlinkClick r:id="rId3"/>
-            <a:extLst>
-              <a:ext uri="{FF2B5EF4-FFF2-40B4-BE49-F238E27FC236}">
-                <a16:creationId xmlns:a16="http://schemas.microsoft.com/office/drawing/2014/main" id="{C751CACC-D9A6-5CA5-3625-5EF904DEA20A}"/>
-              </a:ext>
-            </a:extLst>
-          </p:cNvPr>
-          <p:cNvSpPr txBox="1"/>
-          <p:nvPr/>
-        </p:nvSpPr>
-        <p:spPr>
-          <a:xfrm>
-            <a:off x="4694526" y="5904158"/>
-            <a:ext cx="2802947" cy="369332"/>
-          </a:xfrm>
-          <a:prstGeom prst="rect">
-            <a:avLst/>
-          </a:prstGeom>
-          <a:noFill/>
-        </p:spPr>
-        <p:txBody>
-          <a:bodyPr wrap="none" rtlCol="0">
-            <a:spAutoFit/>
-          </a:bodyPr>
-          <a:lstStyle/>
-          <a:p>
-            <a:r>
-              <a:rPr lang="en-US" u="sng" dirty="0">
-                <a:solidFill>
-                  <a:schemeClr val="accent1"/>
-                </a:solidFill>
-              </a:rPr>
-              <a:t>Quiz: 03-AWS Infrastructure</a:t>
-            </a:r>
-          </a:p>
-        </p:txBody>
-      </p:sp>
     </p:spTree>
     <p:extLst>
       <p:ext uri="{BB962C8B-B14F-4D97-AF65-F5344CB8AC3E}">
-        <p14:creationId xmlns:p14="http://schemas.microsoft.com/office/powerpoint/2010/main" val="2397218144"/>
+        <p14:creationId xmlns:p14="http://schemas.microsoft.com/office/powerpoint/2010/main" val="1119519705"/>
       </p:ext>
     </p:extLst>
   </p:cSld>
@@ -5353,10 +7386,10 @@
       </p:grpSpPr>
       <p:sp>
         <p:nvSpPr>
-          <p:cNvPr id="5" name="Title 4">
-            <a:extLst>
-              <a:ext uri="{FF2B5EF4-FFF2-40B4-BE49-F238E27FC236}">
-                <a16:creationId xmlns:a16="http://schemas.microsoft.com/office/drawing/2014/main" id="{7E037BE1-DB10-FC4D-75C4-345C0518DFA6}"/>
+          <p:cNvPr id="2" name="Title 1">
+            <a:extLst>
+              <a:ext uri="{FF2B5EF4-FFF2-40B4-BE49-F238E27FC236}">
+                <a16:creationId xmlns:a16="http://schemas.microsoft.com/office/drawing/2014/main" id="{2B223CC5-0084-C99E-9A68-7F5487E49692}"/>
               </a:ext>
             </a:extLst>
           </p:cNvPr>
@@ -5367,32 +7400,137 @@
             <p:ph type="title"/>
           </p:nvPr>
         </p:nvSpPr>
-        <p:spPr>
-          <a:xfrm>
-            <a:off x="707571" y="1134338"/>
-            <a:ext cx="10515600" cy="674472"/>
-          </a:xfrm>
-        </p:spPr>
+        <p:spPr/>
         <p:txBody>
           <a:bodyPr>
             <a:normAutofit fontScale="90000"/>
           </a:bodyPr>
           <a:lstStyle/>
           <a:p>
-            <a:pPr algn="ctr"/>
-            <a:r>
-              <a:rPr lang="en-US" dirty="0"/>
-              <a:t>Questions?</a:t>
+            <a:r>
+              <a:rPr lang="en-US" dirty="0"/>
+              <a:t>Data Centers</a:t>
+            </a:r>
+          </a:p>
+        </p:txBody>
+      </p:sp>
+      <p:sp>
+        <p:nvSpPr>
+          <p:cNvPr id="3" name="Content Placeholder 2">
+            <a:extLst>
+              <a:ext uri="{FF2B5EF4-FFF2-40B4-BE49-F238E27FC236}">
+                <a16:creationId xmlns:a16="http://schemas.microsoft.com/office/drawing/2014/main" id="{7F2925F9-D8AB-D42D-F0D5-92AA4C3FAAE3}"/>
+              </a:ext>
+            </a:extLst>
+          </p:cNvPr>
+          <p:cNvSpPr>
+            <a:spLocks noGrp="1"/>
+          </p:cNvSpPr>
+          <p:nvPr>
+            <p:ph idx="1"/>
+          </p:nvPr>
+        </p:nvSpPr>
+        <p:spPr>
+          <a:xfrm>
+            <a:off x="838199" y="947523"/>
+            <a:ext cx="6264049" cy="4938495"/>
+          </a:xfrm>
+        </p:spPr>
+        <p:txBody>
+          <a:bodyPr/>
+          <a:lstStyle/>
+          <a:p>
+            <a:r>
+              <a:rPr lang="en-US" dirty="0"/>
+              <a:t>AWS </a:t>
+            </a:r>
+            <a:r>
+              <a:rPr lang="en-US" b="1" dirty="0">
+                <a:solidFill>
+                  <a:schemeClr val="accent2"/>
+                </a:solidFill>
+              </a:rPr>
+              <a:t>data centers </a:t>
+            </a:r>
+            <a:r>
+              <a:rPr lang="en-US" dirty="0"/>
+              <a:t>are designed for security. </a:t>
+            </a:r>
+          </a:p>
+          <a:p>
+            <a:r>
+              <a:rPr lang="en-US" dirty="0"/>
+              <a:t>Data centers are where the </a:t>
+            </a:r>
+            <a:r>
+              <a:rPr lang="en-US" b="1" dirty="0">
+                <a:solidFill>
+                  <a:schemeClr val="accent5"/>
+                </a:solidFill>
+              </a:rPr>
+              <a:t>data resides </a:t>
+            </a:r>
+            <a:r>
+              <a:rPr lang="en-US" dirty="0"/>
+              <a:t>and </a:t>
+            </a:r>
+            <a:r>
+              <a:rPr lang="en-US" b="1" dirty="0">
+                <a:solidFill>
+                  <a:schemeClr val="accent6"/>
+                </a:solidFill>
+              </a:rPr>
+              <a:t>data processing </a:t>
+            </a:r>
+            <a:r>
+              <a:rPr lang="en-US" dirty="0"/>
+              <a:t>occurs. </a:t>
+            </a:r>
+          </a:p>
+          <a:p>
+            <a:r>
+              <a:rPr lang="en-US" dirty="0"/>
+              <a:t>Each data center has </a:t>
+            </a:r>
+            <a:r>
+              <a:rPr lang="en-US" b="1" dirty="0">
+                <a:solidFill>
+                  <a:srgbClr val="7030A0"/>
+                </a:solidFill>
+              </a:rPr>
+              <a:t>redundant</a:t>
+            </a:r>
+            <a:r>
+              <a:rPr lang="en-US" dirty="0"/>
+              <a:t> power, networking, and connectivity, and is housed in a separate facility. </a:t>
+            </a:r>
+          </a:p>
+          <a:p>
+            <a:r>
+              <a:rPr lang="en-US" dirty="0"/>
+              <a:t>A data center typically has 50,000 to 80,000 </a:t>
+            </a:r>
+            <a:r>
+              <a:rPr lang="en-US" b="1" dirty="0">
+                <a:solidFill>
+                  <a:srgbClr val="FFC000"/>
+                </a:solidFill>
+              </a:rPr>
+              <a:t>physical servers</a:t>
+            </a:r>
+            <a:r>
+              <a:rPr lang="en-US" dirty="0"/>
+              <a:t>.</a:t>
             </a:r>
           </a:p>
         </p:txBody>
       </p:sp>
       <p:pic>
         <p:nvPicPr>
-          <p:cNvPr id="7" name="Picture 2" descr="D:\Proyectos\Framework\Supports\Images\icono_ayuda_general.gif">
-            <a:extLst>
-              <a:ext uri="{FF2B5EF4-FFF2-40B4-BE49-F238E27FC236}">
-                <a16:creationId xmlns:a16="http://schemas.microsoft.com/office/drawing/2014/main" id="{70A0CCB1-AA68-AC7B-11FF-DBFC0033C335}"/>
+          <p:cNvPr id="2050" name="Picture 2" descr="Amazon Web Services owns 11.9 million square feet of property, leases 14.1  million square feet - DCD">
+            <a:extLst>
+              <a:ext uri="{FF2B5EF4-FFF2-40B4-BE49-F238E27FC236}">
+                <a16:creationId xmlns:a16="http://schemas.microsoft.com/office/drawing/2014/main" id="{2206687C-2F80-CBC8-EDDA-6FE094729BBE}"/>
               </a:ext>
             </a:extLst>
           </p:cNvPr>
@@ -5402,17 +7540,12 @@
           <p:nvPr/>
         </p:nvPicPr>
         <p:blipFill>
-          <a:blip r:embed="rId2" cstate="print">
-            <a:clrChange>
-              <a:clrFrom>
-                <a:srgbClr val="FCFEFC"/>
-              </a:clrFrom>
-              <a:clrTo>
-                <a:srgbClr val="FCFEFC">
-                  <a:alpha val="0"/>
-                </a:srgbClr>
-              </a:clrTo>
-            </a:clrChange>
+          <a:blip r:embed="rId2">
+            <a:extLst>
+              <a:ext uri="{28A0092B-C50C-407E-A947-70E740481C1C}">
+                <a14:useLocalDpi xmlns:a14="http://schemas.microsoft.com/office/drawing/2010/main" val="0"/>
+              </a:ext>
+            </a:extLst>
           </a:blip>
           <a:srcRect/>
           <a:stretch>
@@ -5421,37 +7554,986 @@
         </p:blipFill>
         <p:spPr bwMode="auto">
           <a:xfrm>
-            <a:off x="4475820" y="1808820"/>
-            <a:ext cx="3240360" cy="3240360"/>
+            <a:off x="7102249" y="473761"/>
+            <a:ext cx="4841967" cy="2852737"/>
+          </a:xfrm>
+          <a:prstGeom prst="rect">
+            <a:avLst/>
+          </a:prstGeom>
+          <a:solidFill>
+            <a:srgbClr val="FFFFFF">
+              <a:shade val="85000"/>
+            </a:srgbClr>
+          </a:solidFill>
+          <a:ln w="88900" cap="sq">
+            <a:solidFill>
+              <a:srgbClr val="FFFFFF"/>
+            </a:solidFill>
+            <a:miter lim="800000"/>
+          </a:ln>
+          <a:effectLst>
+            <a:outerShdw blurRad="55000" dist="18000" dir="5400000" algn="tl" rotWithShape="0">
+              <a:srgbClr val="000000">
+                <a:alpha val="40000"/>
+              </a:srgbClr>
+            </a:outerShdw>
+          </a:effectLst>
+          <a:scene3d>
+            <a:camera prst="orthographicFront"/>
+            <a:lightRig rig="twoPt" dir="t">
+              <a:rot lat="0" lon="0" rev="7200000"/>
+            </a:lightRig>
+          </a:scene3d>
+          <a:sp3d>
+            <a:bevelT w="25400" h="19050"/>
+            <a:contourClr>
+              <a:srgbClr val="FFFFFF"/>
+            </a:contourClr>
+          </a:sp3d>
+          <a:extLst>
+            <a:ext uri="{909E8E84-426E-40DD-AFC4-6F175D3DCCD1}">
+              <a14:hiddenFill xmlns:a14="http://schemas.microsoft.com/office/drawing/2010/main">
+                <a:solidFill>
+                  <a:srgbClr val="FFFFFF"/>
+                </a:solidFill>
+              </a14:hiddenFill>
+            </a:ext>
+          </a:extLst>
+        </p:spPr>
+      </p:pic>
+      <p:pic>
+        <p:nvPicPr>
+          <p:cNvPr id="2052" name="Picture 4" descr="Moving the Cloud into the Data Center? AWS Is Coming to Enterprise Data  Centers">
+            <a:extLst>
+              <a:ext uri="{FF2B5EF4-FFF2-40B4-BE49-F238E27FC236}">
+                <a16:creationId xmlns:a16="http://schemas.microsoft.com/office/drawing/2014/main" id="{B6E375B0-243F-4F40-DEE1-4A415284FC15}"/>
+              </a:ext>
+            </a:extLst>
+          </p:cNvPr>
+          <p:cNvPicPr>
+            <a:picLocks noChangeAspect="1" noChangeArrowheads="1"/>
+          </p:cNvPicPr>
+          <p:nvPr/>
+        </p:nvPicPr>
+        <p:blipFill>
+          <a:blip r:embed="rId3">
+            <a:extLst>
+              <a:ext uri="{28A0092B-C50C-407E-A947-70E740481C1C}">
+                <a14:useLocalDpi xmlns:a14="http://schemas.microsoft.com/office/drawing/2010/main" val="0"/>
+              </a:ext>
+            </a:extLst>
+          </a:blip>
+          <a:srcRect/>
+          <a:stretch>
+            <a:fillRect/>
+          </a:stretch>
+        </p:blipFill>
+        <p:spPr bwMode="auto">
+          <a:xfrm>
+            <a:off x="6809694" y="3967993"/>
+            <a:ext cx="5134522" cy="2416246"/>
+          </a:xfrm>
+          <a:prstGeom prst="rect">
+            <a:avLst/>
+          </a:prstGeom>
+          <a:solidFill>
+            <a:srgbClr val="FFFFFF">
+              <a:shade val="85000"/>
+            </a:srgbClr>
+          </a:solidFill>
+          <a:ln w="88900" cap="sq">
+            <a:solidFill>
+              <a:srgbClr val="FFFFFF"/>
+            </a:solidFill>
+            <a:miter lim="800000"/>
+          </a:ln>
+          <a:effectLst>
+            <a:outerShdw blurRad="55000" dist="18000" dir="5400000" algn="tl" rotWithShape="0">
+              <a:srgbClr val="000000">
+                <a:alpha val="40000"/>
+              </a:srgbClr>
+            </a:outerShdw>
+          </a:effectLst>
+          <a:scene3d>
+            <a:camera prst="orthographicFront"/>
+            <a:lightRig rig="twoPt" dir="t">
+              <a:rot lat="0" lon="0" rev="7200000"/>
+            </a:lightRig>
+          </a:scene3d>
+          <a:sp3d>
+            <a:bevelT w="25400" h="19050"/>
+            <a:contourClr>
+              <a:srgbClr val="FFFFFF"/>
+            </a:contourClr>
+          </a:sp3d>
+          <a:extLst>
+            <a:ext uri="{909E8E84-426E-40DD-AFC4-6F175D3DCCD1}">
+              <a14:hiddenFill xmlns:a14="http://schemas.microsoft.com/office/drawing/2010/main">
+                <a:solidFill>
+                  <a:srgbClr val="FFFFFF"/>
+                </a:solidFill>
+              </a14:hiddenFill>
+            </a:ext>
+          </a:extLst>
+        </p:spPr>
+      </p:pic>
+    </p:spTree>
+    <p:extLst>
+      <p:ext uri="{BB962C8B-B14F-4D97-AF65-F5344CB8AC3E}">
+        <p14:creationId xmlns:p14="http://schemas.microsoft.com/office/powerpoint/2010/main" val="427675823"/>
+      </p:ext>
+    </p:extLst>
+  </p:cSld>
+  <p:clrMapOvr>
+    <a:masterClrMapping/>
+  </p:clrMapOvr>
+</p:sld>
+</file>
+
+<file path=ppt/slides/slide7.xml><?xml version="1.0" encoding="utf-8"?>
+<p:sld xmlns:a="http://schemas.openxmlformats.org/drawingml/2006/main" xmlns:r="http://schemas.openxmlformats.org/officeDocument/2006/relationships" xmlns:p="http://schemas.openxmlformats.org/presentationml/2006/main">
+  <p:cSld>
+    <p:spTree>
+      <p:nvGrpSpPr>
+        <p:cNvPr id="1" name=""/>
+        <p:cNvGrpSpPr/>
+        <p:nvPr/>
+      </p:nvGrpSpPr>
+      <p:grpSpPr>
+        <a:xfrm>
+          <a:off x="0" y="0"/>
+          <a:ext cx="0" cy="0"/>
+          <a:chOff x="0" y="0"/>
+          <a:chExt cx="0" cy="0"/>
+        </a:xfrm>
+      </p:grpSpPr>
+      <p:sp>
+        <p:nvSpPr>
+          <p:cNvPr id="2" name="Title 1">
+            <a:extLst>
+              <a:ext uri="{FF2B5EF4-FFF2-40B4-BE49-F238E27FC236}">
+                <a16:creationId xmlns:a16="http://schemas.microsoft.com/office/drawing/2014/main" id="{1EC0830F-A810-A071-694E-DBC74DD05721}"/>
+              </a:ext>
+            </a:extLst>
+          </p:cNvPr>
+          <p:cNvSpPr>
+            <a:spLocks noGrp="1"/>
+          </p:cNvSpPr>
+          <p:nvPr>
+            <p:ph type="title"/>
+          </p:nvPr>
+        </p:nvSpPr>
+        <p:spPr/>
+        <p:txBody>
+          <a:bodyPr>
+            <a:normAutofit fontScale="90000"/>
+          </a:bodyPr>
+          <a:lstStyle/>
+          <a:p>
+            <a:r>
+              <a:rPr lang="en-US" dirty="0"/>
+              <a:t>Edge Locations/Points of Presence</a:t>
+            </a:r>
+          </a:p>
+        </p:txBody>
+      </p:sp>
+      <p:sp>
+        <p:nvSpPr>
+          <p:cNvPr id="3" name="Content Placeholder 2">
+            <a:extLst>
+              <a:ext uri="{FF2B5EF4-FFF2-40B4-BE49-F238E27FC236}">
+                <a16:creationId xmlns:a16="http://schemas.microsoft.com/office/drawing/2014/main" id="{F24AE856-307E-7FE3-B23F-A7FD2E2A884F}"/>
+              </a:ext>
+            </a:extLst>
+          </p:cNvPr>
+          <p:cNvSpPr>
+            <a:spLocks noGrp="1"/>
+          </p:cNvSpPr>
+          <p:nvPr>
+            <p:ph idx="1"/>
+          </p:nvPr>
+        </p:nvSpPr>
+        <p:spPr>
+          <a:xfrm>
+            <a:off x="838200" y="947523"/>
+            <a:ext cx="4724400" cy="4938495"/>
+          </a:xfrm>
+        </p:spPr>
+        <p:txBody>
+          <a:bodyPr>
+            <a:normAutofit fontScale="92500" lnSpcReduction="10000"/>
+          </a:bodyPr>
+          <a:lstStyle/>
+          <a:p>
+            <a:r>
+              <a:rPr lang="en-US" dirty="0"/>
+              <a:t>AWS provides a global network of 450+ </a:t>
+            </a:r>
+            <a:r>
+              <a:rPr lang="en-US" b="1" dirty="0">
+                <a:solidFill>
+                  <a:schemeClr val="accent2"/>
+                </a:solidFill>
+              </a:rPr>
+              <a:t>Points of Presence </a:t>
+            </a:r>
+            <a:r>
+              <a:rPr lang="en-US" dirty="0"/>
+              <a:t>locations </a:t>
+            </a:r>
+          </a:p>
+          <a:p>
+            <a:r>
+              <a:rPr lang="en-US" dirty="0"/>
+              <a:t>Consists of </a:t>
+            </a:r>
+            <a:r>
+              <a:rPr lang="en-US" b="1" i="0" dirty="0">
+                <a:solidFill>
+                  <a:srgbClr val="333333"/>
+                </a:solidFill>
+                <a:effectLst/>
+                <a:latin typeface="AmazonEmber"/>
+              </a:rPr>
+              <a:t>13</a:t>
+            </a:r>
+            <a:r>
+              <a:rPr lang="en-US" b="0" i="0" dirty="0">
+                <a:solidFill>
+                  <a:srgbClr val="333333"/>
+                </a:solidFill>
+                <a:effectLst/>
+                <a:latin typeface="AmazonEmber"/>
+              </a:rPr>
+              <a:t> </a:t>
+            </a:r>
+            <a:r>
+              <a:rPr lang="en-US" b="1" i="0" dirty="0">
+                <a:solidFill>
+                  <a:schemeClr val="accent5"/>
+                </a:solidFill>
+                <a:effectLst/>
+                <a:latin typeface="AmazonEmber"/>
+              </a:rPr>
+              <a:t>regional edge caches</a:t>
+            </a:r>
+            <a:r>
+              <a:rPr lang="en-US" b="0" i="0" dirty="0">
+                <a:solidFill>
+                  <a:srgbClr val="333333"/>
+                </a:solidFill>
+                <a:effectLst/>
+                <a:latin typeface="AmazonEmber"/>
+              </a:rPr>
+              <a:t> in </a:t>
+            </a:r>
+            <a:r>
+              <a:rPr lang="en-US" b="1" i="0" dirty="0">
+                <a:solidFill>
+                  <a:srgbClr val="333333"/>
+                </a:solidFill>
+                <a:effectLst/>
+                <a:latin typeface="AmazonEmber"/>
+              </a:rPr>
+              <a:t>90+</a:t>
+            </a:r>
+            <a:r>
+              <a:rPr lang="en-US" b="0" i="0" dirty="0">
+                <a:solidFill>
+                  <a:srgbClr val="333333"/>
+                </a:solidFill>
+                <a:effectLst/>
+                <a:latin typeface="AmazonEmber"/>
+              </a:rPr>
+              <a:t> </a:t>
+            </a:r>
+            <a:r>
+              <a:rPr lang="en-US" b="1" i="0" dirty="0">
+                <a:solidFill>
+                  <a:srgbClr val="00B050"/>
+                </a:solidFill>
+                <a:effectLst/>
+                <a:latin typeface="AmazonEmber"/>
+              </a:rPr>
+              <a:t>cities</a:t>
+            </a:r>
+            <a:r>
+              <a:rPr lang="en-US" b="0" i="0" dirty="0">
+                <a:solidFill>
+                  <a:srgbClr val="333333"/>
+                </a:solidFill>
+                <a:effectLst/>
+                <a:latin typeface="AmazonEmber"/>
+              </a:rPr>
+              <a:t> across </a:t>
+            </a:r>
+            <a:r>
+              <a:rPr lang="en-US" b="1" i="0" dirty="0">
+                <a:solidFill>
+                  <a:srgbClr val="333333"/>
+                </a:solidFill>
+                <a:effectLst/>
+                <a:latin typeface="AmazonEmber"/>
+              </a:rPr>
+              <a:t>49</a:t>
+            </a:r>
+            <a:r>
+              <a:rPr lang="en-US" b="0" i="0" dirty="0">
+                <a:solidFill>
+                  <a:srgbClr val="333333"/>
+                </a:solidFill>
+                <a:effectLst/>
+                <a:latin typeface="AmazonEmber"/>
+              </a:rPr>
+              <a:t> </a:t>
+            </a:r>
+            <a:r>
+              <a:rPr lang="en-US" b="1" i="0" dirty="0">
+                <a:solidFill>
+                  <a:schemeClr val="accent4"/>
+                </a:solidFill>
+                <a:effectLst/>
+                <a:latin typeface="AmazonEmber"/>
+              </a:rPr>
+              <a:t>countries</a:t>
+            </a:r>
+            <a:endParaRPr lang="en-US" b="1" dirty="0">
+              <a:solidFill>
+                <a:schemeClr val="accent4"/>
+              </a:solidFill>
+            </a:endParaRPr>
+          </a:p>
+          <a:p>
+            <a:r>
+              <a:rPr lang="en-US" dirty="0"/>
+              <a:t>Used with </a:t>
+            </a:r>
+            <a:r>
+              <a:rPr lang="en-US" b="1" dirty="0">
+                <a:solidFill>
+                  <a:srgbClr val="7030A0"/>
+                </a:solidFill>
+              </a:rPr>
+              <a:t>Amazon CloudFront </a:t>
+            </a:r>
+          </a:p>
+          <a:p>
+            <a:r>
+              <a:rPr lang="en-US" dirty="0"/>
+              <a:t>A global </a:t>
+            </a:r>
+            <a:r>
+              <a:rPr lang="en-US" b="1" dirty="0">
+                <a:solidFill>
+                  <a:schemeClr val="accent1"/>
+                </a:solidFill>
+              </a:rPr>
+              <a:t>Content Delivery Network </a:t>
+            </a:r>
+            <a:r>
+              <a:rPr lang="en-US" dirty="0"/>
+              <a:t>(</a:t>
+            </a:r>
+            <a:r>
+              <a:rPr lang="en-US" b="1" dirty="0"/>
+              <a:t>CDN</a:t>
+            </a:r>
+            <a:r>
+              <a:rPr lang="en-US" dirty="0"/>
+              <a:t>), that delivers content to end users with reduced latency </a:t>
+            </a:r>
+          </a:p>
+          <a:p>
+            <a:r>
+              <a:rPr lang="en-US" dirty="0"/>
+              <a:t>Regional edge caches used for content with </a:t>
+            </a:r>
+            <a:r>
+              <a:rPr lang="en-US" b="1" dirty="0">
+                <a:solidFill>
+                  <a:srgbClr val="92D050"/>
+                </a:solidFill>
+              </a:rPr>
+              <a:t>infrequent access</a:t>
+            </a:r>
+            <a:r>
+              <a:rPr lang="en-US" dirty="0"/>
+              <a:t>. </a:t>
+            </a:r>
+          </a:p>
+        </p:txBody>
+      </p:sp>
+      <p:pic>
+        <p:nvPicPr>
+          <p:cNvPr id="4098" name="Picture 2" descr="Amazon CloudFront Edge Locations">
+            <a:extLst>
+              <a:ext uri="{FF2B5EF4-FFF2-40B4-BE49-F238E27FC236}">
+                <a16:creationId xmlns:a16="http://schemas.microsoft.com/office/drawing/2014/main" id="{B7AFC766-AE13-2176-24A9-2296CA25A05D}"/>
+              </a:ext>
+            </a:extLst>
+          </p:cNvPr>
+          <p:cNvPicPr>
+            <a:picLocks noChangeAspect="1" noChangeArrowheads="1"/>
+          </p:cNvPicPr>
+          <p:nvPr/>
+        </p:nvPicPr>
+        <p:blipFill>
+          <a:blip r:embed="rId2">
+            <a:extLst>
+              <a:ext uri="{28A0092B-C50C-407E-A947-70E740481C1C}">
+                <a14:useLocalDpi xmlns:a14="http://schemas.microsoft.com/office/drawing/2010/main" val="0"/>
+              </a:ext>
+            </a:extLst>
+          </a:blip>
+          <a:srcRect/>
+          <a:stretch>
+            <a:fillRect/>
+          </a:stretch>
+        </p:blipFill>
+        <p:spPr bwMode="auto">
+          <a:xfrm>
+            <a:off x="5052846" y="1393604"/>
+            <a:ext cx="7139154" cy="4046332"/>
+          </a:xfrm>
+          <a:prstGeom prst="rect">
+            <a:avLst/>
+          </a:prstGeom>
+          <a:noFill/>
+          <a:extLst>
+            <a:ext uri="{909E8E84-426E-40DD-AFC4-6F175D3DCCD1}">
+              <a14:hiddenFill xmlns:a14="http://schemas.microsoft.com/office/drawing/2010/main">
+                <a:solidFill>
+                  <a:srgbClr val="FFFFFF"/>
+                </a:solidFill>
+              </a14:hiddenFill>
+            </a:ext>
+          </a:extLst>
+        </p:spPr>
+      </p:pic>
+      <p:sp>
+        <p:nvSpPr>
+          <p:cNvPr id="5" name="TextBox 4">
+            <a:extLst>
+              <a:ext uri="{FF2B5EF4-FFF2-40B4-BE49-F238E27FC236}">
+                <a16:creationId xmlns:a16="http://schemas.microsoft.com/office/drawing/2014/main" id="{52626FE8-17B6-7952-2AD7-BA95C880EE65}"/>
+              </a:ext>
+            </a:extLst>
+          </p:cNvPr>
+          <p:cNvSpPr txBox="1"/>
+          <p:nvPr/>
+        </p:nvSpPr>
+        <p:spPr>
+          <a:xfrm>
+            <a:off x="6341865" y="5886017"/>
+            <a:ext cx="4561115" cy="369332"/>
           </a:xfrm>
           <a:prstGeom prst="rect">
             <a:avLst/>
           </a:prstGeom>
           <a:noFill/>
         </p:spPr>
-      </p:pic>
+        <p:txBody>
+          <a:bodyPr wrap="square">
+            <a:spAutoFit/>
+          </a:bodyPr>
+          <a:lstStyle/>
+          <a:p>
+            <a:r>
+              <a:rPr lang="en-US" dirty="0">
+                <a:hlinkClick r:id="rId3"/>
+              </a:rPr>
+              <a:t>https://aws.amazon.com/cloudfront/features/</a:t>
+            </a:r>
+            <a:r>
+              <a:rPr lang="en-US" dirty="0"/>
+              <a:t> </a:t>
+            </a:r>
+          </a:p>
+        </p:txBody>
+      </p:sp>
     </p:spTree>
     <p:extLst>
       <p:ext uri="{BB962C8B-B14F-4D97-AF65-F5344CB8AC3E}">
-        <p14:creationId xmlns:p14="http://schemas.microsoft.com/office/powerpoint/2010/main" val="1119633903"/>
+        <p14:creationId xmlns:p14="http://schemas.microsoft.com/office/powerpoint/2010/main" val="3977394120"/>
       </p:ext>
     </p:extLst>
   </p:cSld>
   <p:clrMapOvr>
     <a:masterClrMapping/>
   </p:clrMapOvr>
-  <mc:AlternateContent xmlns:mc="http://schemas.openxmlformats.org/markup-compatibility/2006" xmlns:p159="http://schemas.microsoft.com/office/powerpoint/2015/09/main">
-    <mc:Choice Requires="p159">
-      <p:transition xmlns:p14="http://schemas.microsoft.com/office/powerpoint/2010/main" spd="slow" p14:dur="2000">
-        <p159:morph option="byObject"/>
-      </p:transition>
-    </mc:Choice>
-    <mc:Fallback xmlns="">
-      <p:transition spd="slow">
-        <p:fade/>
-      </p:transition>
-    </mc:Fallback>
-  </mc:AlternateContent>
+</p:sld>
+</file>
+
+<file path=ppt/slides/slide8.xml><?xml version="1.0" encoding="utf-8"?>
+<p:sld xmlns:a="http://schemas.openxmlformats.org/drawingml/2006/main" xmlns:r="http://schemas.openxmlformats.org/officeDocument/2006/relationships" xmlns:p="http://schemas.openxmlformats.org/presentationml/2006/main">
+  <p:cSld>
+    <p:spTree>
+      <p:nvGrpSpPr>
+        <p:cNvPr id="1" name=""/>
+        <p:cNvGrpSpPr/>
+        <p:nvPr/>
+      </p:nvGrpSpPr>
+      <p:grpSpPr>
+        <a:xfrm>
+          <a:off x="0" y="0"/>
+          <a:ext cx="0" cy="0"/>
+          <a:chOff x="0" y="0"/>
+          <a:chExt cx="0" cy="0"/>
+        </a:xfrm>
+      </p:grpSpPr>
+      <p:sp>
+        <p:nvSpPr>
+          <p:cNvPr id="2" name="Title 1">
+            <a:extLst>
+              <a:ext uri="{FF2B5EF4-FFF2-40B4-BE49-F238E27FC236}">
+                <a16:creationId xmlns:a16="http://schemas.microsoft.com/office/drawing/2014/main" id="{7F994E74-AA0B-7B2F-B94F-2AC1DEECF13C}"/>
+              </a:ext>
+            </a:extLst>
+          </p:cNvPr>
+          <p:cNvSpPr>
+            <a:spLocks noGrp="1"/>
+          </p:cNvSpPr>
+          <p:nvPr>
+            <p:ph type="title"/>
+          </p:nvPr>
+        </p:nvSpPr>
+        <p:spPr/>
+        <p:txBody>
+          <a:bodyPr>
+            <a:normAutofit fontScale="90000"/>
+          </a:bodyPr>
+          <a:lstStyle/>
+          <a:p>
+            <a:r>
+              <a:rPr lang="en-US" dirty="0"/>
+              <a:t>AWS Infrastructure features</a:t>
+            </a:r>
+          </a:p>
+        </p:txBody>
+      </p:sp>
+      <p:sp>
+        <p:nvSpPr>
+          <p:cNvPr id="3" name="Content Placeholder 2">
+            <a:extLst>
+              <a:ext uri="{FF2B5EF4-FFF2-40B4-BE49-F238E27FC236}">
+                <a16:creationId xmlns:a16="http://schemas.microsoft.com/office/drawing/2014/main" id="{060D97F3-4D80-6BEB-AF53-52677F6B214F}"/>
+              </a:ext>
+            </a:extLst>
+          </p:cNvPr>
+          <p:cNvSpPr>
+            <a:spLocks noGrp="1"/>
+          </p:cNvSpPr>
+          <p:nvPr>
+            <p:ph idx="1"/>
+          </p:nvPr>
+        </p:nvSpPr>
+        <p:spPr>
+          <a:xfrm>
+            <a:off x="838200" y="947523"/>
+            <a:ext cx="5257800" cy="4938495"/>
+          </a:xfrm>
+        </p:spPr>
+        <p:txBody>
+          <a:bodyPr>
+            <a:normAutofit fontScale="92500"/>
+          </a:bodyPr>
+          <a:lstStyle/>
+          <a:p>
+            <a:r>
+              <a:rPr lang="en-US" b="1" dirty="0"/>
+              <a:t>Elasticity and scalability </a:t>
+            </a:r>
+          </a:p>
+          <a:p>
+            <a:pPr lvl="1"/>
+            <a:r>
+              <a:rPr lang="en-US" dirty="0"/>
+              <a:t>Elastic infrastructure; dynamic adaption of capacity </a:t>
+            </a:r>
+          </a:p>
+          <a:p>
+            <a:pPr lvl="1"/>
+            <a:r>
+              <a:rPr lang="en-US" dirty="0"/>
+              <a:t>Scalable infrastructure; adapts to accommodate growth </a:t>
+            </a:r>
+          </a:p>
+          <a:p>
+            <a:r>
+              <a:rPr lang="en-US" b="1" dirty="0"/>
+              <a:t>Fault-tolerance </a:t>
+            </a:r>
+          </a:p>
+          <a:p>
+            <a:pPr lvl="1"/>
+            <a:r>
+              <a:rPr lang="en-US" dirty="0"/>
+              <a:t>Continues operating properly in the presence of a failure </a:t>
+            </a:r>
+          </a:p>
+          <a:p>
+            <a:pPr lvl="1"/>
+            <a:r>
+              <a:rPr lang="en-US" dirty="0"/>
+              <a:t>Built-in redundancy of components </a:t>
+            </a:r>
+          </a:p>
+          <a:p>
+            <a:r>
+              <a:rPr lang="en-US" b="1" dirty="0"/>
+              <a:t>High availability </a:t>
+            </a:r>
+          </a:p>
+          <a:p>
+            <a:pPr lvl="1"/>
+            <a:r>
+              <a:rPr lang="en-US" dirty="0"/>
+              <a:t>High level of operational performance </a:t>
+            </a:r>
+          </a:p>
+          <a:p>
+            <a:pPr lvl="1"/>
+            <a:r>
+              <a:rPr lang="en-US" dirty="0"/>
+              <a:t>Minimized downtime </a:t>
+            </a:r>
+          </a:p>
+          <a:p>
+            <a:pPr lvl="1"/>
+            <a:r>
+              <a:rPr lang="en-US" dirty="0"/>
+              <a:t>No human intervention</a:t>
+            </a:r>
+          </a:p>
+        </p:txBody>
+      </p:sp>
+      <p:pic>
+        <p:nvPicPr>
+          <p:cNvPr id="5" name="Picture 4">
+            <a:extLst>
+              <a:ext uri="{FF2B5EF4-FFF2-40B4-BE49-F238E27FC236}">
+                <a16:creationId xmlns:a16="http://schemas.microsoft.com/office/drawing/2014/main" id="{E1DD4A9C-1D5B-708E-C18B-C137F3586C8F}"/>
+              </a:ext>
+            </a:extLst>
+          </p:cNvPr>
+          <p:cNvPicPr>
+            <a:picLocks noChangeAspect="1"/>
+          </p:cNvPicPr>
+          <p:nvPr/>
+        </p:nvPicPr>
+        <p:blipFill>
+          <a:blip r:embed="rId2">
+            <a:clrChange>
+              <a:clrFrom>
+                <a:srgbClr val="FFFFFF"/>
+              </a:clrFrom>
+              <a:clrTo>
+                <a:srgbClr val="FFFFFF">
+                  <a:alpha val="0"/>
+                </a:srgbClr>
+              </a:clrTo>
+            </a:clrChange>
+          </a:blip>
+          <a:stretch>
+            <a:fillRect/>
+          </a:stretch>
+        </p:blipFill>
+        <p:spPr>
+          <a:xfrm>
+            <a:off x="6215743" y="874825"/>
+            <a:ext cx="5802766" cy="5108350"/>
+          </a:xfrm>
+          <a:prstGeom prst="rect">
+            <a:avLst/>
+          </a:prstGeom>
+        </p:spPr>
+      </p:pic>
+    </p:spTree>
+    <p:extLst>
+      <p:ext uri="{BB962C8B-B14F-4D97-AF65-F5344CB8AC3E}">
+        <p14:creationId xmlns:p14="http://schemas.microsoft.com/office/powerpoint/2010/main" val="3135880300"/>
+      </p:ext>
+    </p:extLst>
+  </p:cSld>
+  <p:clrMapOvr>
+    <a:masterClrMapping/>
+  </p:clrMapOvr>
+</p:sld>
+</file>
+
+<file path=ppt/slides/slide9.xml><?xml version="1.0" encoding="utf-8"?>
+<p:sld xmlns:a="http://schemas.openxmlformats.org/drawingml/2006/main" xmlns:r="http://schemas.openxmlformats.org/officeDocument/2006/relationships" xmlns:p="http://schemas.openxmlformats.org/presentationml/2006/main">
+  <p:cSld>
+    <p:spTree>
+      <p:nvGrpSpPr>
+        <p:cNvPr id="1" name=""/>
+        <p:cNvGrpSpPr/>
+        <p:nvPr/>
+      </p:nvGrpSpPr>
+      <p:grpSpPr>
+        <a:xfrm>
+          <a:off x="0" y="0"/>
+          <a:ext cx="0" cy="0"/>
+          <a:chOff x="0" y="0"/>
+          <a:chExt cx="0" cy="0"/>
+        </a:xfrm>
+      </p:grpSpPr>
+      <p:sp>
+        <p:nvSpPr>
+          <p:cNvPr id="2" name="Title 1">
+            <a:extLst>
+              <a:ext uri="{FF2B5EF4-FFF2-40B4-BE49-F238E27FC236}">
+                <a16:creationId xmlns:a16="http://schemas.microsoft.com/office/drawing/2014/main" id="{1D056C82-6F44-483C-A19B-23E7888F506E}"/>
+              </a:ext>
+            </a:extLst>
+          </p:cNvPr>
+          <p:cNvSpPr>
+            <a:spLocks noGrp="1"/>
+          </p:cNvSpPr>
+          <p:nvPr>
+            <p:ph type="title"/>
+          </p:nvPr>
+        </p:nvSpPr>
+        <p:spPr/>
+        <p:txBody>
+          <a:bodyPr>
+            <a:normAutofit fontScale="90000"/>
+          </a:bodyPr>
+          <a:lstStyle/>
+          <a:p>
+            <a:r>
+              <a:rPr lang="en-US" dirty="0"/>
+              <a:t>Keys takeaways</a:t>
+            </a:r>
+          </a:p>
+        </p:txBody>
+      </p:sp>
+      <p:sp>
+        <p:nvSpPr>
+          <p:cNvPr id="3" name="Content Placeholder 2">
+            <a:extLst>
+              <a:ext uri="{FF2B5EF4-FFF2-40B4-BE49-F238E27FC236}">
+                <a16:creationId xmlns:a16="http://schemas.microsoft.com/office/drawing/2014/main" id="{E4DAB74B-8A7B-E70B-A80A-51A464FA3F5B}"/>
+              </a:ext>
+            </a:extLst>
+          </p:cNvPr>
+          <p:cNvSpPr>
+            <a:spLocks noGrp="1"/>
+          </p:cNvSpPr>
+          <p:nvPr>
+            <p:ph idx="1"/>
+          </p:nvPr>
+        </p:nvSpPr>
+        <p:spPr>
+          <a:xfrm>
+            <a:off x="4659087" y="947523"/>
+            <a:ext cx="7434942" cy="4938495"/>
+          </a:xfrm>
+        </p:spPr>
+        <p:txBody>
+          <a:bodyPr>
+            <a:normAutofit/>
+          </a:bodyPr>
+          <a:lstStyle/>
+          <a:p>
+            <a:r>
+              <a:rPr lang="en-US" dirty="0"/>
+              <a:t>The </a:t>
+            </a:r>
+            <a:r>
+              <a:rPr lang="en-US" b="1" dirty="0">
+                <a:solidFill>
+                  <a:srgbClr val="002060"/>
+                </a:solidFill>
+              </a:rPr>
+              <a:t>AWS Global Infrastructure </a:t>
+            </a:r>
+            <a:r>
+              <a:rPr lang="en-US" dirty="0"/>
+              <a:t>consists of </a:t>
+            </a:r>
+            <a:r>
+              <a:rPr lang="en-US" b="1" dirty="0">
+                <a:solidFill>
+                  <a:schemeClr val="accent2"/>
+                </a:solidFill>
+              </a:rPr>
+              <a:t>Regions</a:t>
+            </a:r>
+            <a:r>
+              <a:rPr lang="en-US" dirty="0"/>
+              <a:t> and </a:t>
+            </a:r>
+            <a:r>
+              <a:rPr lang="en-US" b="1" dirty="0">
+                <a:solidFill>
+                  <a:schemeClr val="accent1"/>
+                </a:solidFill>
+              </a:rPr>
+              <a:t>Availability Zones</a:t>
+            </a:r>
+            <a:r>
+              <a:rPr lang="en-US" dirty="0"/>
+              <a:t>. </a:t>
+            </a:r>
+          </a:p>
+          <a:p>
+            <a:r>
+              <a:rPr lang="en-US" dirty="0"/>
+              <a:t>Your choice of a </a:t>
+            </a:r>
+            <a:r>
+              <a:rPr lang="en-US" b="1" dirty="0">
+                <a:solidFill>
+                  <a:schemeClr val="accent2"/>
+                </a:solidFill>
+              </a:rPr>
+              <a:t>Region</a:t>
+            </a:r>
+            <a:r>
+              <a:rPr lang="en-US" dirty="0"/>
+              <a:t> is typically based on </a:t>
+            </a:r>
+            <a:r>
+              <a:rPr lang="en-US" b="1" dirty="0">
+                <a:solidFill>
+                  <a:srgbClr val="7030A0"/>
+                </a:solidFill>
+              </a:rPr>
+              <a:t>compliance requirements </a:t>
+            </a:r>
+            <a:r>
+              <a:rPr lang="en-US" dirty="0"/>
+              <a:t>or to </a:t>
+            </a:r>
+            <a:r>
+              <a:rPr lang="en-US" b="1" dirty="0">
+                <a:solidFill>
+                  <a:srgbClr val="7030A0"/>
+                </a:solidFill>
+              </a:rPr>
+              <a:t>reduce latency</a:t>
+            </a:r>
+            <a:r>
+              <a:rPr lang="en-US" dirty="0"/>
+              <a:t>. </a:t>
+            </a:r>
+          </a:p>
+          <a:p>
+            <a:r>
+              <a:rPr lang="en-US" dirty="0"/>
+              <a:t>Each </a:t>
+            </a:r>
+            <a:r>
+              <a:rPr lang="en-US" b="1" dirty="0">
+                <a:solidFill>
+                  <a:schemeClr val="accent1"/>
+                </a:solidFill>
+              </a:rPr>
+              <a:t>Availability Zone </a:t>
+            </a:r>
+            <a:r>
+              <a:rPr lang="en-US" dirty="0"/>
+              <a:t>is physically separate from other Availability Zones and has redundant power, networking, and connectivity. </a:t>
+            </a:r>
+          </a:p>
+          <a:p>
+            <a:r>
+              <a:rPr lang="en-US" b="1" dirty="0">
+                <a:solidFill>
+                  <a:schemeClr val="accent4"/>
+                </a:solidFill>
+              </a:rPr>
+              <a:t>Edge locations</a:t>
+            </a:r>
+            <a:r>
+              <a:rPr lang="en-US" dirty="0"/>
+              <a:t>, and </a:t>
+            </a:r>
+            <a:r>
+              <a:rPr lang="en-US" b="1" dirty="0">
+                <a:solidFill>
+                  <a:srgbClr val="00B050"/>
+                </a:solidFill>
+              </a:rPr>
+              <a:t>Regional edge caches </a:t>
+            </a:r>
+            <a:r>
+              <a:rPr lang="en-US" dirty="0"/>
+              <a:t>improve performance by </a:t>
+            </a:r>
+            <a:r>
+              <a:rPr lang="en-US" b="1" dirty="0">
+                <a:solidFill>
+                  <a:srgbClr val="00B0F0"/>
+                </a:solidFill>
+              </a:rPr>
+              <a:t>caching</a:t>
+            </a:r>
+            <a:r>
+              <a:rPr lang="en-US" dirty="0"/>
+              <a:t> content closer to users.</a:t>
+            </a:r>
+          </a:p>
+        </p:txBody>
+      </p:sp>
+      <p:pic>
+        <p:nvPicPr>
+          <p:cNvPr id="6146" name="Picture 2" descr="Keyword - Free security icons">
+            <a:extLst>
+              <a:ext uri="{FF2B5EF4-FFF2-40B4-BE49-F238E27FC236}">
+                <a16:creationId xmlns:a16="http://schemas.microsoft.com/office/drawing/2014/main" id="{1A23BD96-8D2D-7728-2FFC-F03199CB9C60}"/>
+              </a:ext>
+            </a:extLst>
+          </p:cNvPr>
+          <p:cNvPicPr>
+            <a:picLocks noChangeAspect="1" noChangeArrowheads="1"/>
+          </p:cNvPicPr>
+          <p:nvPr/>
+        </p:nvPicPr>
+        <p:blipFill>
+          <a:blip r:embed="rId3">
+            <a:extLst>
+              <a:ext uri="{28A0092B-C50C-407E-A947-70E740481C1C}">
+                <a14:useLocalDpi xmlns:a14="http://schemas.microsoft.com/office/drawing/2010/main" val="0"/>
+              </a:ext>
+            </a:extLst>
+          </a:blip>
+          <a:srcRect/>
+          <a:stretch>
+            <a:fillRect/>
+          </a:stretch>
+        </p:blipFill>
+        <p:spPr bwMode="auto">
+          <a:xfrm>
+            <a:off x="653143" y="1611085"/>
+            <a:ext cx="3635829" cy="3635829"/>
+          </a:xfrm>
+          <a:prstGeom prst="rect">
+            <a:avLst/>
+          </a:prstGeom>
+          <a:noFill/>
+          <a:extLst>
+            <a:ext uri="{909E8E84-426E-40DD-AFC4-6F175D3DCCD1}">
+              <a14:hiddenFill xmlns:a14="http://schemas.microsoft.com/office/drawing/2010/main">
+                <a:solidFill>
+                  <a:srgbClr val="FFFFFF"/>
+                </a:solidFill>
+              </a14:hiddenFill>
+            </a:ext>
+          </a:extLst>
+        </p:spPr>
+      </p:pic>
+    </p:spTree>
+    <p:extLst>
+      <p:ext uri="{BB962C8B-B14F-4D97-AF65-F5344CB8AC3E}">
+        <p14:creationId xmlns:p14="http://schemas.microsoft.com/office/powerpoint/2010/main" val="2819427291"/>
+      </p:ext>
+    </p:extLst>
+  </p:cSld>
+  <p:clrMapOvr>
+    <a:masterClrMapping/>
+  </p:clrMapOvr>
 </p:sld>
 </file>
 
